--- a/GPS.pptx
+++ b/GPS.pptx
@@ -254,7 +254,7 @@
           <a:p>
             <a:fld id="{10FE5BFE-EBFF-4D6E-8C56-06511E61A9FB}" type="datetimeFigureOut">
               <a:rPr lang="pt-BR" smtClean="0"/>
-              <a:t>25/06/2018</a:t>
+              <a:t>26/06/2018</a:t>
             </a:fld>
             <a:endParaRPr lang="pt-BR"/>
           </a:p>
@@ -424,7 +424,7 @@
           <a:p>
             <a:fld id="{10FE5BFE-EBFF-4D6E-8C56-06511E61A9FB}" type="datetimeFigureOut">
               <a:rPr lang="pt-BR" smtClean="0"/>
-              <a:t>25/06/2018</a:t>
+              <a:t>26/06/2018</a:t>
             </a:fld>
             <a:endParaRPr lang="pt-BR"/>
           </a:p>
@@ -604,7 +604,7 @@
           <a:p>
             <a:fld id="{10FE5BFE-EBFF-4D6E-8C56-06511E61A9FB}" type="datetimeFigureOut">
               <a:rPr lang="pt-BR" smtClean="0"/>
-              <a:t>25/06/2018</a:t>
+              <a:t>26/06/2018</a:t>
             </a:fld>
             <a:endParaRPr lang="pt-BR"/>
           </a:p>
@@ -774,7 +774,7 @@
           <a:p>
             <a:fld id="{10FE5BFE-EBFF-4D6E-8C56-06511E61A9FB}" type="datetimeFigureOut">
               <a:rPr lang="pt-BR" smtClean="0"/>
-              <a:t>25/06/2018</a:t>
+              <a:t>26/06/2018</a:t>
             </a:fld>
             <a:endParaRPr lang="pt-BR"/>
           </a:p>
@@ -1018,7 +1018,7 @@
           <a:p>
             <a:fld id="{10FE5BFE-EBFF-4D6E-8C56-06511E61A9FB}" type="datetimeFigureOut">
               <a:rPr lang="pt-BR" smtClean="0"/>
-              <a:t>25/06/2018</a:t>
+              <a:t>26/06/2018</a:t>
             </a:fld>
             <a:endParaRPr lang="pt-BR"/>
           </a:p>
@@ -1250,7 +1250,7 @@
           <a:p>
             <a:fld id="{10FE5BFE-EBFF-4D6E-8C56-06511E61A9FB}" type="datetimeFigureOut">
               <a:rPr lang="pt-BR" smtClean="0"/>
-              <a:t>25/06/2018</a:t>
+              <a:t>26/06/2018</a:t>
             </a:fld>
             <a:endParaRPr lang="pt-BR"/>
           </a:p>
@@ -1617,7 +1617,7 @@
           <a:p>
             <a:fld id="{10FE5BFE-EBFF-4D6E-8C56-06511E61A9FB}" type="datetimeFigureOut">
               <a:rPr lang="pt-BR" smtClean="0"/>
-              <a:t>25/06/2018</a:t>
+              <a:t>26/06/2018</a:t>
             </a:fld>
             <a:endParaRPr lang="pt-BR"/>
           </a:p>
@@ -1735,7 +1735,7 @@
           <a:p>
             <a:fld id="{10FE5BFE-EBFF-4D6E-8C56-06511E61A9FB}" type="datetimeFigureOut">
               <a:rPr lang="pt-BR" smtClean="0"/>
-              <a:t>25/06/2018</a:t>
+              <a:t>26/06/2018</a:t>
             </a:fld>
             <a:endParaRPr lang="pt-BR"/>
           </a:p>
@@ -1830,7 +1830,7 @@
           <a:p>
             <a:fld id="{10FE5BFE-EBFF-4D6E-8C56-06511E61A9FB}" type="datetimeFigureOut">
               <a:rPr lang="pt-BR" smtClean="0"/>
-              <a:t>25/06/2018</a:t>
+              <a:t>26/06/2018</a:t>
             </a:fld>
             <a:endParaRPr lang="pt-BR"/>
           </a:p>
@@ -2107,7 +2107,7 @@
           <a:p>
             <a:fld id="{10FE5BFE-EBFF-4D6E-8C56-06511E61A9FB}" type="datetimeFigureOut">
               <a:rPr lang="pt-BR" smtClean="0"/>
-              <a:t>25/06/2018</a:t>
+              <a:t>26/06/2018</a:t>
             </a:fld>
             <a:endParaRPr lang="pt-BR"/>
           </a:p>
@@ -2364,7 +2364,7 @@
           <a:p>
             <a:fld id="{10FE5BFE-EBFF-4D6E-8C56-06511E61A9FB}" type="datetimeFigureOut">
               <a:rPr lang="pt-BR" smtClean="0"/>
-              <a:t>25/06/2018</a:t>
+              <a:t>26/06/2018</a:t>
             </a:fld>
             <a:endParaRPr lang="pt-BR"/>
           </a:p>
@@ -2586,7 +2586,7 @@
           <a:p>
             <a:fld id="{10FE5BFE-EBFF-4D6E-8C56-06511E61A9FB}" type="datetimeFigureOut">
               <a:rPr lang="pt-BR" smtClean="0"/>
-              <a:t>25/06/2018</a:t>
+              <a:t>26/06/2018</a:t>
             </a:fld>
             <a:endParaRPr lang="pt-BR"/>
           </a:p>
@@ -4417,7 +4417,7 @@
             <p:ph idx="1"/>
             <p:extLst>
               <p:ext uri="{D42A27DB-BD31-4B8C-83A1-F6EECF244321}">
-                <p14:modId xmlns:p14="http://schemas.microsoft.com/office/powerpoint/2010/main" val="3310135691"/>
+                <p14:modId xmlns:p14="http://schemas.microsoft.com/office/powerpoint/2010/main" val="486090257"/>
               </p:ext>
             </p:extLst>
           </p:nvPr>
@@ -5137,12 +5137,15 @@
                         </a:spcAft>
                       </a:pPr>
                       <a:r>
-                        <a:rPr lang="pt-BR" sz="2000">
-                          <a:effectLst/>
-                        </a:rPr>
-                        <a:t>471</a:t>
-                      </a:r>
-                      <a:endParaRPr lang="pt-BR" sz="2000">
+                        <a:rPr lang="pt-BR" sz="2000" dirty="0" smtClean="0">
+                          <a:effectLst/>
+                          <a:latin typeface="+mn-lt"/>
+                          <a:ea typeface="+mn-ea"/>
+                          <a:cs typeface="+mn-cs"/>
+                        </a:rPr>
+                        <a:t>624</a:t>
+                      </a:r>
+                      <a:endParaRPr lang="pt-BR" sz="2000" dirty="0">
                         <a:effectLst/>
                         <a:latin typeface="Calibri" panose="020F0502020204030204" pitchFamily="34" charset="0"/>
                         <a:ea typeface="Calibri" panose="020F0502020204030204" pitchFamily="34" charset="0"/>
@@ -5163,12 +5166,15 @@
                         </a:spcAft>
                       </a:pPr>
                       <a:r>
-                        <a:rPr lang="pt-BR" sz="2000">
-                          <a:effectLst/>
-                        </a:rPr>
-                        <a:t>39</a:t>
-                      </a:r>
-                      <a:endParaRPr lang="pt-BR" sz="2000">
+                        <a:rPr lang="pt-BR" sz="2000" dirty="0" smtClean="0">
+                          <a:effectLst/>
+                          <a:latin typeface="Calibri" panose="020F0502020204030204" pitchFamily="34" charset="0"/>
+                          <a:ea typeface="Calibri" panose="020F0502020204030204" pitchFamily="34" charset="0"/>
+                          <a:cs typeface="Calibri" panose="020F0502020204030204" pitchFamily="34" charset="0"/>
+                        </a:rPr>
+                        <a:t>52</a:t>
+                      </a:r>
+                      <a:endParaRPr lang="pt-BR" sz="2000" dirty="0">
                         <a:effectLst/>
                         <a:latin typeface="Calibri" panose="020F0502020204030204" pitchFamily="34" charset="0"/>
                         <a:ea typeface="Calibri" panose="020F0502020204030204" pitchFamily="34" charset="0"/>
@@ -5189,12 +5195,12 @@
                         </a:spcAft>
                       </a:pPr>
                       <a:r>
-                        <a:rPr lang="pt-BR" sz="2000">
-                          <a:effectLst/>
-                        </a:rPr>
-                        <a:t>1 099</a:t>
-                      </a:r>
-                      <a:endParaRPr lang="pt-BR" sz="2000">
+                        <a:rPr lang="pt-BR" sz="2000" dirty="0" smtClean="0">
+                          <a:effectLst/>
+                        </a:rPr>
+                        <a:t>1456</a:t>
+                      </a:r>
+                      <a:endParaRPr lang="pt-BR" sz="2000" dirty="0">
                         <a:effectLst/>
                         <a:latin typeface="Calibri" panose="020F0502020204030204" pitchFamily="34" charset="0"/>
                         <a:ea typeface="Calibri" panose="020F0502020204030204" pitchFamily="34" charset="0"/>
@@ -5215,10 +5221,10 @@
                         </a:spcAft>
                       </a:pPr>
                       <a:r>
-                        <a:rPr lang="pt-BR" sz="2000" dirty="0">
-                          <a:effectLst/>
-                        </a:rPr>
-                        <a:t>157</a:t>
+                        <a:rPr lang="pt-BR" sz="2000" dirty="0" smtClean="0">
+                          <a:effectLst/>
+                        </a:rPr>
+                        <a:t>208</a:t>
                       </a:r>
                       <a:endParaRPr lang="pt-BR" sz="2000" dirty="0">
                         <a:effectLst/>

--- a/GPS.pptx
+++ b/GPS.pptx
@@ -165,7 +165,7 @@
           </a:lstStyle>
           <a:p>
             <a:r>
-              <a:rPr lang="pt-BR" smtClean="0"/>
+              <a:rPr lang="pt-BR"/>
               <a:t>Clique para editar o título mestre</a:t>
             </a:r>
             <a:endParaRPr lang="en-US" dirty="0"/>
@@ -230,7 +230,7 @@
           </a:lstStyle>
           <a:p>
             <a:r>
-              <a:rPr lang="pt-BR" smtClean="0"/>
+              <a:rPr lang="pt-BR"/>
               <a:t>Clique para editar o estilo do subtítulo mestre</a:t>
             </a:r>
             <a:endParaRPr lang="en-US" dirty="0"/>
@@ -348,7 +348,7 @@
           <a:lstStyle/>
           <a:p>
             <a:r>
-              <a:rPr lang="pt-BR" smtClean="0"/>
+              <a:rPr lang="pt-BR"/>
               <a:t>Clique para editar o título mestre</a:t>
             </a:r>
             <a:endParaRPr lang="en-US" dirty="0"/>
@@ -372,35 +372,35 @@
           <a:p>
             <a:pPr lvl="0"/>
             <a:r>
-              <a:rPr lang="pt-BR" smtClean="0"/>
+              <a:rPr lang="pt-BR"/>
               <a:t>Clique para editar o texto mestre</a:t>
             </a:r>
           </a:p>
           <a:p>
             <a:pPr lvl="1"/>
             <a:r>
-              <a:rPr lang="pt-BR" smtClean="0"/>
+              <a:rPr lang="pt-BR"/>
               <a:t>Segundo nível</a:t>
             </a:r>
           </a:p>
           <a:p>
             <a:pPr lvl="2"/>
             <a:r>
-              <a:rPr lang="pt-BR" smtClean="0"/>
+              <a:rPr lang="pt-BR"/>
               <a:t>Terceiro nível</a:t>
             </a:r>
           </a:p>
           <a:p>
             <a:pPr lvl="3"/>
             <a:r>
-              <a:rPr lang="pt-BR" smtClean="0"/>
+              <a:rPr lang="pt-BR"/>
               <a:t>Quarto nível</a:t>
             </a:r>
           </a:p>
           <a:p>
             <a:pPr lvl="4"/>
             <a:r>
-              <a:rPr lang="pt-BR" smtClean="0"/>
+              <a:rPr lang="pt-BR"/>
               <a:t>Quinto nível</a:t>
             </a:r>
             <a:endParaRPr lang="en-US" dirty="0"/>
@@ -523,7 +523,7 @@
           <a:lstStyle/>
           <a:p>
             <a:r>
-              <a:rPr lang="pt-BR" smtClean="0"/>
+              <a:rPr lang="pt-BR"/>
               <a:t>Clique para editar o título mestre</a:t>
             </a:r>
             <a:endParaRPr lang="en-US" dirty="0"/>
@@ -552,35 +552,35 @@
           <a:p>
             <a:pPr lvl="0"/>
             <a:r>
-              <a:rPr lang="pt-BR" smtClean="0"/>
+              <a:rPr lang="pt-BR"/>
               <a:t>Clique para editar o texto mestre</a:t>
             </a:r>
           </a:p>
           <a:p>
             <a:pPr lvl="1"/>
             <a:r>
-              <a:rPr lang="pt-BR" smtClean="0"/>
+              <a:rPr lang="pt-BR"/>
               <a:t>Segundo nível</a:t>
             </a:r>
           </a:p>
           <a:p>
             <a:pPr lvl="2"/>
             <a:r>
-              <a:rPr lang="pt-BR" smtClean="0"/>
+              <a:rPr lang="pt-BR"/>
               <a:t>Terceiro nível</a:t>
             </a:r>
           </a:p>
           <a:p>
             <a:pPr lvl="3"/>
             <a:r>
-              <a:rPr lang="pt-BR" smtClean="0"/>
+              <a:rPr lang="pt-BR"/>
               <a:t>Quarto nível</a:t>
             </a:r>
           </a:p>
           <a:p>
             <a:pPr lvl="4"/>
             <a:r>
-              <a:rPr lang="pt-BR" smtClean="0"/>
+              <a:rPr lang="pt-BR"/>
               <a:t>Quinto nível</a:t>
             </a:r>
             <a:endParaRPr lang="en-US" dirty="0"/>
@@ -698,7 +698,7 @@
           <a:lstStyle/>
           <a:p>
             <a:r>
-              <a:rPr lang="pt-BR" smtClean="0"/>
+              <a:rPr lang="pt-BR"/>
               <a:t>Clique para editar o título mestre</a:t>
             </a:r>
             <a:endParaRPr lang="en-US" dirty="0"/>
@@ -722,35 +722,35 @@
           <a:p>
             <a:pPr lvl="0"/>
             <a:r>
-              <a:rPr lang="pt-BR" smtClean="0"/>
+              <a:rPr lang="pt-BR"/>
               <a:t>Clique para editar o texto mestre</a:t>
             </a:r>
           </a:p>
           <a:p>
             <a:pPr lvl="1"/>
             <a:r>
-              <a:rPr lang="pt-BR" smtClean="0"/>
+              <a:rPr lang="pt-BR"/>
               <a:t>Segundo nível</a:t>
             </a:r>
           </a:p>
           <a:p>
             <a:pPr lvl="2"/>
             <a:r>
-              <a:rPr lang="pt-BR" smtClean="0"/>
+              <a:rPr lang="pt-BR"/>
               <a:t>Terceiro nível</a:t>
             </a:r>
           </a:p>
           <a:p>
             <a:pPr lvl="3"/>
             <a:r>
-              <a:rPr lang="pt-BR" smtClean="0"/>
+              <a:rPr lang="pt-BR"/>
               <a:t>Quarto nível</a:t>
             </a:r>
           </a:p>
           <a:p>
             <a:pPr lvl="4"/>
             <a:r>
-              <a:rPr lang="pt-BR" smtClean="0"/>
+              <a:rPr lang="pt-BR"/>
               <a:t>Quinto nível</a:t>
             </a:r>
             <a:endParaRPr lang="en-US" dirty="0"/>
@@ -877,7 +877,7 @@
           </a:lstStyle>
           <a:p>
             <a:r>
-              <a:rPr lang="pt-BR" smtClean="0"/>
+              <a:rPr lang="pt-BR"/>
               <a:t>Clique para editar o título mestre</a:t>
             </a:r>
             <a:endParaRPr lang="en-US" dirty="0"/>
@@ -995,7 +995,7 @@
           <a:p>
             <a:pPr lvl="0"/>
             <a:r>
-              <a:rPr lang="pt-BR" smtClean="0"/>
+              <a:rPr lang="pt-BR"/>
               <a:t>Clique para editar o texto mestre</a:t>
             </a:r>
           </a:p>
@@ -1112,7 +1112,7 @@
           <a:lstStyle/>
           <a:p>
             <a:r>
-              <a:rPr lang="pt-BR" smtClean="0"/>
+              <a:rPr lang="pt-BR"/>
               <a:t>Clique para editar o título mestre</a:t>
             </a:r>
             <a:endParaRPr lang="en-US" dirty="0"/>
@@ -1141,35 +1141,35 @@
           <a:p>
             <a:pPr lvl="0"/>
             <a:r>
-              <a:rPr lang="pt-BR" smtClean="0"/>
+              <a:rPr lang="pt-BR"/>
               <a:t>Clique para editar o texto mestre</a:t>
             </a:r>
           </a:p>
           <a:p>
             <a:pPr lvl="1"/>
             <a:r>
-              <a:rPr lang="pt-BR" smtClean="0"/>
+              <a:rPr lang="pt-BR"/>
               <a:t>Segundo nível</a:t>
             </a:r>
           </a:p>
           <a:p>
             <a:pPr lvl="2"/>
             <a:r>
-              <a:rPr lang="pt-BR" smtClean="0"/>
+              <a:rPr lang="pt-BR"/>
               <a:t>Terceiro nível</a:t>
             </a:r>
           </a:p>
           <a:p>
             <a:pPr lvl="3"/>
             <a:r>
-              <a:rPr lang="pt-BR" smtClean="0"/>
+              <a:rPr lang="pt-BR"/>
               <a:t>Quarto nível</a:t>
             </a:r>
           </a:p>
           <a:p>
             <a:pPr lvl="4"/>
             <a:r>
-              <a:rPr lang="pt-BR" smtClean="0"/>
+              <a:rPr lang="pt-BR"/>
               <a:t>Quinto nível</a:t>
             </a:r>
             <a:endParaRPr lang="en-US" dirty="0"/>
@@ -1198,35 +1198,35 @@
           <a:p>
             <a:pPr lvl="0"/>
             <a:r>
-              <a:rPr lang="pt-BR" smtClean="0"/>
+              <a:rPr lang="pt-BR"/>
               <a:t>Clique para editar o texto mestre</a:t>
             </a:r>
           </a:p>
           <a:p>
             <a:pPr lvl="1"/>
             <a:r>
-              <a:rPr lang="pt-BR" smtClean="0"/>
+              <a:rPr lang="pt-BR"/>
               <a:t>Segundo nível</a:t>
             </a:r>
           </a:p>
           <a:p>
             <a:pPr lvl="2"/>
             <a:r>
-              <a:rPr lang="pt-BR" smtClean="0"/>
+              <a:rPr lang="pt-BR"/>
               <a:t>Terceiro nível</a:t>
             </a:r>
           </a:p>
           <a:p>
             <a:pPr lvl="3"/>
             <a:r>
-              <a:rPr lang="pt-BR" smtClean="0"/>
+              <a:rPr lang="pt-BR"/>
               <a:t>Quarto nível</a:t>
             </a:r>
           </a:p>
           <a:p>
             <a:pPr lvl="4"/>
             <a:r>
-              <a:rPr lang="pt-BR" smtClean="0"/>
+              <a:rPr lang="pt-BR"/>
               <a:t>Quinto nível</a:t>
             </a:r>
             <a:endParaRPr lang="en-US" dirty="0"/>
@@ -1349,7 +1349,7 @@
           <a:lstStyle/>
           <a:p>
             <a:r>
-              <a:rPr lang="pt-BR" smtClean="0"/>
+              <a:rPr lang="pt-BR"/>
               <a:t>Clique para editar o título mestre</a:t>
             </a:r>
             <a:endParaRPr lang="en-US" dirty="0"/>
@@ -1415,7 +1415,7 @@
           <a:p>
             <a:pPr lvl="0"/>
             <a:r>
-              <a:rPr lang="pt-BR" smtClean="0"/>
+              <a:rPr lang="pt-BR"/>
               <a:t>Clique para editar o texto mestre</a:t>
             </a:r>
           </a:p>
@@ -1443,35 +1443,35 @@
           <a:p>
             <a:pPr lvl="0"/>
             <a:r>
-              <a:rPr lang="pt-BR" smtClean="0"/>
+              <a:rPr lang="pt-BR"/>
               <a:t>Clique para editar o texto mestre</a:t>
             </a:r>
           </a:p>
           <a:p>
             <a:pPr lvl="1"/>
             <a:r>
-              <a:rPr lang="pt-BR" smtClean="0"/>
+              <a:rPr lang="pt-BR"/>
               <a:t>Segundo nível</a:t>
             </a:r>
           </a:p>
           <a:p>
             <a:pPr lvl="2"/>
             <a:r>
-              <a:rPr lang="pt-BR" smtClean="0"/>
+              <a:rPr lang="pt-BR"/>
               <a:t>Terceiro nível</a:t>
             </a:r>
           </a:p>
           <a:p>
             <a:pPr lvl="3"/>
             <a:r>
-              <a:rPr lang="pt-BR" smtClean="0"/>
+              <a:rPr lang="pt-BR"/>
               <a:t>Quarto nível</a:t>
             </a:r>
           </a:p>
           <a:p>
             <a:pPr lvl="4"/>
             <a:r>
-              <a:rPr lang="pt-BR" smtClean="0"/>
+              <a:rPr lang="pt-BR"/>
               <a:t>Quinto nível</a:t>
             </a:r>
             <a:endParaRPr lang="en-US" dirty="0"/>
@@ -1537,7 +1537,7 @@
           <a:p>
             <a:pPr lvl="0"/>
             <a:r>
-              <a:rPr lang="pt-BR" smtClean="0"/>
+              <a:rPr lang="pt-BR"/>
               <a:t>Clique para editar o texto mestre</a:t>
             </a:r>
           </a:p>
@@ -1565,35 +1565,35 @@
           <a:p>
             <a:pPr lvl="0"/>
             <a:r>
-              <a:rPr lang="pt-BR" smtClean="0"/>
+              <a:rPr lang="pt-BR"/>
               <a:t>Clique para editar o texto mestre</a:t>
             </a:r>
           </a:p>
           <a:p>
             <a:pPr lvl="1"/>
             <a:r>
-              <a:rPr lang="pt-BR" smtClean="0"/>
+              <a:rPr lang="pt-BR"/>
               <a:t>Segundo nível</a:t>
             </a:r>
           </a:p>
           <a:p>
             <a:pPr lvl="2"/>
             <a:r>
-              <a:rPr lang="pt-BR" smtClean="0"/>
+              <a:rPr lang="pt-BR"/>
               <a:t>Terceiro nível</a:t>
             </a:r>
           </a:p>
           <a:p>
             <a:pPr lvl="3"/>
             <a:r>
-              <a:rPr lang="pt-BR" smtClean="0"/>
+              <a:rPr lang="pt-BR"/>
               <a:t>Quarto nível</a:t>
             </a:r>
           </a:p>
           <a:p>
             <a:pPr lvl="4"/>
             <a:r>
-              <a:rPr lang="pt-BR" smtClean="0"/>
+              <a:rPr lang="pt-BR"/>
               <a:t>Quinto nível</a:t>
             </a:r>
             <a:endParaRPr lang="en-US" dirty="0"/>
@@ -1711,7 +1711,7 @@
           <a:lstStyle/>
           <a:p>
             <a:r>
-              <a:rPr lang="pt-BR" smtClean="0"/>
+              <a:rPr lang="pt-BR"/>
               <a:t>Clique para editar o título mestre</a:t>
             </a:r>
             <a:endParaRPr lang="en-US" dirty="0"/>
@@ -1933,7 +1933,7 @@
           </a:lstStyle>
           <a:p>
             <a:r>
-              <a:rPr lang="pt-BR" smtClean="0"/>
+              <a:rPr lang="pt-BR"/>
               <a:t>Clique para editar o título mestre</a:t>
             </a:r>
             <a:endParaRPr lang="en-US" dirty="0"/>
@@ -1990,35 +1990,35 @@
           <a:p>
             <a:pPr lvl="0"/>
             <a:r>
-              <a:rPr lang="pt-BR" smtClean="0"/>
+              <a:rPr lang="pt-BR"/>
               <a:t>Clique para editar o texto mestre</a:t>
             </a:r>
           </a:p>
           <a:p>
             <a:pPr lvl="1"/>
             <a:r>
-              <a:rPr lang="pt-BR" smtClean="0"/>
+              <a:rPr lang="pt-BR"/>
               <a:t>Segundo nível</a:t>
             </a:r>
           </a:p>
           <a:p>
             <a:pPr lvl="2"/>
             <a:r>
-              <a:rPr lang="pt-BR" smtClean="0"/>
+              <a:rPr lang="pt-BR"/>
               <a:t>Terceiro nível</a:t>
             </a:r>
           </a:p>
           <a:p>
             <a:pPr lvl="3"/>
             <a:r>
-              <a:rPr lang="pt-BR" smtClean="0"/>
+              <a:rPr lang="pt-BR"/>
               <a:t>Quarto nível</a:t>
             </a:r>
           </a:p>
           <a:p>
             <a:pPr lvl="4"/>
             <a:r>
-              <a:rPr lang="pt-BR" smtClean="0"/>
+              <a:rPr lang="pt-BR"/>
               <a:t>Quinto nível</a:t>
             </a:r>
             <a:endParaRPr lang="en-US" dirty="0"/>
@@ -2084,7 +2084,7 @@
           <a:p>
             <a:pPr lvl="0"/>
             <a:r>
-              <a:rPr lang="pt-BR" smtClean="0"/>
+              <a:rPr lang="pt-BR"/>
               <a:t>Clique para editar o texto mestre</a:t>
             </a:r>
           </a:p>
@@ -2210,7 +2210,7 @@
           </a:lstStyle>
           <a:p>
             <a:r>
-              <a:rPr lang="pt-BR" smtClean="0"/>
+              <a:rPr lang="pt-BR"/>
               <a:t>Clique para editar o título mestre</a:t>
             </a:r>
             <a:endParaRPr lang="en-US" dirty="0"/>
@@ -2275,7 +2275,7 @@
           </a:lstStyle>
           <a:p>
             <a:r>
-              <a:rPr lang="pt-BR" smtClean="0"/>
+              <a:rPr lang="pt-BR"/>
               <a:t>Clique no ícone para adicionar uma imagem</a:t>
             </a:r>
             <a:endParaRPr lang="en-US" dirty="0"/>
@@ -2341,7 +2341,7 @@
           <a:p>
             <a:pPr lvl="0"/>
             <a:r>
-              <a:rPr lang="pt-BR" smtClean="0"/>
+              <a:rPr lang="pt-BR"/>
               <a:t>Clique para editar o texto mestre</a:t>
             </a:r>
           </a:p>
@@ -2482,7 +2482,7 @@
           <a:lstStyle/>
           <a:p>
             <a:r>
-              <a:rPr lang="pt-BR" smtClean="0"/>
+              <a:rPr lang="pt-BR"/>
               <a:t>Clique para editar o título mestre</a:t>
             </a:r>
             <a:endParaRPr lang="en-US" dirty="0"/>
@@ -2516,35 +2516,35 @@
           <a:p>
             <a:pPr lvl="0"/>
             <a:r>
-              <a:rPr lang="pt-BR" smtClean="0"/>
+              <a:rPr lang="pt-BR"/>
               <a:t>Clique para editar o texto mestre</a:t>
             </a:r>
           </a:p>
           <a:p>
             <a:pPr lvl="1"/>
             <a:r>
-              <a:rPr lang="pt-BR" smtClean="0"/>
+              <a:rPr lang="pt-BR"/>
               <a:t>Segundo nível</a:t>
             </a:r>
           </a:p>
           <a:p>
             <a:pPr lvl="2"/>
             <a:r>
-              <a:rPr lang="pt-BR" smtClean="0"/>
+              <a:rPr lang="pt-BR"/>
               <a:t>Terceiro nível</a:t>
             </a:r>
           </a:p>
           <a:p>
             <a:pPr lvl="3"/>
             <a:r>
-              <a:rPr lang="pt-BR" smtClean="0"/>
+              <a:rPr lang="pt-BR"/>
               <a:t>Quarto nível</a:t>
             </a:r>
           </a:p>
           <a:p>
             <a:pPr lvl="4"/>
             <a:r>
-              <a:rPr lang="pt-BR" smtClean="0"/>
+              <a:rPr lang="pt-BR"/>
               <a:t>Quinto nível</a:t>
             </a:r>
             <a:endParaRPr lang="en-US" dirty="0"/>
@@ -3026,14 +3026,11 @@
           <a:lstStyle/>
           <a:p>
             <a:r>
-              <a:rPr lang="pt-BR" dirty="0" smtClean="0">
+              <a:rPr lang="pt-BR" dirty="0">
                 <a:latin typeface="+mn-lt"/>
               </a:rPr>
               <a:t>Projeto Conta Universitária</a:t>
             </a:r>
-            <a:endParaRPr lang="pt-BR" dirty="0">
-              <a:latin typeface="+mn-lt"/>
-            </a:endParaRPr>
           </a:p>
         </p:txBody>
       </p:sp>
@@ -3062,48 +3059,28 @@
             <a:pPr algn="just"/>
             <a:r>
               <a:rPr lang="pt-BR" dirty="0"/>
-              <a:t>FERNANDO AUGUSTO </a:t>
-            </a:r>
-            <a:r>
-              <a:rPr lang="pt-BR" dirty="0" smtClean="0"/>
-              <a:t>NEVES	</a:t>
-            </a:r>
+              <a:t>FERNANDO AUGUSTO NEVES			RA:   1705318</a:t>
+            </a:r>
+          </a:p>
+          <a:p>
+            <a:pPr algn="just"/>
             <a:r>
               <a:rPr lang="pt-BR" dirty="0"/>
-              <a:t>		RA:   1705318</a:t>
+              <a:t>JOSÉ MARCOS MIRANDA NEVES	          		RA:   1693190</a:t>
             </a:r>
           </a:p>
           <a:p>
             <a:pPr algn="just"/>
             <a:r>
-              <a:rPr lang="pt-BR" dirty="0" smtClean="0"/>
-              <a:t>JOSÉ </a:t>
-            </a:r>
-            <a:r>
               <a:rPr lang="pt-BR" dirty="0"/>
-              <a:t>MARCOS MIRANDA NEVES	          		RA:   1693190</a:t>
+              <a:t>RICARDO YUJI MATSUURA 				RA:   1693263</a:t>
             </a:r>
           </a:p>
           <a:p>
             <a:pPr algn="just"/>
             <a:r>
-              <a:rPr lang="pt-BR" dirty="0" smtClean="0"/>
-              <a:t>RICARDO </a:t>
-            </a:r>
-            <a:r>
               <a:rPr lang="pt-BR" dirty="0"/>
-              <a:t>YUJI MATSUURA 				RA:   1693263</a:t>
-            </a:r>
-          </a:p>
-          <a:p>
-            <a:pPr algn="just"/>
-            <a:r>
-              <a:rPr lang="pt-BR" dirty="0" smtClean="0"/>
-              <a:t>ROGER </a:t>
-            </a:r>
-            <a:r>
-              <a:rPr lang="pt-BR" dirty="0"/>
-              <a:t>VERZOLA PERES DE LIMA			RA:   1693271</a:t>
+              <a:t>ROGER VERZOLA PERES DE LIMA			RA:   1693271</a:t>
             </a:r>
           </a:p>
           <a:p>
@@ -3121,13 +3098,6 @@
   <p:clrMapOvr>
     <a:masterClrMapping/>
   </p:clrMapOvr>
-  <p:timing>
-    <p:tnLst>
-      <p:par>
-        <p:cTn id="1" dur="indefinite" restart="never" nodeType="tmRoot"/>
-      </p:par>
-    </p:tnLst>
-  </p:timing>
 </p:sld>
 </file>
 
@@ -3169,10 +3139,9 @@
           <a:lstStyle/>
           <a:p>
             <a:r>
-              <a:rPr lang="pt-BR" dirty="0" smtClean="0"/>
+              <a:rPr lang="pt-BR" dirty="0"/>
               <a:t>Riscos</a:t>
             </a:r>
-            <a:endParaRPr lang="pt-BR" dirty="0"/>
           </a:p>
         </p:txBody>
       </p:sp>
@@ -3202,11 +3171,41 @@
                 <a:tableStyleId>{5C22544A-7EE6-4342-B048-85BDC9FD1C3A}</a:tableStyleId>
               </a:tblPr>
               <a:tblGrid>
-                <a:gridCol w="1999312"/>
-                <a:gridCol w="1629732"/>
-                <a:gridCol w="1334231"/>
-                <a:gridCol w="1149442"/>
-                <a:gridCol w="1475877"/>
+                <a:gridCol w="1999312">
+                  <a:extLst>
+                    <a:ext uri="{9D8B030D-6E8A-4147-A177-3AD203B41FA5}">
+                      <a16:colId xmlns:a16="http://schemas.microsoft.com/office/drawing/2014/main" val="20000"/>
+                    </a:ext>
+                  </a:extLst>
+                </a:gridCol>
+                <a:gridCol w="1629732">
+                  <a:extLst>
+                    <a:ext uri="{9D8B030D-6E8A-4147-A177-3AD203B41FA5}">
+                      <a16:colId xmlns:a16="http://schemas.microsoft.com/office/drawing/2014/main" val="20001"/>
+                    </a:ext>
+                  </a:extLst>
+                </a:gridCol>
+                <a:gridCol w="1334231">
+                  <a:extLst>
+                    <a:ext uri="{9D8B030D-6E8A-4147-A177-3AD203B41FA5}">
+                      <a16:colId xmlns:a16="http://schemas.microsoft.com/office/drawing/2014/main" val="20002"/>
+                    </a:ext>
+                  </a:extLst>
+                </a:gridCol>
+                <a:gridCol w="1149442">
+                  <a:extLst>
+                    <a:ext uri="{9D8B030D-6E8A-4147-A177-3AD203B41FA5}">
+                      <a16:colId xmlns:a16="http://schemas.microsoft.com/office/drawing/2014/main" val="20003"/>
+                    </a:ext>
+                  </a:extLst>
+                </a:gridCol>
+                <a:gridCol w="1475877">
+                  <a:extLst>
+                    <a:ext uri="{9D8B030D-6E8A-4147-A177-3AD203B41FA5}">
+                      <a16:colId xmlns:a16="http://schemas.microsoft.com/office/drawing/2014/main" val="20004"/>
+                    </a:ext>
+                  </a:extLst>
+                </a:gridCol>
               </a:tblGrid>
               <a:tr h="1036664">
                 <a:tc>
@@ -3339,6 +3338,11 @@
                   </a:txBody>
                   <a:tcPr marL="68580" marR="68580" marT="0" marB="0"/>
                 </a:tc>
+                <a:extLst>
+                  <a:ext uri="{0D108BD9-81ED-4DB2-BD59-A6C34878D82A}">
+                    <a16:rowId xmlns:a16="http://schemas.microsoft.com/office/drawing/2014/main" val="10000"/>
+                  </a:ext>
+                </a:extLst>
               </a:tr>
               <a:tr h="403147">
                 <a:tc>
@@ -3471,6 +3475,11 @@
                   </a:txBody>
                   <a:tcPr marL="68580" marR="68580" marT="0" marB="0"/>
                 </a:tc>
+                <a:extLst>
+                  <a:ext uri="{0D108BD9-81ED-4DB2-BD59-A6C34878D82A}">
+                    <a16:rowId xmlns:a16="http://schemas.microsoft.com/office/drawing/2014/main" val="10001"/>
+                  </a:ext>
+                </a:extLst>
               </a:tr>
               <a:tr h="2073328">
                 <a:tc>
@@ -3510,16 +3519,10 @@
                         </a:spcAft>
                       </a:pPr>
                       <a:r>
-                        <a:rPr lang="pt-BR" sz="1800" dirty="0" smtClean="0">
-                          <a:effectLst/>
-                        </a:rPr>
-                        <a:t>Evitar: </a:t>
-                      </a:r>
-                      <a:r>
                         <a:rPr lang="pt-BR" sz="1800" dirty="0">
                           <a:effectLst/>
                         </a:rPr>
-                        <a:t>Caso ocorra o desengajamento dos desenvolvedores, será realizado um aumento no salário.</a:t>
+                        <a:t>Evitar: Caso ocorra o desengajamento dos desenvolvedores, será realizado um aumento no salário.</a:t>
                       </a:r>
                       <a:endParaRPr lang="pt-BR" sz="1800" dirty="0">
                         <a:effectLst/>
@@ -3609,6 +3612,11 @@
                   </a:txBody>
                   <a:tcPr marL="68580" marR="68580" marT="0" marB="0"/>
                 </a:tc>
+                <a:extLst>
+                  <a:ext uri="{0D108BD9-81ED-4DB2-BD59-A6C34878D82A}">
+                    <a16:rowId xmlns:a16="http://schemas.microsoft.com/office/drawing/2014/main" val="10002"/>
+                  </a:ext>
+                </a:extLst>
               </a:tr>
             </a:tbl>
           </a:graphicData>
@@ -3624,13 +3632,6 @@
   <p:clrMapOvr>
     <a:masterClrMapping/>
   </p:clrMapOvr>
-  <p:timing>
-    <p:tnLst>
-      <p:par>
-        <p:cTn id="1" dur="indefinite" restart="never" nodeType="tmRoot"/>
-      </p:par>
-    </p:tnLst>
-  </p:timing>
 </p:sld>
 </file>
 
@@ -3672,10 +3673,9 @@
           <a:lstStyle/>
           <a:p>
             <a:r>
-              <a:rPr lang="pt-BR" dirty="0" smtClean="0"/>
+              <a:rPr lang="pt-BR" dirty="0"/>
               <a:t>Riscos</a:t>
             </a:r>
-            <a:endParaRPr lang="pt-BR" dirty="0"/>
           </a:p>
         </p:txBody>
       </p:sp>
@@ -3730,13 +3730,6 @@
   <p:clrMapOvr>
     <a:masterClrMapping/>
   </p:clrMapOvr>
-  <p:timing>
-    <p:tnLst>
-      <p:par>
-        <p:cTn id="1" dur="indefinite" restart="never" nodeType="tmRoot"/>
-      </p:par>
-    </p:tnLst>
-  </p:timing>
 </p:sld>
 </file>
 
@@ -3778,10 +3771,9 @@
           <a:lstStyle/>
           <a:p>
             <a:r>
-              <a:rPr lang="pt-BR" dirty="0" smtClean="0"/>
+              <a:rPr lang="pt-BR" dirty="0"/>
               <a:t>Riscos</a:t>
             </a:r>
-            <a:endParaRPr lang="pt-BR" dirty="0"/>
           </a:p>
         </p:txBody>
       </p:sp>
@@ -3836,13 +3828,6 @@
   <p:clrMapOvr>
     <a:masterClrMapping/>
   </p:clrMapOvr>
-  <p:timing>
-    <p:tnLst>
-      <p:par>
-        <p:cTn id="1" dur="indefinite" restart="never" nodeType="tmRoot"/>
-      </p:par>
-    </p:tnLst>
-  </p:timing>
 </p:sld>
 </file>
 
@@ -3898,10 +3883,9 @@
           <a:lstStyle/>
           <a:p>
             <a:r>
-              <a:rPr lang="pt-BR" dirty="0" smtClean="0"/>
+              <a:rPr lang="pt-BR" dirty="0"/>
               <a:t>Roteiro</a:t>
             </a:r>
-            <a:endParaRPr lang="pt-BR" dirty="0"/>
           </a:p>
         </p:txBody>
       </p:sp>
@@ -3926,25 +3910,25 @@
           <a:lstStyle/>
           <a:p>
             <a:r>
-              <a:rPr lang="pt-BR" dirty="0" smtClean="0"/>
+              <a:rPr lang="pt-BR" dirty="0"/>
               <a:t>Contextualização</a:t>
             </a:r>
           </a:p>
           <a:p>
             <a:r>
-              <a:rPr lang="pt-BR" dirty="0" smtClean="0"/>
+              <a:rPr lang="pt-BR" dirty="0"/>
               <a:t>Tempo de execução</a:t>
             </a:r>
           </a:p>
           <a:p>
             <a:r>
-              <a:rPr lang="pt-BR" dirty="0" smtClean="0"/>
+              <a:rPr lang="pt-BR" dirty="0"/>
               <a:t>Custos</a:t>
             </a:r>
           </a:p>
           <a:p>
             <a:r>
-              <a:rPr lang="pt-BR" dirty="0" smtClean="0"/>
+              <a:rPr lang="pt-BR" dirty="0"/>
               <a:t>Riscos</a:t>
             </a:r>
           </a:p>
@@ -3963,13 +3947,6 @@
   <p:clrMapOvr>
     <a:masterClrMapping/>
   </p:clrMapOvr>
-  <p:timing>
-    <p:tnLst>
-      <p:par>
-        <p:cTn id="1" dur="indefinite" restart="never" nodeType="tmRoot"/>
-      </p:par>
-    </p:tnLst>
-  </p:timing>
 </p:sld>
 </file>
 
@@ -4011,10 +3988,9 @@
           <a:lstStyle/>
           <a:p>
             <a:r>
-              <a:rPr lang="pt-BR" dirty="0" smtClean="0"/>
+              <a:rPr lang="pt-BR" dirty="0"/>
               <a:t>Contextualização</a:t>
             </a:r>
-            <a:endParaRPr lang="pt-BR" dirty="0"/>
           </a:p>
         </p:txBody>
       </p:sp>
@@ -4039,28 +4015,27 @@
           <a:lstStyle/>
           <a:p>
             <a:r>
-              <a:rPr lang="pt-BR" dirty="0" smtClean="0"/>
+              <a:rPr lang="pt-BR" dirty="0"/>
               <a:t>Contextualização</a:t>
             </a:r>
           </a:p>
           <a:p>
             <a:r>
-              <a:rPr lang="pt-BR" dirty="0" smtClean="0"/>
+              <a:rPr lang="pt-BR" dirty="0"/>
               <a:t>Tempo de execução</a:t>
             </a:r>
           </a:p>
           <a:p>
             <a:r>
-              <a:rPr lang="pt-BR" dirty="0" smtClean="0"/>
+              <a:rPr lang="pt-BR" dirty="0"/>
               <a:t>Custo</a:t>
             </a:r>
           </a:p>
           <a:p>
             <a:r>
-              <a:rPr lang="pt-BR" dirty="0" smtClean="0"/>
+              <a:rPr lang="pt-BR" dirty="0"/>
               <a:t>Riscos</a:t>
             </a:r>
-            <a:endParaRPr lang="pt-BR" dirty="0"/>
           </a:p>
         </p:txBody>
       </p:sp>
@@ -4074,13 +4049,6 @@
   <p:clrMapOvr>
     <a:masterClrMapping/>
   </p:clrMapOvr>
-  <p:timing>
-    <p:tnLst>
-      <p:par>
-        <p:cTn id="1" dur="indefinite" restart="never" nodeType="tmRoot"/>
-      </p:par>
-    </p:tnLst>
-  </p:timing>
 </p:sld>
 </file>
 
@@ -4122,10 +4090,9 @@
           <a:lstStyle/>
           <a:p>
             <a:r>
-              <a:rPr lang="pt-BR" dirty="0" smtClean="0"/>
+              <a:rPr lang="pt-BR" dirty="0"/>
               <a:t>Tempo de execução</a:t>
             </a:r>
-            <a:endParaRPr lang="pt-BR" dirty="0"/>
           </a:p>
         </p:txBody>
       </p:sp>
@@ -4149,7 +4116,24 @@
           <a:bodyPr/>
           <a:lstStyle/>
           <a:p>
-            <a:endParaRPr lang="pt-BR" dirty="0"/>
+            <a:r>
+              <a:rPr lang="pt-BR" dirty="0"/>
+              <a:t>Depois de estimados os recursos necessários para o projeto e a duração das tarefas, foi possível obter os dados sobre a duração e o custo do projeto através do </a:t>
+            </a:r>
+            <a:r>
+              <a:rPr lang="pt-BR" dirty="0" err="1"/>
+              <a:t>OpenProj</a:t>
+            </a:r>
+            <a:r>
+              <a:rPr lang="pt-BR" dirty="0"/>
+              <a:t>.</a:t>
+            </a:r>
+          </a:p>
+          <a:p>
+            <a:r>
+              <a:rPr lang="pt-BR" dirty="0"/>
+              <a:t>Pelo cronograma gerado, o projeto inicia-se em 05/03 e termina em 01/05, o que dá aproximadamente dois meses de duração.</a:t>
+            </a:r>
           </a:p>
         </p:txBody>
       </p:sp>
@@ -4163,13 +4147,6 @@
   <p:clrMapOvr>
     <a:masterClrMapping/>
   </p:clrMapOvr>
-  <p:timing>
-    <p:tnLst>
-      <p:par>
-        <p:cTn id="1" dur="indefinite" restart="never" nodeType="tmRoot"/>
-      </p:par>
-    </p:tnLst>
-  </p:timing>
 </p:sld>
 </file>
 
@@ -4211,10 +4188,9 @@
           <a:lstStyle/>
           <a:p>
             <a:r>
-              <a:rPr lang="pt-BR" dirty="0" smtClean="0"/>
+              <a:rPr lang="pt-BR" dirty="0"/>
               <a:t>Custos</a:t>
             </a:r>
-            <a:endParaRPr lang="pt-BR" dirty="0"/>
           </a:p>
         </p:txBody>
       </p:sp>
@@ -4238,10 +4214,44 @@
           <a:bodyPr/>
           <a:lstStyle/>
           <a:p>
+            <a:r>
+              <a:rPr lang="pt-BR" dirty="0"/>
+              <a:t>O custo é de aproximadamente R$ 2000,00 e é principalmente devido aos desenvolvedores.</a:t>
+            </a:r>
+          </a:p>
+          <a:p>
             <a:endParaRPr lang="pt-BR" dirty="0"/>
           </a:p>
         </p:txBody>
       </p:sp>
+      <p:pic>
+        <p:nvPicPr>
+          <p:cNvPr id="5" name="Picture 1">
+            <a:extLst>
+              <a:ext uri="{FF2B5EF4-FFF2-40B4-BE49-F238E27FC236}">
+                <a16:creationId xmlns:a16="http://schemas.microsoft.com/office/drawing/2014/main" id="{6EB2C0AC-64D0-4CC1-902A-C62E469E7C26}"/>
+              </a:ext>
+            </a:extLst>
+          </p:cNvPr>
+          <p:cNvPicPr/>
+          <p:nvPr/>
+        </p:nvPicPr>
+        <p:blipFill>
+          <a:blip r:embed="rId2"/>
+          <a:stretch>
+            <a:fillRect/>
+          </a:stretch>
+        </p:blipFill>
+        <p:spPr bwMode="auto">
+          <a:xfrm>
+            <a:off x="1581441" y="3281390"/>
+            <a:ext cx="6234113" cy="1554976"/>
+          </a:xfrm>
+          <a:prstGeom prst="rect">
+            <a:avLst/>
+          </a:prstGeom>
+        </p:spPr>
+      </p:pic>
     </p:spTree>
     <p:extLst>
       <p:ext uri="{BB962C8B-B14F-4D97-AF65-F5344CB8AC3E}">
@@ -4252,13 +4262,6 @@
   <p:clrMapOvr>
     <a:masterClrMapping/>
   </p:clrMapOvr>
-  <p:timing>
-    <p:tnLst>
-      <p:par>
-        <p:cTn id="1" dur="indefinite" restart="never" nodeType="tmRoot"/>
-      </p:par>
-    </p:tnLst>
-  </p:timing>
 </p:sld>
 </file>
 
@@ -4300,10 +4303,9 @@
           <a:lstStyle/>
           <a:p>
             <a:r>
-              <a:rPr lang="pt-BR" dirty="0" smtClean="0"/>
+              <a:rPr lang="pt-BR" dirty="0"/>
               <a:t>Riscos</a:t>
             </a:r>
-            <a:endParaRPr lang="pt-BR" dirty="0"/>
           </a:p>
         </p:txBody>
       </p:sp>
@@ -4323,22 +4325,21 @@
           <a:lstStyle/>
           <a:p>
             <a:r>
-              <a:rPr lang="pt-BR" dirty="0" smtClean="0"/>
+              <a:rPr lang="pt-BR" dirty="0"/>
               <a:t>Ameaças determinadas</a:t>
             </a:r>
           </a:p>
           <a:p>
             <a:r>
-              <a:rPr lang="pt-BR" dirty="0" smtClean="0"/>
+              <a:rPr lang="pt-BR" dirty="0"/>
               <a:t>Novo orçamento</a:t>
             </a:r>
           </a:p>
           <a:p>
             <a:r>
-              <a:rPr lang="pt-BR" dirty="0" smtClean="0"/>
+              <a:rPr lang="pt-BR" dirty="0"/>
               <a:t>Diagrama de Ishikawa</a:t>
             </a:r>
-            <a:endParaRPr lang="pt-BR" dirty="0"/>
           </a:p>
         </p:txBody>
       </p:sp>
@@ -4352,13 +4353,6 @@
   <p:clrMapOvr>
     <a:masterClrMapping/>
   </p:clrMapOvr>
-  <p:timing>
-    <p:tnLst>
-      <p:par>
-        <p:cTn id="1" dur="indefinite" restart="never" nodeType="tmRoot"/>
-      </p:par>
-    </p:tnLst>
-  </p:timing>
 </p:sld>
 </file>
 
@@ -4400,10 +4394,9 @@
           <a:lstStyle/>
           <a:p>
             <a:r>
-              <a:rPr lang="pt-BR" dirty="0" smtClean="0"/>
+              <a:rPr lang="pt-BR" dirty="0"/>
               <a:t>Riscos</a:t>
             </a:r>
-            <a:endParaRPr lang="pt-BR" dirty="0"/>
           </a:p>
         </p:txBody>
       </p:sp>
@@ -4433,11 +4426,41 @@
                 <a:tableStyleId>{5C22544A-7EE6-4342-B048-85BDC9FD1C3A}</a:tableStyleId>
               </a:tblPr>
               <a:tblGrid>
-                <a:gridCol w="1651818"/>
-                <a:gridCol w="2280198"/>
-                <a:gridCol w="1496333"/>
-                <a:gridCol w="1105185"/>
-                <a:gridCol w="1814053"/>
+                <a:gridCol w="1651818">
+                  <a:extLst>
+                    <a:ext uri="{9D8B030D-6E8A-4147-A177-3AD203B41FA5}">
+                      <a16:colId xmlns:a16="http://schemas.microsoft.com/office/drawing/2014/main" val="20000"/>
+                    </a:ext>
+                  </a:extLst>
+                </a:gridCol>
+                <a:gridCol w="2280198">
+                  <a:extLst>
+                    <a:ext uri="{9D8B030D-6E8A-4147-A177-3AD203B41FA5}">
+                      <a16:colId xmlns:a16="http://schemas.microsoft.com/office/drawing/2014/main" val="20001"/>
+                    </a:ext>
+                  </a:extLst>
+                </a:gridCol>
+                <a:gridCol w="1496333">
+                  <a:extLst>
+                    <a:ext uri="{9D8B030D-6E8A-4147-A177-3AD203B41FA5}">
+                      <a16:colId xmlns:a16="http://schemas.microsoft.com/office/drawing/2014/main" val="20002"/>
+                    </a:ext>
+                  </a:extLst>
+                </a:gridCol>
+                <a:gridCol w="1105185">
+                  <a:extLst>
+                    <a:ext uri="{9D8B030D-6E8A-4147-A177-3AD203B41FA5}">
+                      <a16:colId xmlns:a16="http://schemas.microsoft.com/office/drawing/2014/main" val="20003"/>
+                    </a:ext>
+                  </a:extLst>
+                </a:gridCol>
+                <a:gridCol w="1814053">
+                  <a:extLst>
+                    <a:ext uri="{9D8B030D-6E8A-4147-A177-3AD203B41FA5}">
+                      <a16:colId xmlns:a16="http://schemas.microsoft.com/office/drawing/2014/main" val="20004"/>
+                    </a:ext>
+                  </a:extLst>
+                </a:gridCol>
               </a:tblGrid>
               <a:tr h="1582992">
                 <a:tc>
@@ -4570,6 +4593,11 @@
                   </a:txBody>
                   <a:tcPr marL="68580" marR="68580" marT="0" marB="0"/>
                 </a:tc>
+                <a:extLst>
+                  <a:ext uri="{0D108BD9-81ED-4DB2-BD59-A6C34878D82A}">
+                    <a16:rowId xmlns:a16="http://schemas.microsoft.com/office/drawing/2014/main" val="10000"/>
+                  </a:ext>
+                </a:extLst>
               </a:tr>
               <a:tr h="1909915">
                 <a:tc>
@@ -4702,6 +4730,11 @@
                   </a:txBody>
                   <a:tcPr marL="68580" marR="68580" marT="0" marB="0"/>
                 </a:tc>
+                <a:extLst>
+                  <a:ext uri="{0D108BD9-81ED-4DB2-BD59-A6C34878D82A}">
+                    <a16:rowId xmlns:a16="http://schemas.microsoft.com/office/drawing/2014/main" val="10001"/>
+                  </a:ext>
+                </a:extLst>
               </a:tr>
               <a:tr h="272845">
                 <a:tc>
@@ -4834,6 +4867,11 @@
                   </a:txBody>
                   <a:tcPr marL="68580" marR="68580" marT="0" marB="0"/>
                 </a:tc>
+                <a:extLst>
+                  <a:ext uri="{0D108BD9-81ED-4DB2-BD59-A6C34878D82A}">
+                    <a16:rowId xmlns:a16="http://schemas.microsoft.com/office/drawing/2014/main" val="10002"/>
+                  </a:ext>
+                </a:extLst>
               </a:tr>
               <a:tr h="272845">
                 <a:tc>
@@ -4966,6 +5004,11 @@
                   </a:txBody>
                   <a:tcPr marL="68580" marR="68580" marT="0" marB="0"/>
                 </a:tc>
+                <a:extLst>
+                  <a:ext uri="{0D108BD9-81ED-4DB2-BD59-A6C34878D82A}">
+                    <a16:rowId xmlns:a16="http://schemas.microsoft.com/office/drawing/2014/main" val="10003"/>
+                  </a:ext>
+                </a:extLst>
               </a:tr>
               <a:tr h="545690">
                 <a:tc>
@@ -5098,6 +5141,11 @@
                   </a:txBody>
                   <a:tcPr marL="68580" marR="68580" marT="0" marB="0"/>
                 </a:tc>
+                <a:extLst>
+                  <a:ext uri="{0D108BD9-81ED-4DB2-BD59-A6C34878D82A}">
+                    <a16:rowId xmlns:a16="http://schemas.microsoft.com/office/drawing/2014/main" val="10004"/>
+                  </a:ext>
+                </a:extLst>
               </a:tr>
               <a:tr h="272845">
                 <a:tc>
@@ -5137,7 +5185,7 @@
                         </a:spcAft>
                       </a:pPr>
                       <a:r>
-                        <a:rPr lang="pt-BR" sz="2000" dirty="0" smtClean="0">
+                        <a:rPr lang="pt-BR" sz="2000" dirty="0">
                           <a:effectLst/>
                           <a:latin typeface="+mn-lt"/>
                           <a:ea typeface="+mn-ea"/>
@@ -5166,7 +5214,7 @@
                         </a:spcAft>
                       </a:pPr>
                       <a:r>
-                        <a:rPr lang="pt-BR" sz="2000" dirty="0" smtClean="0">
+                        <a:rPr lang="pt-BR" sz="2000" dirty="0">
                           <a:effectLst/>
                           <a:latin typeface="Calibri" panose="020F0502020204030204" pitchFamily="34" charset="0"/>
                           <a:ea typeface="Calibri" panose="020F0502020204030204" pitchFamily="34" charset="0"/>
@@ -5174,12 +5222,6 @@
                         </a:rPr>
                         <a:t>52</a:t>
                       </a:r>
-                      <a:endParaRPr lang="pt-BR" sz="2000" dirty="0">
-                        <a:effectLst/>
-                        <a:latin typeface="Calibri" panose="020F0502020204030204" pitchFamily="34" charset="0"/>
-                        <a:ea typeface="Calibri" panose="020F0502020204030204" pitchFamily="34" charset="0"/>
-                        <a:cs typeface="Calibri" panose="020F0502020204030204" pitchFamily="34" charset="0"/>
-                      </a:endParaRPr>
                     </a:p>
                   </a:txBody>
                   <a:tcPr marL="68580" marR="68580" marT="0" marB="0"/>
@@ -5195,7 +5237,7 @@
                         </a:spcAft>
                       </a:pPr>
                       <a:r>
-                        <a:rPr lang="pt-BR" sz="2000" dirty="0" smtClean="0">
+                        <a:rPr lang="pt-BR" sz="2000" dirty="0">
                           <a:effectLst/>
                         </a:rPr>
                         <a:t>1456</a:t>
@@ -5221,7 +5263,7 @@
                         </a:spcAft>
                       </a:pPr>
                       <a:r>
-                        <a:rPr lang="pt-BR" sz="2000" dirty="0" smtClean="0">
+                        <a:rPr lang="pt-BR" sz="2000" dirty="0">
                           <a:effectLst/>
                         </a:rPr>
                         <a:t>208</a:t>
@@ -5236,6 +5278,11 @@
                   </a:txBody>
                   <a:tcPr marL="68580" marR="68580" marT="0" marB="0"/>
                 </a:tc>
+                <a:extLst>
+                  <a:ext uri="{0D108BD9-81ED-4DB2-BD59-A6C34878D82A}">
+                    <a16:rowId xmlns:a16="http://schemas.microsoft.com/office/drawing/2014/main" val="10005"/>
+                  </a:ext>
+                </a:extLst>
               </a:tr>
             </a:tbl>
           </a:graphicData>
@@ -5251,13 +5298,6 @@
   <p:clrMapOvr>
     <a:masterClrMapping/>
   </p:clrMapOvr>
-  <p:timing>
-    <p:tnLst>
-      <p:par>
-        <p:cTn id="1" dur="indefinite" restart="never" nodeType="tmRoot"/>
-      </p:par>
-    </p:tnLst>
-  </p:timing>
 </p:sld>
 </file>
 
@@ -5299,10 +5339,9 @@
           <a:lstStyle/>
           <a:p>
             <a:r>
-              <a:rPr lang="pt-BR" dirty="0" smtClean="0"/>
+              <a:rPr lang="pt-BR" dirty="0"/>
               <a:t>Riscos</a:t>
             </a:r>
-            <a:endParaRPr lang="pt-BR" dirty="0"/>
           </a:p>
         </p:txBody>
       </p:sp>
@@ -5332,12 +5371,48 @@
                 <a:tableStyleId>{5940675A-B579-460E-94D1-54222C63F5DA}</a:tableStyleId>
               </a:tblPr>
               <a:tblGrid>
-                <a:gridCol w="1436125"/>
-                <a:gridCol w="1230232"/>
-                <a:gridCol w="1270964"/>
-                <a:gridCol w="1270964"/>
-                <a:gridCol w="1270075"/>
-                <a:gridCol w="1270075"/>
+                <a:gridCol w="1436125">
+                  <a:extLst>
+                    <a:ext uri="{9D8B030D-6E8A-4147-A177-3AD203B41FA5}">
+                      <a16:colId xmlns:a16="http://schemas.microsoft.com/office/drawing/2014/main" val="20000"/>
+                    </a:ext>
+                  </a:extLst>
+                </a:gridCol>
+                <a:gridCol w="1230232">
+                  <a:extLst>
+                    <a:ext uri="{9D8B030D-6E8A-4147-A177-3AD203B41FA5}">
+                      <a16:colId xmlns:a16="http://schemas.microsoft.com/office/drawing/2014/main" val="20001"/>
+                    </a:ext>
+                  </a:extLst>
+                </a:gridCol>
+                <a:gridCol w="1270964">
+                  <a:extLst>
+                    <a:ext uri="{9D8B030D-6E8A-4147-A177-3AD203B41FA5}">
+                      <a16:colId xmlns:a16="http://schemas.microsoft.com/office/drawing/2014/main" val="20002"/>
+                    </a:ext>
+                  </a:extLst>
+                </a:gridCol>
+                <a:gridCol w="1270964">
+                  <a:extLst>
+                    <a:ext uri="{9D8B030D-6E8A-4147-A177-3AD203B41FA5}">
+                      <a16:colId xmlns:a16="http://schemas.microsoft.com/office/drawing/2014/main" val="20003"/>
+                    </a:ext>
+                  </a:extLst>
+                </a:gridCol>
+                <a:gridCol w="1270075">
+                  <a:extLst>
+                    <a:ext uri="{9D8B030D-6E8A-4147-A177-3AD203B41FA5}">
+                      <a16:colId xmlns:a16="http://schemas.microsoft.com/office/drawing/2014/main" val="20004"/>
+                    </a:ext>
+                  </a:extLst>
+                </a:gridCol>
+                <a:gridCol w="1270075">
+                  <a:extLst>
+                    <a:ext uri="{9D8B030D-6E8A-4147-A177-3AD203B41FA5}">
+                      <a16:colId xmlns:a16="http://schemas.microsoft.com/office/drawing/2014/main" val="20005"/>
+                    </a:ext>
+                  </a:extLst>
+                </a:gridCol>
               </a:tblGrid>
               <a:tr h="604685">
                 <a:tc>
@@ -5351,7 +5426,7 @@
                         </a:spcAft>
                       </a:pPr>
                       <a:r>
-                        <a:rPr lang="pt-BR" sz="2000" dirty="0" smtClean="0">
+                        <a:rPr lang="pt-BR" sz="2000" dirty="0">
                           <a:effectLst/>
                         </a:rPr>
                         <a:t>Probabilidade</a:t>
@@ -5738,6 +5813,11 @@
                     </a:solidFill>
                   </a:tcPr>
                 </a:tc>
+                <a:extLst>
+                  <a:ext uri="{0D108BD9-81ED-4DB2-BD59-A6C34878D82A}">
+                    <a16:rowId xmlns:a16="http://schemas.microsoft.com/office/drawing/2014/main" val="10000"/>
+                  </a:ext>
+                </a:extLst>
               </a:tr>
               <a:tr h="508820">
                 <a:tc>
@@ -5997,6 +6077,11 @@
                     </a:solidFill>
                   </a:tcPr>
                 </a:tc>
+                <a:extLst>
+                  <a:ext uri="{0D108BD9-81ED-4DB2-BD59-A6C34878D82A}">
+                    <a16:rowId xmlns:a16="http://schemas.microsoft.com/office/drawing/2014/main" val="10001"/>
+                  </a:ext>
+                </a:extLst>
               </a:tr>
               <a:tr h="508820">
                 <a:tc>
@@ -6200,6 +6285,11 @@
                     </a:solidFill>
                   </a:tcPr>
                 </a:tc>
+                <a:extLst>
+                  <a:ext uri="{0D108BD9-81ED-4DB2-BD59-A6C34878D82A}">
+                    <a16:rowId xmlns:a16="http://schemas.microsoft.com/office/drawing/2014/main" val="10002"/>
+                  </a:ext>
+                </a:extLst>
               </a:tr>
               <a:tr h="508820">
                 <a:tc>
@@ -6403,6 +6493,11 @@
                     </a:solidFill>
                   </a:tcPr>
                 </a:tc>
+                <a:extLst>
+                  <a:ext uri="{0D108BD9-81ED-4DB2-BD59-A6C34878D82A}">
+                    <a16:rowId xmlns:a16="http://schemas.microsoft.com/office/drawing/2014/main" val="10003"/>
+                  </a:ext>
+                </a:extLst>
               </a:tr>
               <a:tr h="508820">
                 <a:tc>
@@ -6606,6 +6701,11 @@
                     </a:solidFill>
                   </a:tcPr>
                 </a:tc>
+                <a:extLst>
+                  <a:ext uri="{0D108BD9-81ED-4DB2-BD59-A6C34878D82A}">
+                    <a16:rowId xmlns:a16="http://schemas.microsoft.com/office/drawing/2014/main" val="10004"/>
+                  </a:ext>
+                </a:extLst>
               </a:tr>
               <a:tr h="508820">
                 <a:tc>
@@ -6818,6 +6918,11 @@
                   </a:txBody>
                   <a:tcPr marL="68580" marR="68580" marT="0" marB="0"/>
                 </a:tc>
+                <a:extLst>
+                  <a:ext uri="{0D108BD9-81ED-4DB2-BD59-A6C34878D82A}">
+                    <a16:rowId xmlns:a16="http://schemas.microsoft.com/office/drawing/2014/main" val="10005"/>
+                  </a:ext>
+                </a:extLst>
               </a:tr>
               <a:tr h="508820">
                 <a:tc>
@@ -7057,6 +7162,11 @@
                     </a:solidFill>
                   </a:tcPr>
                 </a:tc>
+                <a:extLst>
+                  <a:ext uri="{0D108BD9-81ED-4DB2-BD59-A6C34878D82A}">
+                    <a16:rowId xmlns:a16="http://schemas.microsoft.com/office/drawing/2014/main" val="10006"/>
+                  </a:ext>
+                </a:extLst>
               </a:tr>
             </a:tbl>
           </a:graphicData>
@@ -7072,13 +7182,6 @@
   <p:clrMapOvr>
     <a:masterClrMapping/>
   </p:clrMapOvr>
-  <p:timing>
-    <p:tnLst>
-      <p:par>
-        <p:cTn id="1" dur="indefinite" restart="never" nodeType="tmRoot"/>
-      </p:par>
-    </p:tnLst>
-  </p:timing>
 </p:sld>
 </file>
 
@@ -7120,10 +7223,9 @@
           <a:lstStyle/>
           <a:p>
             <a:r>
-              <a:rPr lang="pt-BR" dirty="0" smtClean="0"/>
+              <a:rPr lang="pt-BR" dirty="0"/>
               <a:t>Riscos</a:t>
             </a:r>
-            <a:endParaRPr lang="pt-BR" dirty="0"/>
           </a:p>
         </p:txBody>
       </p:sp>
@@ -7153,12 +7255,48 @@
                 <a:tableStyleId>{5940675A-B579-460E-94D1-54222C63F5DA}</a:tableStyleId>
               </a:tblPr>
               <a:tblGrid>
-                <a:gridCol w="1436125"/>
-                <a:gridCol w="863776"/>
-                <a:gridCol w="1272746"/>
-                <a:gridCol w="1635638"/>
-                <a:gridCol w="860427"/>
-                <a:gridCol w="1952368"/>
+                <a:gridCol w="1436125">
+                  <a:extLst>
+                    <a:ext uri="{9D8B030D-6E8A-4147-A177-3AD203B41FA5}">
+                      <a16:colId xmlns:a16="http://schemas.microsoft.com/office/drawing/2014/main" val="20000"/>
+                    </a:ext>
+                  </a:extLst>
+                </a:gridCol>
+                <a:gridCol w="863776">
+                  <a:extLst>
+                    <a:ext uri="{9D8B030D-6E8A-4147-A177-3AD203B41FA5}">
+                      <a16:colId xmlns:a16="http://schemas.microsoft.com/office/drawing/2014/main" val="20001"/>
+                    </a:ext>
+                  </a:extLst>
+                </a:gridCol>
+                <a:gridCol w="1272746">
+                  <a:extLst>
+                    <a:ext uri="{9D8B030D-6E8A-4147-A177-3AD203B41FA5}">
+                      <a16:colId xmlns:a16="http://schemas.microsoft.com/office/drawing/2014/main" val="20002"/>
+                    </a:ext>
+                  </a:extLst>
+                </a:gridCol>
+                <a:gridCol w="1635638">
+                  <a:extLst>
+                    <a:ext uri="{9D8B030D-6E8A-4147-A177-3AD203B41FA5}">
+                      <a16:colId xmlns:a16="http://schemas.microsoft.com/office/drawing/2014/main" val="20003"/>
+                    </a:ext>
+                  </a:extLst>
+                </a:gridCol>
+                <a:gridCol w="860427">
+                  <a:extLst>
+                    <a:ext uri="{9D8B030D-6E8A-4147-A177-3AD203B41FA5}">
+                      <a16:colId xmlns:a16="http://schemas.microsoft.com/office/drawing/2014/main" val="20004"/>
+                    </a:ext>
+                  </a:extLst>
+                </a:gridCol>
+                <a:gridCol w="1952368">
+                  <a:extLst>
+                    <a:ext uri="{9D8B030D-6E8A-4147-A177-3AD203B41FA5}">
+                      <a16:colId xmlns:a16="http://schemas.microsoft.com/office/drawing/2014/main" val="20005"/>
+                    </a:ext>
+                  </a:extLst>
+                </a:gridCol>
               </a:tblGrid>
               <a:tr h="106160">
                 <a:tc>
@@ -7172,7 +7310,7 @@
                         </a:spcAft>
                       </a:pPr>
                       <a:r>
-                        <a:rPr lang="pt-BR" sz="2000" dirty="0" smtClean="0">
+                        <a:rPr lang="pt-BR" sz="2000" dirty="0">
                           <a:effectLst/>
                         </a:rPr>
                         <a:t>Probabilidade</a:t>
@@ -7559,6 +7697,11 @@
                     </a:solidFill>
                   </a:tcPr>
                 </a:tc>
+                <a:extLst>
+                  <a:ext uri="{0D108BD9-81ED-4DB2-BD59-A6C34878D82A}">
+                    <a16:rowId xmlns:a16="http://schemas.microsoft.com/office/drawing/2014/main" val="10000"/>
+                  </a:ext>
+                </a:extLst>
               </a:tr>
               <a:tr h="508820">
                 <a:tc>
@@ -7824,6 +7967,11 @@
                     </a:solidFill>
                   </a:tcPr>
                 </a:tc>
+                <a:extLst>
+                  <a:ext uri="{0D108BD9-81ED-4DB2-BD59-A6C34878D82A}">
+                    <a16:rowId xmlns:a16="http://schemas.microsoft.com/office/drawing/2014/main" val="10001"/>
+                  </a:ext>
+                </a:extLst>
               </a:tr>
               <a:tr h="508820">
                 <a:tc>
@@ -8016,7 +8164,7 @@
                         </a:spcAft>
                       </a:pPr>
                       <a:r>
-                        <a:rPr lang="pt-BR" sz="2000" dirty="0" smtClean="0">
+                        <a:rPr lang="pt-BR" sz="2000" dirty="0">
                           <a:effectLst/>
                         </a:rPr>
                         <a:t>Termos de contrato inaceitáveis</a:t>
@@ -8035,6 +8183,11 @@
                     </a:solidFill>
                   </a:tcPr>
                 </a:tc>
+                <a:extLst>
+                  <a:ext uri="{0D108BD9-81ED-4DB2-BD59-A6C34878D82A}">
+                    <a16:rowId xmlns:a16="http://schemas.microsoft.com/office/drawing/2014/main" val="10002"/>
+                  </a:ext>
+                </a:extLst>
               </a:tr>
               <a:tr h="396700">
                 <a:tc>
@@ -8246,6 +8399,11 @@
                     </a:solidFill>
                   </a:tcPr>
                 </a:tc>
+                <a:extLst>
+                  <a:ext uri="{0D108BD9-81ED-4DB2-BD59-A6C34878D82A}">
+                    <a16:rowId xmlns:a16="http://schemas.microsoft.com/office/drawing/2014/main" val="10003"/>
+                  </a:ext>
+                </a:extLst>
               </a:tr>
               <a:tr h="1210962">
                 <a:tc>
@@ -8438,13 +8596,13 @@
                         </a:spcAft>
                       </a:pPr>
                       <a:r>
-                        <a:rPr lang="pt-BR" sz="2000" dirty="0" smtClean="0">
+                        <a:rPr lang="pt-BR" sz="2000" dirty="0">
                           <a:effectLst/>
                         </a:rPr>
                         <a:t>Desengajamento</a:t>
                       </a:r>
                       <a:r>
-                        <a:rPr lang="pt-BR" sz="2000" baseline="0" dirty="0" smtClean="0">
+                        <a:rPr lang="pt-BR" sz="2000" baseline="0" dirty="0">
                           <a:effectLst/>
                         </a:rPr>
                         <a:t> dos desenvolvedores</a:t>
@@ -8463,6 +8621,11 @@
                     </a:solidFill>
                   </a:tcPr>
                 </a:tc>
+                <a:extLst>
+                  <a:ext uri="{0D108BD9-81ED-4DB2-BD59-A6C34878D82A}">
+                    <a16:rowId xmlns:a16="http://schemas.microsoft.com/office/drawing/2014/main" val="10004"/>
+                  </a:ext>
+                </a:extLst>
               </a:tr>
               <a:tr h="508820">
                 <a:tc>
@@ -8604,7 +8767,7 @@
                         </a:spcAft>
                       </a:pPr>
                       <a:r>
-                        <a:rPr lang="pt-BR" sz="2000" dirty="0" smtClean="0">
+                        <a:rPr lang="pt-BR" sz="2000" dirty="0">
                           <a:effectLst/>
                         </a:rPr>
                         <a:t>Produto não ser assimilado pelos funcionários</a:t>
@@ -8664,7 +8827,7 @@
                         </a:spcAft>
                       </a:pPr>
                       <a:r>
-                        <a:rPr lang="pt-BR" sz="2000" dirty="0" smtClean="0">
+                        <a:rPr lang="pt-BR" sz="2000" dirty="0">
                           <a:effectLst/>
                         </a:rPr>
                         <a:t>Incêndio na fotocopiadora</a:t>
@@ -8683,6 +8846,11 @@
                     </a:solidFill>
                   </a:tcPr>
                 </a:tc>
+                <a:extLst>
+                  <a:ext uri="{0D108BD9-81ED-4DB2-BD59-A6C34878D82A}">
+                    <a16:rowId xmlns:a16="http://schemas.microsoft.com/office/drawing/2014/main" val="10005"/>
+                  </a:ext>
+                </a:extLst>
               </a:tr>
               <a:tr h="508820">
                 <a:tc>
@@ -8922,6 +9090,11 @@
                     </a:solidFill>
                   </a:tcPr>
                 </a:tc>
+                <a:extLst>
+                  <a:ext uri="{0D108BD9-81ED-4DB2-BD59-A6C34878D82A}">
+                    <a16:rowId xmlns:a16="http://schemas.microsoft.com/office/drawing/2014/main" val="10006"/>
+                  </a:ext>
+                </a:extLst>
               </a:tr>
             </a:tbl>
           </a:graphicData>
@@ -8937,13 +9110,6 @@
   <p:clrMapOvr>
     <a:masterClrMapping/>
   </p:clrMapOvr>
-  <p:timing>
-    <p:tnLst>
-      <p:par>
-        <p:cTn id="1" dur="indefinite" restart="never" nodeType="tmRoot"/>
-      </p:par>
-    </p:tnLst>
-  </p:timing>
 </p:sld>
 </file>
 

--- a/GPS.pptx
+++ b/GPS.pptx
@@ -8,15 +8,16 @@
     <p:sldId id="256" r:id="rId2"/>
     <p:sldId id="257" r:id="rId3"/>
     <p:sldId id="258" r:id="rId4"/>
-    <p:sldId id="260" r:id="rId5"/>
-    <p:sldId id="259" r:id="rId6"/>
-    <p:sldId id="261" r:id="rId7"/>
-    <p:sldId id="262" r:id="rId8"/>
-    <p:sldId id="263" r:id="rId9"/>
-    <p:sldId id="266" r:id="rId10"/>
-    <p:sldId id="264" r:id="rId11"/>
-    <p:sldId id="267" r:id="rId12"/>
-    <p:sldId id="268" r:id="rId13"/>
+    <p:sldId id="269" r:id="rId5"/>
+    <p:sldId id="260" r:id="rId6"/>
+    <p:sldId id="259" r:id="rId7"/>
+    <p:sldId id="261" r:id="rId8"/>
+    <p:sldId id="262" r:id="rId9"/>
+    <p:sldId id="263" r:id="rId10"/>
+    <p:sldId id="266" r:id="rId11"/>
+    <p:sldId id="264" r:id="rId12"/>
+    <p:sldId id="267" r:id="rId13"/>
+    <p:sldId id="268" r:id="rId14"/>
   </p:sldIdLst>
   <p:sldSz cx="9144000" cy="6858000" type="screen4x3"/>
   <p:notesSz cx="6858000" cy="9144000"/>
@@ -3147,7 +3148,7 @@
       </p:sp>
       <p:graphicFrame>
         <p:nvGraphicFramePr>
-          <p:cNvPr id="6" name="Espaço Reservado para Conteúdo 5"/>
+          <p:cNvPr id="3" name="Espaço Reservado para Conteúdo 2"/>
           <p:cNvGraphicFramePr>
             <a:graphicFrameLocks noGrp="1"/>
           </p:cNvGraphicFramePr>
@@ -3155,466 +3156,1860 @@
             <p:ph idx="1"/>
             <p:extLst>
               <p:ext uri="{D42A27DB-BD31-4B8C-83A1-F6EECF244321}">
-                <p14:modId xmlns:p14="http://schemas.microsoft.com/office/powerpoint/2010/main" val="3628761163"/>
+                <p14:modId xmlns:p14="http://schemas.microsoft.com/office/powerpoint/2010/main" val="2370634650"/>
               </p:ext>
             </p:extLst>
           </p:nvPr>
         </p:nvGraphicFramePr>
         <p:xfrm>
-          <a:off x="628649" y="1849693"/>
-          <a:ext cx="7588594" cy="3969307"/>
+          <a:off x="628650" y="795594"/>
+          <a:ext cx="8021080" cy="5368502"/>
         </p:xfrm>
         <a:graphic>
           <a:graphicData uri="http://schemas.openxmlformats.org/drawingml/2006/table">
             <a:tbl>
               <a:tblPr firstRow="1" firstCol="1" bandRow="1">
-                <a:tableStyleId>{5C22544A-7EE6-4342-B048-85BDC9FD1C3A}</a:tableStyleId>
+                <a:tableStyleId>{5940675A-B579-460E-94D1-54222C63F5DA}</a:tableStyleId>
               </a:tblPr>
               <a:tblGrid>
-                <a:gridCol w="1999312">
+                <a:gridCol w="1436125">
                   <a:extLst>
                     <a:ext uri="{9D8B030D-6E8A-4147-A177-3AD203B41FA5}">
-                      <a16:colId xmlns:a16="http://schemas.microsoft.com/office/drawing/2014/main" val="20000"/>
+                      <a16:colId xmlns:a16="http://schemas.microsoft.com/office/drawing/2014/main" xmlns="" val="20000"/>
                     </a:ext>
                   </a:extLst>
                 </a:gridCol>
-                <a:gridCol w="1629732">
+                <a:gridCol w="863776">
                   <a:extLst>
                     <a:ext uri="{9D8B030D-6E8A-4147-A177-3AD203B41FA5}">
-                      <a16:colId xmlns:a16="http://schemas.microsoft.com/office/drawing/2014/main" val="20001"/>
+                      <a16:colId xmlns:a16="http://schemas.microsoft.com/office/drawing/2014/main" xmlns="" val="20001"/>
                     </a:ext>
                   </a:extLst>
                 </a:gridCol>
-                <a:gridCol w="1334231">
+                <a:gridCol w="1272746">
                   <a:extLst>
                     <a:ext uri="{9D8B030D-6E8A-4147-A177-3AD203B41FA5}">
-                      <a16:colId xmlns:a16="http://schemas.microsoft.com/office/drawing/2014/main" val="20002"/>
+                      <a16:colId xmlns:a16="http://schemas.microsoft.com/office/drawing/2014/main" xmlns="" val="20002"/>
                     </a:ext>
                   </a:extLst>
                 </a:gridCol>
-                <a:gridCol w="1149442">
+                <a:gridCol w="1635638">
                   <a:extLst>
                     <a:ext uri="{9D8B030D-6E8A-4147-A177-3AD203B41FA5}">
-                      <a16:colId xmlns:a16="http://schemas.microsoft.com/office/drawing/2014/main" val="20003"/>
+                      <a16:colId xmlns:a16="http://schemas.microsoft.com/office/drawing/2014/main" xmlns="" val="20003"/>
                     </a:ext>
                   </a:extLst>
                 </a:gridCol>
-                <a:gridCol w="1475877">
+                <a:gridCol w="860427">
                   <a:extLst>
                     <a:ext uri="{9D8B030D-6E8A-4147-A177-3AD203B41FA5}">
-                      <a16:colId xmlns:a16="http://schemas.microsoft.com/office/drawing/2014/main" val="20004"/>
+                      <a16:colId xmlns:a16="http://schemas.microsoft.com/office/drawing/2014/main" xmlns="" val="20004"/>
+                    </a:ext>
+                  </a:extLst>
+                </a:gridCol>
+                <a:gridCol w="1952368">
+                  <a:extLst>
+                    <a:ext uri="{9D8B030D-6E8A-4147-A177-3AD203B41FA5}">
+                      <a16:colId xmlns:a16="http://schemas.microsoft.com/office/drawing/2014/main" xmlns="" val="20005"/>
                     </a:ext>
                   </a:extLst>
                 </a:gridCol>
               </a:tblGrid>
-              <a:tr h="1036664">
-                <a:tc>
-                  <a:txBody>
-                    <a:bodyPr/>
-                    <a:lstStyle/>
-                    <a:p>
-                      <a:pPr algn="ctr">
-                        <a:spcAft>
-                          <a:spcPts val="1200"/>
-                        </a:spcAft>
-                      </a:pPr>
-                      <a:r>
-                        <a:rPr lang="pt-BR" sz="1800" dirty="0">
-                          <a:effectLst/>
-                        </a:rPr>
-                        <a:t>Risco</a:t>
-                      </a:r>
-                      <a:endParaRPr lang="pt-BR" sz="1800" dirty="0">
-                        <a:effectLst/>
-                        <a:latin typeface="Calibri" panose="020F0502020204030204" pitchFamily="34" charset="0"/>
-                        <a:ea typeface="Calibri" panose="020F0502020204030204" pitchFamily="34" charset="0"/>
-                        <a:cs typeface="Calibri" panose="020F0502020204030204" pitchFamily="34" charset="0"/>
-                      </a:endParaRPr>
-                    </a:p>
-                  </a:txBody>
-                  <a:tcPr marL="68580" marR="68580" marT="0" marB="0"/>
-                </a:tc>
-                <a:tc>
-                  <a:txBody>
-                    <a:bodyPr/>
-                    <a:lstStyle/>
-                    <a:p>
-                      <a:pPr algn="ctr">
-                        <a:spcAft>
-                          <a:spcPts val="1200"/>
-                        </a:spcAft>
-                      </a:pPr>
-                      <a:r>
-                        <a:rPr lang="pt-BR" sz="1800">
-                          <a:effectLst/>
-                        </a:rPr>
-                        <a:t>Desengajamento dos desenvolvedores</a:t>
-                      </a:r>
-                      <a:endParaRPr lang="pt-BR" sz="1800">
-                        <a:effectLst/>
-                        <a:latin typeface="Calibri" panose="020F0502020204030204" pitchFamily="34" charset="0"/>
-                        <a:ea typeface="Calibri" panose="020F0502020204030204" pitchFamily="34" charset="0"/>
-                        <a:cs typeface="Calibri" panose="020F0502020204030204" pitchFamily="34" charset="0"/>
-                      </a:endParaRPr>
-                    </a:p>
-                  </a:txBody>
-                  <a:tcPr marL="68580" marR="68580" marT="0" marB="0"/>
-                </a:tc>
-                <a:tc>
-                  <a:txBody>
-                    <a:bodyPr/>
-                    <a:lstStyle/>
-                    <a:p>
-                      <a:pPr algn="ctr">
-                        <a:spcAft>
-                          <a:spcPts val="1200"/>
-                        </a:spcAft>
-                      </a:pPr>
-                      <a:r>
-                        <a:rPr lang="pt-BR" sz="1800">
-                          <a:effectLst/>
-                        </a:rPr>
-                        <a:t>Produto não ser assimilado pelos funcionários</a:t>
-                      </a:r>
-                      <a:endParaRPr lang="pt-BR" sz="1800">
-                        <a:effectLst/>
-                        <a:latin typeface="Calibri" panose="020F0502020204030204" pitchFamily="34" charset="0"/>
-                        <a:ea typeface="Calibri" panose="020F0502020204030204" pitchFamily="34" charset="0"/>
-                        <a:cs typeface="Calibri" panose="020F0502020204030204" pitchFamily="34" charset="0"/>
-                      </a:endParaRPr>
-                    </a:p>
-                  </a:txBody>
-                  <a:tcPr marL="68580" marR="68580" marT="0" marB="0"/>
-                </a:tc>
-                <a:tc>
-                  <a:txBody>
-                    <a:bodyPr/>
-                    <a:lstStyle/>
-                    <a:p>
-                      <a:pPr algn="ctr">
-                        <a:spcAft>
-                          <a:spcPts val="1200"/>
-                        </a:spcAft>
-                      </a:pPr>
-                      <a:r>
-                        <a:rPr lang="pt-BR" sz="1800">
-                          <a:effectLst/>
-                        </a:rPr>
-                        <a:t>Termos de contrato inaceitáveis</a:t>
-                      </a:r>
-                      <a:endParaRPr lang="pt-BR" sz="1800">
-                        <a:effectLst/>
-                        <a:latin typeface="Calibri" panose="020F0502020204030204" pitchFamily="34" charset="0"/>
-                        <a:ea typeface="Calibri" panose="020F0502020204030204" pitchFamily="34" charset="0"/>
-                        <a:cs typeface="Calibri" panose="020F0502020204030204" pitchFamily="34" charset="0"/>
-                      </a:endParaRPr>
-                    </a:p>
-                  </a:txBody>
-                  <a:tcPr marL="68580" marR="68580" marT="0" marB="0"/>
-                </a:tc>
-                <a:tc>
-                  <a:txBody>
-                    <a:bodyPr/>
-                    <a:lstStyle/>
-                    <a:p>
-                      <a:pPr algn="ctr">
-                        <a:spcAft>
-                          <a:spcPts val="1200"/>
-                        </a:spcAft>
-                      </a:pPr>
-                      <a:r>
-                        <a:rPr lang="pt-BR" sz="1800">
-                          <a:effectLst/>
-                        </a:rPr>
-                        <a:t>Incêndio na fotocopiadora</a:t>
-                      </a:r>
-                      <a:endParaRPr lang="pt-BR" sz="1800">
-                        <a:effectLst/>
-                        <a:latin typeface="Calibri" panose="020F0502020204030204" pitchFamily="34" charset="0"/>
-                        <a:ea typeface="Calibri" panose="020F0502020204030204" pitchFamily="34" charset="0"/>
-                        <a:cs typeface="Calibri" panose="020F0502020204030204" pitchFamily="34" charset="0"/>
-                      </a:endParaRPr>
-                    </a:p>
-                  </a:txBody>
-                  <a:tcPr marL="68580" marR="68580" marT="0" marB="0"/>
+              <a:tr h="106160">
+                <a:tc>
+                  <a:txBody>
+                    <a:bodyPr/>
+                    <a:lstStyle/>
+                    <a:p>
+                      <a:pPr algn="ctr">
+                        <a:spcAft>
+                          <a:spcPts val="1200"/>
+                        </a:spcAft>
+                      </a:pPr>
+                      <a:r>
+                        <a:rPr lang="pt-BR" sz="2000" dirty="0">
+                          <a:effectLst/>
+                        </a:rPr>
+                        <a:t>Probabilidade</a:t>
+                      </a:r>
+                      <a:endParaRPr lang="pt-BR" sz="2000" dirty="0">
+                        <a:effectLst/>
+                        <a:latin typeface="Calibri" panose="020F0502020204030204" pitchFamily="34" charset="0"/>
+                        <a:ea typeface="Calibri" panose="020F0502020204030204" pitchFamily="34" charset="0"/>
+                        <a:cs typeface="Calibri" panose="020F0502020204030204" pitchFamily="34" charset="0"/>
+                      </a:endParaRPr>
+                    </a:p>
+                  </a:txBody>
+                  <a:tcPr marL="68580" marR="68580" marT="0" marB="0">
+                    <a:lnL w="12700" cap="flat" cmpd="sng" algn="ctr">
+                      <a:solidFill>
+                        <a:schemeClr val="tx1"/>
+                      </a:solidFill>
+                      <a:prstDash val="solid"/>
+                      <a:round/>
+                      <a:headEnd type="none" w="med" len="med"/>
+                      <a:tailEnd type="none" w="med" len="med"/>
+                    </a:lnL>
+                    <a:lnR w="12700" cap="flat" cmpd="sng" algn="ctr">
+                      <a:solidFill>
+                        <a:schemeClr val="tx1"/>
+                      </a:solidFill>
+                      <a:prstDash val="solid"/>
+                      <a:round/>
+                      <a:headEnd type="none" w="med" len="med"/>
+                      <a:tailEnd type="none" w="med" len="med"/>
+                    </a:lnR>
+                    <a:lnT w="12700" cap="flat" cmpd="sng" algn="ctr">
+                      <a:solidFill>
+                        <a:schemeClr val="tx1"/>
+                      </a:solidFill>
+                      <a:prstDash val="solid"/>
+                      <a:round/>
+                      <a:headEnd type="none" w="med" len="med"/>
+                      <a:tailEnd type="none" w="med" len="med"/>
+                    </a:lnT>
+                    <a:lnB w="12700" cap="flat" cmpd="sng" algn="ctr">
+                      <a:solidFill>
+                        <a:schemeClr val="tx1"/>
+                      </a:solidFill>
+                      <a:prstDash val="solid"/>
+                      <a:round/>
+                      <a:headEnd type="none" w="med" len="med"/>
+                      <a:tailEnd type="none" w="med" len="med"/>
+                    </a:lnB>
+                    <a:lnTlToBr w="12700" cmpd="sng">
+                      <a:noFill/>
+                      <a:prstDash val="solid"/>
+                    </a:lnTlToBr>
+                    <a:lnBlToTr w="12700" cmpd="sng">
+                      <a:noFill/>
+                      <a:prstDash val="solid"/>
+                    </a:lnBlToTr>
+                    <a:solidFill>
+                      <a:schemeClr val="bg1">
+                        <a:lumMod val="75000"/>
+                      </a:schemeClr>
+                    </a:solidFill>
+                  </a:tcPr>
+                </a:tc>
+                <a:tc>
+                  <a:txBody>
+                    <a:bodyPr/>
+                    <a:lstStyle/>
+                    <a:p>
+                      <a:pPr algn="ctr">
+                        <a:spcAft>
+                          <a:spcPts val="1200"/>
+                        </a:spcAft>
+                      </a:pPr>
+                      <a:r>
+                        <a:rPr lang="pt-BR" sz="2000" dirty="0">
+                          <a:effectLst/>
+                        </a:rPr>
+                        <a:t> </a:t>
+                      </a:r>
+                      <a:endParaRPr lang="pt-BR" sz="2000" dirty="0">
+                        <a:effectLst/>
+                        <a:latin typeface="Calibri" panose="020F0502020204030204" pitchFamily="34" charset="0"/>
+                        <a:ea typeface="Calibri" panose="020F0502020204030204" pitchFamily="34" charset="0"/>
+                        <a:cs typeface="Calibri" panose="020F0502020204030204" pitchFamily="34" charset="0"/>
+                      </a:endParaRPr>
+                    </a:p>
+                  </a:txBody>
+                  <a:tcPr marL="68580" marR="68580" marT="0" marB="0">
+                    <a:lnL w="12700" cap="flat" cmpd="sng" algn="ctr">
+                      <a:solidFill>
+                        <a:schemeClr val="tx1"/>
+                      </a:solidFill>
+                      <a:prstDash val="solid"/>
+                      <a:round/>
+                      <a:headEnd type="none" w="med" len="med"/>
+                      <a:tailEnd type="none" w="med" len="med"/>
+                    </a:lnL>
+                    <a:lnR w="12700" cmpd="sng">
+                      <a:noFill/>
+                    </a:lnR>
+                    <a:lnT w="12700" cap="flat" cmpd="sng" algn="ctr">
+                      <a:solidFill>
+                        <a:schemeClr val="tx1"/>
+                      </a:solidFill>
+                      <a:prstDash val="solid"/>
+                      <a:round/>
+                      <a:headEnd type="none" w="med" len="med"/>
+                      <a:tailEnd type="none" w="med" len="med"/>
+                    </a:lnT>
+                    <a:lnB w="12700" cap="flat" cmpd="sng" algn="ctr">
+                      <a:solidFill>
+                        <a:schemeClr val="tx1"/>
+                      </a:solidFill>
+                      <a:prstDash val="solid"/>
+                      <a:round/>
+                      <a:headEnd type="none" w="med" len="med"/>
+                      <a:tailEnd type="none" w="med" len="med"/>
+                    </a:lnB>
+                    <a:lnTlToBr w="12700" cmpd="sng">
+                      <a:noFill/>
+                      <a:prstDash val="solid"/>
+                    </a:lnTlToBr>
+                    <a:lnBlToTr w="12700" cmpd="sng">
+                      <a:noFill/>
+                      <a:prstDash val="solid"/>
+                    </a:lnBlToTr>
+                    <a:solidFill>
+                      <a:schemeClr val="bg1"/>
+                    </a:solidFill>
+                  </a:tcPr>
+                </a:tc>
+                <a:tc>
+                  <a:txBody>
+                    <a:bodyPr/>
+                    <a:lstStyle/>
+                    <a:p>
+                      <a:pPr algn="ctr">
+                        <a:spcAft>
+                          <a:spcPts val="1200"/>
+                        </a:spcAft>
+                      </a:pPr>
+                      <a:r>
+                        <a:rPr lang="pt-BR" sz="2000" dirty="0">
+                          <a:effectLst/>
+                        </a:rPr>
+                        <a:t> </a:t>
+                      </a:r>
+                      <a:endParaRPr lang="pt-BR" sz="2000" dirty="0">
+                        <a:effectLst/>
+                        <a:latin typeface="Calibri" panose="020F0502020204030204" pitchFamily="34" charset="0"/>
+                        <a:ea typeface="Calibri" panose="020F0502020204030204" pitchFamily="34" charset="0"/>
+                        <a:cs typeface="Calibri" panose="020F0502020204030204" pitchFamily="34" charset="0"/>
+                      </a:endParaRPr>
+                    </a:p>
+                  </a:txBody>
+                  <a:tcPr marL="68580" marR="68580" marT="0" marB="0">
+                    <a:lnL w="12700" cmpd="sng">
+                      <a:noFill/>
+                    </a:lnL>
+                    <a:lnR w="12700" cmpd="sng">
+                      <a:noFill/>
+                    </a:lnR>
+                    <a:lnT w="12700" cap="flat" cmpd="sng" algn="ctr">
+                      <a:solidFill>
+                        <a:schemeClr val="tx1"/>
+                      </a:solidFill>
+                      <a:prstDash val="solid"/>
+                      <a:round/>
+                      <a:headEnd type="none" w="med" len="med"/>
+                      <a:tailEnd type="none" w="med" len="med"/>
+                    </a:lnT>
+                    <a:lnB w="12700" cap="flat" cmpd="sng" algn="ctr">
+                      <a:solidFill>
+                        <a:schemeClr val="tx1"/>
+                      </a:solidFill>
+                      <a:prstDash val="solid"/>
+                      <a:round/>
+                      <a:headEnd type="none" w="med" len="med"/>
+                      <a:tailEnd type="none" w="med" len="med"/>
+                    </a:lnB>
+                    <a:lnTlToBr w="12700" cmpd="sng">
+                      <a:noFill/>
+                      <a:prstDash val="solid"/>
+                    </a:lnTlToBr>
+                    <a:lnBlToTr w="12700" cmpd="sng">
+                      <a:noFill/>
+                      <a:prstDash val="solid"/>
+                    </a:lnBlToTr>
+                    <a:solidFill>
+                      <a:schemeClr val="bg1"/>
+                    </a:solidFill>
+                  </a:tcPr>
+                </a:tc>
+                <a:tc>
+                  <a:txBody>
+                    <a:bodyPr/>
+                    <a:lstStyle/>
+                    <a:p>
+                      <a:pPr algn="ctr">
+                        <a:spcAft>
+                          <a:spcPts val="1200"/>
+                        </a:spcAft>
+                      </a:pPr>
+                      <a:r>
+                        <a:rPr lang="pt-BR" sz="2000" dirty="0">
+                          <a:effectLst/>
+                        </a:rPr>
+                        <a:t> </a:t>
+                      </a:r>
+                      <a:endParaRPr lang="pt-BR" sz="2000" dirty="0">
+                        <a:effectLst/>
+                        <a:latin typeface="Calibri" panose="020F0502020204030204" pitchFamily="34" charset="0"/>
+                        <a:ea typeface="Calibri" panose="020F0502020204030204" pitchFamily="34" charset="0"/>
+                        <a:cs typeface="Calibri" panose="020F0502020204030204" pitchFamily="34" charset="0"/>
+                      </a:endParaRPr>
+                    </a:p>
+                  </a:txBody>
+                  <a:tcPr marL="68580" marR="68580" marT="0" marB="0">
+                    <a:lnL w="12700" cmpd="sng">
+                      <a:noFill/>
+                    </a:lnL>
+                    <a:lnR w="12700" cmpd="sng">
+                      <a:noFill/>
+                    </a:lnR>
+                    <a:lnT w="12700" cap="flat" cmpd="sng" algn="ctr">
+                      <a:solidFill>
+                        <a:schemeClr val="tx1"/>
+                      </a:solidFill>
+                      <a:prstDash val="solid"/>
+                      <a:round/>
+                      <a:headEnd type="none" w="med" len="med"/>
+                      <a:tailEnd type="none" w="med" len="med"/>
+                    </a:lnT>
+                    <a:lnB w="12700" cap="flat" cmpd="sng" algn="ctr">
+                      <a:solidFill>
+                        <a:schemeClr val="tx1"/>
+                      </a:solidFill>
+                      <a:prstDash val="solid"/>
+                      <a:round/>
+                      <a:headEnd type="none" w="med" len="med"/>
+                      <a:tailEnd type="none" w="med" len="med"/>
+                    </a:lnB>
+                    <a:lnTlToBr w="12700" cmpd="sng">
+                      <a:noFill/>
+                      <a:prstDash val="solid"/>
+                    </a:lnTlToBr>
+                    <a:lnBlToTr w="12700" cmpd="sng">
+                      <a:noFill/>
+                      <a:prstDash val="solid"/>
+                    </a:lnBlToTr>
+                    <a:solidFill>
+                      <a:schemeClr val="bg1"/>
+                    </a:solidFill>
+                  </a:tcPr>
+                </a:tc>
+                <a:tc>
+                  <a:txBody>
+                    <a:bodyPr/>
+                    <a:lstStyle/>
+                    <a:p>
+                      <a:pPr algn="ctr">
+                        <a:spcAft>
+                          <a:spcPts val="1200"/>
+                        </a:spcAft>
+                      </a:pPr>
+                      <a:r>
+                        <a:rPr lang="pt-BR" sz="2000" dirty="0">
+                          <a:effectLst/>
+                        </a:rPr>
+                        <a:t> </a:t>
+                      </a:r>
+                      <a:endParaRPr lang="pt-BR" sz="2000" dirty="0">
+                        <a:effectLst/>
+                        <a:latin typeface="Calibri" panose="020F0502020204030204" pitchFamily="34" charset="0"/>
+                        <a:ea typeface="Calibri" panose="020F0502020204030204" pitchFamily="34" charset="0"/>
+                        <a:cs typeface="Calibri" panose="020F0502020204030204" pitchFamily="34" charset="0"/>
+                      </a:endParaRPr>
+                    </a:p>
+                  </a:txBody>
+                  <a:tcPr marL="68580" marR="68580" marT="0" marB="0">
+                    <a:lnL w="12700" cmpd="sng">
+                      <a:noFill/>
+                    </a:lnL>
+                    <a:lnR w="12700" cmpd="sng">
+                      <a:noFill/>
+                    </a:lnR>
+                    <a:lnT w="12700" cap="flat" cmpd="sng" algn="ctr">
+                      <a:solidFill>
+                        <a:schemeClr val="tx1"/>
+                      </a:solidFill>
+                      <a:prstDash val="solid"/>
+                      <a:round/>
+                      <a:headEnd type="none" w="med" len="med"/>
+                      <a:tailEnd type="none" w="med" len="med"/>
+                    </a:lnT>
+                    <a:lnB w="12700" cap="flat" cmpd="sng" algn="ctr">
+                      <a:solidFill>
+                        <a:schemeClr val="tx1"/>
+                      </a:solidFill>
+                      <a:prstDash val="solid"/>
+                      <a:round/>
+                      <a:headEnd type="none" w="med" len="med"/>
+                      <a:tailEnd type="none" w="med" len="med"/>
+                    </a:lnB>
+                    <a:lnTlToBr w="12700" cmpd="sng">
+                      <a:noFill/>
+                      <a:prstDash val="solid"/>
+                    </a:lnTlToBr>
+                    <a:lnBlToTr w="12700" cmpd="sng">
+                      <a:noFill/>
+                      <a:prstDash val="solid"/>
+                    </a:lnBlToTr>
+                    <a:solidFill>
+                      <a:schemeClr val="bg1"/>
+                    </a:solidFill>
+                  </a:tcPr>
+                </a:tc>
+                <a:tc>
+                  <a:txBody>
+                    <a:bodyPr/>
+                    <a:lstStyle/>
+                    <a:p>
+                      <a:pPr algn="ctr">
+                        <a:spcAft>
+                          <a:spcPts val="1200"/>
+                        </a:spcAft>
+                      </a:pPr>
+                      <a:r>
+                        <a:rPr lang="pt-BR" sz="2000" dirty="0">
+                          <a:effectLst/>
+                        </a:rPr>
+                        <a:t> </a:t>
+                      </a:r>
+                      <a:endParaRPr lang="pt-BR" sz="2000" dirty="0">
+                        <a:effectLst/>
+                        <a:latin typeface="Calibri" panose="020F0502020204030204" pitchFamily="34" charset="0"/>
+                        <a:ea typeface="Calibri" panose="020F0502020204030204" pitchFamily="34" charset="0"/>
+                        <a:cs typeface="Calibri" panose="020F0502020204030204" pitchFamily="34" charset="0"/>
+                      </a:endParaRPr>
+                    </a:p>
+                  </a:txBody>
+                  <a:tcPr marL="68580" marR="68580" marT="0" marB="0">
+                    <a:lnL w="12700" cmpd="sng">
+                      <a:noFill/>
+                    </a:lnL>
+                    <a:lnR w="12700" cap="flat" cmpd="sng" algn="ctr">
+                      <a:solidFill>
+                        <a:schemeClr val="tx1"/>
+                      </a:solidFill>
+                      <a:prstDash val="solid"/>
+                      <a:round/>
+                      <a:headEnd type="none" w="med" len="med"/>
+                      <a:tailEnd type="none" w="med" len="med"/>
+                    </a:lnR>
+                    <a:lnT w="12700" cap="flat" cmpd="sng" algn="ctr">
+                      <a:solidFill>
+                        <a:schemeClr val="tx1"/>
+                      </a:solidFill>
+                      <a:prstDash val="solid"/>
+                      <a:round/>
+                      <a:headEnd type="none" w="med" len="med"/>
+                      <a:tailEnd type="none" w="med" len="med"/>
+                    </a:lnT>
+                    <a:lnB w="12700" cap="flat" cmpd="sng" algn="ctr">
+                      <a:solidFill>
+                        <a:schemeClr val="tx1"/>
+                      </a:solidFill>
+                      <a:prstDash val="solid"/>
+                      <a:round/>
+                      <a:headEnd type="none" w="med" len="med"/>
+                      <a:tailEnd type="none" w="med" len="med"/>
+                    </a:lnB>
+                    <a:lnTlToBr w="12700" cmpd="sng">
+                      <a:noFill/>
+                      <a:prstDash val="solid"/>
+                    </a:lnTlToBr>
+                    <a:lnBlToTr w="12700" cmpd="sng">
+                      <a:noFill/>
+                      <a:prstDash val="solid"/>
+                    </a:lnBlToTr>
+                    <a:solidFill>
+                      <a:schemeClr val="bg1"/>
+                    </a:solidFill>
+                  </a:tcPr>
                 </a:tc>
                 <a:extLst>
                   <a:ext uri="{0D108BD9-81ED-4DB2-BD59-A6C34878D82A}">
-                    <a16:rowId xmlns:a16="http://schemas.microsoft.com/office/drawing/2014/main" val="10000"/>
+                    <a16:rowId xmlns:a16="http://schemas.microsoft.com/office/drawing/2014/main" xmlns="" val="10000"/>
                   </a:ext>
                 </a:extLst>
               </a:tr>
-              <a:tr h="403147">
-                <a:tc>
-                  <a:txBody>
-                    <a:bodyPr/>
-                    <a:lstStyle/>
-                    <a:p>
-                      <a:pPr algn="ctr">
-                        <a:spcAft>
-                          <a:spcPts val="1200"/>
-                        </a:spcAft>
-                      </a:pPr>
-                      <a:r>
-                        <a:rPr lang="pt-BR" sz="1800">
-                          <a:effectLst/>
-                        </a:rPr>
-                        <a:t>Severidade</a:t>
-                      </a:r>
-                      <a:endParaRPr lang="pt-BR" sz="1800">
-                        <a:effectLst/>
-                        <a:latin typeface="Calibri" panose="020F0502020204030204" pitchFamily="34" charset="0"/>
-                        <a:ea typeface="Calibri" panose="020F0502020204030204" pitchFamily="34" charset="0"/>
-                        <a:cs typeface="Calibri" panose="020F0502020204030204" pitchFamily="34" charset="0"/>
-                      </a:endParaRPr>
-                    </a:p>
-                  </a:txBody>
-                  <a:tcPr marL="68580" marR="68580" marT="0" marB="0"/>
-                </a:tc>
-                <a:tc>
-                  <a:txBody>
-                    <a:bodyPr/>
-                    <a:lstStyle/>
-                    <a:p>
-                      <a:pPr algn="ctr">
-                        <a:spcAft>
-                          <a:spcPts val="1200"/>
-                        </a:spcAft>
-                      </a:pPr>
-                      <a:r>
-                        <a:rPr lang="pt-BR" sz="1800" dirty="0">
-                          <a:effectLst/>
-                        </a:rPr>
-                        <a:t>Alto</a:t>
-                      </a:r>
-                      <a:endParaRPr lang="pt-BR" sz="1800" dirty="0">
-                        <a:effectLst/>
-                        <a:latin typeface="Calibri" panose="020F0502020204030204" pitchFamily="34" charset="0"/>
-                        <a:ea typeface="Calibri" panose="020F0502020204030204" pitchFamily="34" charset="0"/>
-                        <a:cs typeface="Calibri" panose="020F0502020204030204" pitchFamily="34" charset="0"/>
-                      </a:endParaRPr>
-                    </a:p>
-                  </a:txBody>
-                  <a:tcPr marL="68580" marR="68580" marT="0" marB="0"/>
-                </a:tc>
-                <a:tc>
-                  <a:txBody>
-                    <a:bodyPr/>
-                    <a:lstStyle/>
-                    <a:p>
-                      <a:pPr algn="ctr">
-                        <a:spcAft>
-                          <a:spcPts val="1200"/>
-                        </a:spcAft>
-                      </a:pPr>
-                      <a:r>
-                        <a:rPr lang="pt-BR" sz="1800">
-                          <a:effectLst/>
-                        </a:rPr>
-                        <a:t>Baixa</a:t>
-                      </a:r>
-                      <a:endParaRPr lang="pt-BR" sz="1800">
-                        <a:effectLst/>
-                        <a:latin typeface="Calibri" panose="020F0502020204030204" pitchFamily="34" charset="0"/>
-                        <a:ea typeface="Calibri" panose="020F0502020204030204" pitchFamily="34" charset="0"/>
-                        <a:cs typeface="Calibri" panose="020F0502020204030204" pitchFamily="34" charset="0"/>
-                      </a:endParaRPr>
-                    </a:p>
-                  </a:txBody>
-                  <a:tcPr marL="68580" marR="68580" marT="0" marB="0"/>
-                </a:tc>
-                <a:tc>
-                  <a:txBody>
-                    <a:bodyPr/>
-                    <a:lstStyle/>
-                    <a:p>
-                      <a:pPr algn="ctr">
-                        <a:spcAft>
-                          <a:spcPts val="1200"/>
-                        </a:spcAft>
-                      </a:pPr>
-                      <a:r>
-                        <a:rPr lang="pt-BR" sz="1800">
-                          <a:effectLst/>
-                        </a:rPr>
-                        <a:t>Alto</a:t>
-                      </a:r>
-                      <a:endParaRPr lang="pt-BR" sz="1800">
-                        <a:effectLst/>
-                        <a:latin typeface="Calibri" panose="020F0502020204030204" pitchFamily="34" charset="0"/>
-                        <a:ea typeface="Calibri" panose="020F0502020204030204" pitchFamily="34" charset="0"/>
-                        <a:cs typeface="Calibri" panose="020F0502020204030204" pitchFamily="34" charset="0"/>
-                      </a:endParaRPr>
-                    </a:p>
-                  </a:txBody>
-                  <a:tcPr marL="68580" marR="68580" marT="0" marB="0"/>
-                </a:tc>
-                <a:tc>
-                  <a:txBody>
-                    <a:bodyPr/>
-                    <a:lstStyle/>
-                    <a:p>
-                      <a:pPr algn="ctr">
-                        <a:spcAft>
-                          <a:spcPts val="1200"/>
-                        </a:spcAft>
-                      </a:pPr>
-                      <a:r>
-                        <a:rPr lang="pt-BR" sz="1800">
-                          <a:effectLst/>
-                        </a:rPr>
-                        <a:t>Média</a:t>
-                      </a:r>
-                      <a:endParaRPr lang="pt-BR" sz="1800">
-                        <a:effectLst/>
-                        <a:latin typeface="Calibri" panose="020F0502020204030204" pitchFamily="34" charset="0"/>
-                        <a:ea typeface="Calibri" panose="020F0502020204030204" pitchFamily="34" charset="0"/>
-                        <a:cs typeface="Calibri" panose="020F0502020204030204" pitchFamily="34" charset="0"/>
-                      </a:endParaRPr>
-                    </a:p>
-                  </a:txBody>
-                  <a:tcPr marL="68580" marR="68580" marT="0" marB="0"/>
+              <a:tr h="508820">
+                <a:tc>
+                  <a:txBody>
+                    <a:bodyPr/>
+                    <a:lstStyle/>
+                    <a:p>
+                      <a:pPr algn="ctr">
+                        <a:spcAft>
+                          <a:spcPts val="1200"/>
+                        </a:spcAft>
+                      </a:pPr>
+                      <a:r>
+                        <a:rPr lang="pt-BR" sz="2000" dirty="0">
+                          <a:effectLst/>
+                        </a:rPr>
+                        <a:t>0.9</a:t>
+                      </a:r>
+                      <a:endParaRPr lang="pt-BR" sz="2000" dirty="0">
+                        <a:effectLst/>
+                        <a:latin typeface="Calibri" panose="020F0502020204030204" pitchFamily="34" charset="0"/>
+                        <a:ea typeface="Calibri" panose="020F0502020204030204" pitchFamily="34" charset="0"/>
+                        <a:cs typeface="Calibri" panose="020F0502020204030204" pitchFamily="34" charset="0"/>
+                      </a:endParaRPr>
+                    </a:p>
+                  </a:txBody>
+                  <a:tcPr marL="68580" marR="68580" marT="0" marB="0">
+                    <a:lnL w="12700" cap="flat" cmpd="sng" algn="ctr">
+                      <a:solidFill>
+                        <a:schemeClr val="tx1"/>
+                      </a:solidFill>
+                      <a:prstDash val="solid"/>
+                      <a:round/>
+                      <a:headEnd type="none" w="med" len="med"/>
+                      <a:tailEnd type="none" w="med" len="med"/>
+                    </a:lnL>
+                    <a:lnR w="12700" cap="flat" cmpd="sng" algn="ctr">
+                      <a:solidFill>
+                        <a:schemeClr val="tx1"/>
+                      </a:solidFill>
+                      <a:prstDash val="solid"/>
+                      <a:round/>
+                      <a:headEnd type="none" w="med" len="med"/>
+                      <a:tailEnd type="none" w="med" len="med"/>
+                    </a:lnR>
+                    <a:lnT w="12700" cap="flat" cmpd="sng" algn="ctr">
+                      <a:solidFill>
+                        <a:schemeClr val="tx1"/>
+                      </a:solidFill>
+                      <a:prstDash val="solid"/>
+                      <a:round/>
+                      <a:headEnd type="none" w="med" len="med"/>
+                      <a:tailEnd type="none" w="med" len="med"/>
+                    </a:lnT>
+                    <a:solidFill>
+                      <a:schemeClr val="bg1">
+                        <a:lumMod val="75000"/>
+                      </a:schemeClr>
+                    </a:solidFill>
+                  </a:tcPr>
+                </a:tc>
+                <a:tc>
+                  <a:txBody>
+                    <a:bodyPr/>
+                    <a:lstStyle/>
+                    <a:p>
+                      <a:pPr algn="ctr">
+                        <a:spcAft>
+                          <a:spcPts val="1200"/>
+                        </a:spcAft>
+                      </a:pPr>
+                      <a:r>
+                        <a:rPr lang="pt-BR" sz="2000" dirty="0">
+                          <a:effectLst/>
+                        </a:rPr>
+                        <a:t>0.05</a:t>
+                      </a:r>
+                      <a:endParaRPr lang="pt-BR" sz="2000" dirty="0">
+                        <a:effectLst/>
+                        <a:latin typeface="Calibri" panose="020F0502020204030204" pitchFamily="34" charset="0"/>
+                        <a:ea typeface="Calibri" panose="020F0502020204030204" pitchFamily="34" charset="0"/>
+                        <a:cs typeface="Calibri" panose="020F0502020204030204" pitchFamily="34" charset="0"/>
+                      </a:endParaRPr>
+                    </a:p>
+                  </a:txBody>
+                  <a:tcPr marL="68580" marR="68580" marT="0" marB="0">
+                    <a:lnL w="12700" cap="flat" cmpd="sng" algn="ctr">
+                      <a:solidFill>
+                        <a:schemeClr val="tx1"/>
+                      </a:solidFill>
+                      <a:prstDash val="solid"/>
+                      <a:round/>
+                      <a:headEnd type="none" w="med" len="med"/>
+                      <a:tailEnd type="none" w="med" len="med"/>
+                    </a:lnL>
+                    <a:lnT w="12700" cap="flat" cmpd="sng" algn="ctr">
+                      <a:solidFill>
+                        <a:schemeClr val="tx1"/>
+                      </a:solidFill>
+                      <a:prstDash val="solid"/>
+                      <a:round/>
+                      <a:headEnd type="none" w="med" len="med"/>
+                      <a:tailEnd type="none" w="med" len="med"/>
+                    </a:lnT>
+                    <a:solidFill>
+                      <a:schemeClr val="bg1"/>
+                    </a:solidFill>
+                  </a:tcPr>
+                </a:tc>
+                <a:tc>
+                  <a:txBody>
+                    <a:bodyPr/>
+                    <a:lstStyle/>
+                    <a:p>
+                      <a:pPr algn="ctr">
+                        <a:spcAft>
+                          <a:spcPts val="1200"/>
+                        </a:spcAft>
+                      </a:pPr>
+                      <a:r>
+                        <a:rPr lang="pt-BR" sz="2000" dirty="0">
+                          <a:effectLst/>
+                        </a:rPr>
+                        <a:t>0.09</a:t>
+                      </a:r>
+                      <a:endParaRPr lang="pt-BR" sz="2000" dirty="0">
+                        <a:effectLst/>
+                        <a:latin typeface="Calibri" panose="020F0502020204030204" pitchFamily="34" charset="0"/>
+                        <a:ea typeface="Calibri" panose="020F0502020204030204" pitchFamily="34" charset="0"/>
+                        <a:cs typeface="Calibri" panose="020F0502020204030204" pitchFamily="34" charset="0"/>
+                      </a:endParaRPr>
+                    </a:p>
+                  </a:txBody>
+                  <a:tcPr marL="68580" marR="68580" marT="0" marB="0">
+                    <a:lnT w="12700" cap="flat" cmpd="sng" algn="ctr">
+                      <a:solidFill>
+                        <a:schemeClr val="tx1"/>
+                      </a:solidFill>
+                      <a:prstDash val="solid"/>
+                      <a:round/>
+                      <a:headEnd type="none" w="med" len="med"/>
+                      <a:tailEnd type="none" w="med" len="med"/>
+                    </a:lnT>
+                    <a:solidFill>
+                      <a:schemeClr val="bg1"/>
+                    </a:solidFill>
+                  </a:tcPr>
+                </a:tc>
+                <a:tc>
+                  <a:txBody>
+                    <a:bodyPr/>
+                    <a:lstStyle/>
+                    <a:p>
+                      <a:pPr algn="ctr">
+                        <a:spcAft>
+                          <a:spcPts val="1200"/>
+                        </a:spcAft>
+                      </a:pPr>
+                      <a:r>
+                        <a:rPr lang="pt-BR" sz="2000" dirty="0">
+                          <a:effectLst/>
+                        </a:rPr>
+                        <a:t>0.18</a:t>
+                      </a:r>
+                      <a:endParaRPr lang="pt-BR" sz="2000" dirty="0">
+                        <a:effectLst/>
+                        <a:latin typeface="Calibri" panose="020F0502020204030204" pitchFamily="34" charset="0"/>
+                        <a:ea typeface="Calibri" panose="020F0502020204030204" pitchFamily="34" charset="0"/>
+                        <a:cs typeface="Calibri" panose="020F0502020204030204" pitchFamily="34" charset="0"/>
+                      </a:endParaRPr>
+                    </a:p>
+                  </a:txBody>
+                  <a:tcPr marL="68580" marR="68580" marT="0" marB="0">
+                    <a:lnT w="12700" cap="flat" cmpd="sng" algn="ctr">
+                      <a:solidFill>
+                        <a:schemeClr val="tx1"/>
+                      </a:solidFill>
+                      <a:prstDash val="solid"/>
+                      <a:round/>
+                      <a:headEnd type="none" w="med" len="med"/>
+                      <a:tailEnd type="none" w="med" len="med"/>
+                    </a:lnT>
+                    <a:solidFill>
+                      <a:srgbClr val="C0504D"/>
+                    </a:solidFill>
+                  </a:tcPr>
+                </a:tc>
+                <a:tc>
+                  <a:txBody>
+                    <a:bodyPr/>
+                    <a:lstStyle/>
+                    <a:p>
+                      <a:pPr algn="ctr">
+                        <a:spcAft>
+                          <a:spcPts val="1200"/>
+                        </a:spcAft>
+                      </a:pPr>
+                      <a:r>
+                        <a:rPr lang="pt-BR" sz="2000" dirty="0">
+                          <a:effectLst/>
+                        </a:rPr>
+                        <a:t>0.36</a:t>
+                      </a:r>
+                      <a:endParaRPr lang="pt-BR" sz="2000" dirty="0">
+                        <a:effectLst/>
+                        <a:latin typeface="Calibri" panose="020F0502020204030204" pitchFamily="34" charset="0"/>
+                        <a:ea typeface="Calibri" panose="020F0502020204030204" pitchFamily="34" charset="0"/>
+                        <a:cs typeface="Calibri" panose="020F0502020204030204" pitchFamily="34" charset="0"/>
+                      </a:endParaRPr>
+                    </a:p>
+                  </a:txBody>
+                  <a:tcPr marL="68580" marR="68580" marT="0" marB="0">
+                    <a:lnT w="12700" cap="flat" cmpd="sng" algn="ctr">
+                      <a:solidFill>
+                        <a:schemeClr val="tx1"/>
+                      </a:solidFill>
+                      <a:prstDash val="solid"/>
+                      <a:round/>
+                      <a:headEnd type="none" w="med" len="med"/>
+                      <a:tailEnd type="none" w="med" len="med"/>
+                    </a:lnT>
+                    <a:solidFill>
+                      <a:srgbClr val="C0504D"/>
+                    </a:solidFill>
+                  </a:tcPr>
+                </a:tc>
+                <a:tc>
+                  <a:txBody>
+                    <a:bodyPr/>
+                    <a:lstStyle/>
+                    <a:p>
+                      <a:pPr algn="ctr">
+                        <a:spcAft>
+                          <a:spcPts val="1200"/>
+                        </a:spcAft>
+                      </a:pPr>
+                      <a:r>
+                        <a:rPr lang="pt-BR" sz="2000" dirty="0">
+                          <a:effectLst/>
+                        </a:rPr>
+                        <a:t>0.72</a:t>
+                      </a:r>
+                      <a:endParaRPr lang="pt-BR" sz="2000" dirty="0">
+                        <a:effectLst/>
+                        <a:latin typeface="Calibri" panose="020F0502020204030204" pitchFamily="34" charset="0"/>
+                        <a:ea typeface="Calibri" panose="020F0502020204030204" pitchFamily="34" charset="0"/>
+                        <a:cs typeface="Calibri" panose="020F0502020204030204" pitchFamily="34" charset="0"/>
+                      </a:endParaRPr>
+                    </a:p>
+                  </a:txBody>
+                  <a:tcPr marL="68580" marR="68580" marT="0" marB="0">
+                    <a:lnT w="12700" cap="flat" cmpd="sng" algn="ctr">
+                      <a:solidFill>
+                        <a:schemeClr val="tx1"/>
+                      </a:solidFill>
+                      <a:prstDash val="solid"/>
+                      <a:round/>
+                      <a:headEnd type="none" w="med" len="med"/>
+                      <a:tailEnd type="none" w="med" len="med"/>
+                    </a:lnT>
+                    <a:solidFill>
+                      <a:srgbClr val="C0504D"/>
+                    </a:solidFill>
+                  </a:tcPr>
                 </a:tc>
                 <a:extLst>
                   <a:ext uri="{0D108BD9-81ED-4DB2-BD59-A6C34878D82A}">
-                    <a16:rowId xmlns:a16="http://schemas.microsoft.com/office/drawing/2014/main" val="10001"/>
+                    <a16:rowId xmlns:a16="http://schemas.microsoft.com/office/drawing/2014/main" xmlns="" val="10001"/>
                   </a:ext>
                 </a:extLst>
               </a:tr>
-              <a:tr h="2073328">
-                <a:tc>
-                  <a:txBody>
-                    <a:bodyPr/>
-                    <a:lstStyle/>
-                    <a:p>
-                      <a:pPr algn="ctr">
-                        <a:spcAft>
-                          <a:spcPts val="1200"/>
-                        </a:spcAft>
-                      </a:pPr>
-                      <a:r>
-                        <a:rPr lang="pt-BR" sz="1800">
-                          <a:effectLst/>
-                        </a:rPr>
-                        <a:t>Respostas</a:t>
-                      </a:r>
-                      <a:endParaRPr lang="pt-BR" sz="1800">
-                        <a:effectLst/>
-                        <a:latin typeface="Calibri" panose="020F0502020204030204" pitchFamily="34" charset="0"/>
-                        <a:ea typeface="Calibri" panose="020F0502020204030204" pitchFamily="34" charset="0"/>
-                        <a:cs typeface="Calibri" panose="020F0502020204030204" pitchFamily="34" charset="0"/>
-                      </a:endParaRPr>
-                    </a:p>
-                  </a:txBody>
-                  <a:tcPr marL="68580" marR="68580" marT="0" marB="0"/>
-                </a:tc>
-                <a:tc>
-                  <a:txBody>
-                    <a:bodyPr/>
-                    <a:lstStyle/>
-                    <a:p>
-                      <a:pPr algn="ctr">
-                        <a:spcAft>
-                          <a:spcPts val="1200"/>
-                        </a:spcAft>
-                      </a:pPr>
-                      <a:r>
-                        <a:rPr lang="pt-BR" sz="1800" dirty="0">
-                          <a:effectLst/>
-                        </a:rPr>
-                        <a:t>Evitar: Caso ocorra o desengajamento dos desenvolvedores, será realizado um aumento no salário.</a:t>
-                      </a:r>
-                      <a:endParaRPr lang="pt-BR" sz="1800" dirty="0">
-                        <a:effectLst/>
-                        <a:latin typeface="Calibri" panose="020F0502020204030204" pitchFamily="34" charset="0"/>
-                        <a:ea typeface="Calibri" panose="020F0502020204030204" pitchFamily="34" charset="0"/>
-                        <a:cs typeface="Calibri" panose="020F0502020204030204" pitchFamily="34" charset="0"/>
-                      </a:endParaRPr>
-                    </a:p>
-                  </a:txBody>
-                  <a:tcPr marL="68580" marR="68580" marT="0" marB="0"/>
-                </a:tc>
-                <a:tc>
-                  <a:txBody>
-                    <a:bodyPr/>
-                    <a:lstStyle/>
-                    <a:p>
-                      <a:pPr algn="ctr">
-                        <a:spcAft>
-                          <a:spcPts val="1200"/>
-                        </a:spcAft>
-                      </a:pPr>
-                      <a:r>
-                        <a:rPr lang="pt-BR" sz="1800" dirty="0">
-                          <a:effectLst/>
-                        </a:rPr>
-                        <a:t>Aceitar</a:t>
-                      </a:r>
-                      <a:endParaRPr lang="pt-BR" sz="1800" dirty="0">
-                        <a:effectLst/>
-                        <a:latin typeface="Calibri" panose="020F0502020204030204" pitchFamily="34" charset="0"/>
-                        <a:ea typeface="Calibri" panose="020F0502020204030204" pitchFamily="34" charset="0"/>
-                        <a:cs typeface="Calibri" panose="020F0502020204030204" pitchFamily="34" charset="0"/>
-                      </a:endParaRPr>
-                    </a:p>
-                  </a:txBody>
-                  <a:tcPr marL="68580" marR="68580" marT="0" marB="0"/>
-                </a:tc>
-                <a:tc>
-                  <a:txBody>
-                    <a:bodyPr/>
-                    <a:lstStyle/>
-                    <a:p>
-                      <a:pPr algn="ctr">
-                        <a:spcAft>
-                          <a:spcPts val="1200"/>
-                        </a:spcAft>
-                      </a:pPr>
-                      <a:r>
-                        <a:rPr lang="pt-BR" sz="1800" dirty="0">
-                          <a:effectLst/>
-                        </a:rPr>
-                        <a:t>Evitar: Entrar em contato com assessoria em contratos</a:t>
-                      </a:r>
-                      <a:endParaRPr lang="pt-BR" sz="1800" dirty="0">
-                        <a:effectLst/>
-                        <a:latin typeface="Calibri" panose="020F0502020204030204" pitchFamily="34" charset="0"/>
-                        <a:ea typeface="Calibri" panose="020F0502020204030204" pitchFamily="34" charset="0"/>
-                        <a:cs typeface="Calibri" panose="020F0502020204030204" pitchFamily="34" charset="0"/>
-                      </a:endParaRPr>
-                    </a:p>
-                  </a:txBody>
-                  <a:tcPr marL="68580" marR="68580" marT="0" marB="0"/>
-                </a:tc>
-                <a:tc>
-                  <a:txBody>
-                    <a:bodyPr/>
-                    <a:lstStyle/>
-                    <a:p>
-                      <a:pPr algn="ctr">
-                        <a:spcAft>
-                          <a:spcPts val="1200"/>
-                        </a:spcAft>
-                      </a:pPr>
-                      <a:r>
-                        <a:rPr lang="pt-BR" sz="1800" dirty="0">
-                          <a:effectLst/>
-                        </a:rPr>
-                        <a:t>Aceitar</a:t>
-                      </a:r>
-                      <a:endParaRPr lang="pt-BR" sz="1800" dirty="0">
-                        <a:effectLst/>
-                        <a:latin typeface="Calibri" panose="020F0502020204030204" pitchFamily="34" charset="0"/>
-                        <a:ea typeface="Calibri" panose="020F0502020204030204" pitchFamily="34" charset="0"/>
-                        <a:cs typeface="Calibri" panose="020F0502020204030204" pitchFamily="34" charset="0"/>
-                      </a:endParaRPr>
-                    </a:p>
-                  </a:txBody>
-                  <a:tcPr marL="68580" marR="68580" marT="0" marB="0"/>
+              <a:tr h="508820">
+                <a:tc>
+                  <a:txBody>
+                    <a:bodyPr/>
+                    <a:lstStyle/>
+                    <a:p>
+                      <a:pPr algn="ctr">
+                        <a:spcAft>
+                          <a:spcPts val="1200"/>
+                        </a:spcAft>
+                      </a:pPr>
+                      <a:r>
+                        <a:rPr lang="pt-BR" sz="2000" dirty="0">
+                          <a:effectLst/>
+                        </a:rPr>
+                        <a:t>0.7</a:t>
+                      </a:r>
+                      <a:endParaRPr lang="pt-BR" sz="2000" dirty="0">
+                        <a:effectLst/>
+                        <a:latin typeface="Calibri" panose="020F0502020204030204" pitchFamily="34" charset="0"/>
+                        <a:ea typeface="Calibri" panose="020F0502020204030204" pitchFamily="34" charset="0"/>
+                        <a:cs typeface="Calibri" panose="020F0502020204030204" pitchFamily="34" charset="0"/>
+                      </a:endParaRPr>
+                    </a:p>
+                  </a:txBody>
+                  <a:tcPr marL="68580" marR="68580" marT="0" marB="0">
+                    <a:lnL w="12700" cap="flat" cmpd="sng" algn="ctr">
+                      <a:solidFill>
+                        <a:schemeClr val="tx1"/>
+                      </a:solidFill>
+                      <a:prstDash val="solid"/>
+                      <a:round/>
+                      <a:headEnd type="none" w="med" len="med"/>
+                      <a:tailEnd type="none" w="med" len="med"/>
+                    </a:lnL>
+                    <a:lnR w="12700" cap="flat" cmpd="sng" algn="ctr">
+                      <a:solidFill>
+                        <a:schemeClr val="tx1"/>
+                      </a:solidFill>
+                      <a:prstDash val="solid"/>
+                      <a:round/>
+                      <a:headEnd type="none" w="med" len="med"/>
+                      <a:tailEnd type="none" w="med" len="med"/>
+                    </a:lnR>
+                    <a:solidFill>
+                      <a:schemeClr val="bg1">
+                        <a:lumMod val="75000"/>
+                      </a:schemeClr>
+                    </a:solidFill>
+                  </a:tcPr>
+                </a:tc>
+                <a:tc>
+                  <a:txBody>
+                    <a:bodyPr/>
+                    <a:lstStyle/>
+                    <a:p>
+                      <a:pPr algn="ctr">
+                        <a:spcAft>
+                          <a:spcPts val="1200"/>
+                        </a:spcAft>
+                      </a:pPr>
+                      <a:r>
+                        <a:rPr lang="pt-BR" sz="2000" dirty="0">
+                          <a:effectLst/>
+                        </a:rPr>
+                        <a:t>0.04</a:t>
+                      </a:r>
+                      <a:endParaRPr lang="pt-BR" sz="2000" dirty="0">
+                        <a:effectLst/>
+                        <a:latin typeface="Calibri" panose="020F0502020204030204" pitchFamily="34" charset="0"/>
+                        <a:ea typeface="Calibri" panose="020F0502020204030204" pitchFamily="34" charset="0"/>
+                        <a:cs typeface="Calibri" panose="020F0502020204030204" pitchFamily="34" charset="0"/>
+                      </a:endParaRPr>
+                    </a:p>
+                  </a:txBody>
+                  <a:tcPr marL="68580" marR="68580" marT="0" marB="0">
+                    <a:lnL w="12700" cap="flat" cmpd="sng" algn="ctr">
+                      <a:solidFill>
+                        <a:schemeClr val="tx1"/>
+                      </a:solidFill>
+                      <a:prstDash val="solid"/>
+                      <a:round/>
+                      <a:headEnd type="none" w="med" len="med"/>
+                      <a:tailEnd type="none" w="med" len="med"/>
+                    </a:lnL>
+                    <a:solidFill>
+                      <a:srgbClr val="00B0F0"/>
+                    </a:solidFill>
+                  </a:tcPr>
+                </a:tc>
+                <a:tc>
+                  <a:txBody>
+                    <a:bodyPr/>
+                    <a:lstStyle/>
+                    <a:p>
+                      <a:pPr algn="ctr">
+                        <a:spcAft>
+                          <a:spcPts val="1200"/>
+                        </a:spcAft>
+                      </a:pPr>
+                      <a:r>
+                        <a:rPr lang="pt-BR" sz="2000" dirty="0">
+                          <a:effectLst/>
+                        </a:rPr>
+                        <a:t>0.07</a:t>
+                      </a:r>
+                      <a:endParaRPr lang="pt-BR" sz="2000" dirty="0">
+                        <a:effectLst/>
+                        <a:latin typeface="Calibri" panose="020F0502020204030204" pitchFamily="34" charset="0"/>
+                        <a:ea typeface="Calibri" panose="020F0502020204030204" pitchFamily="34" charset="0"/>
+                        <a:cs typeface="Calibri" panose="020F0502020204030204" pitchFamily="34" charset="0"/>
+                      </a:endParaRPr>
+                    </a:p>
+                  </a:txBody>
+                  <a:tcPr marL="68580" marR="68580" marT="0" marB="0">
+                    <a:solidFill>
+                      <a:schemeClr val="bg1"/>
+                    </a:solidFill>
+                  </a:tcPr>
+                </a:tc>
+                <a:tc>
+                  <a:txBody>
+                    <a:bodyPr/>
+                    <a:lstStyle/>
+                    <a:p>
+                      <a:pPr algn="ctr">
+                        <a:spcAft>
+                          <a:spcPts val="1200"/>
+                        </a:spcAft>
+                      </a:pPr>
+                      <a:r>
+                        <a:rPr lang="pt-BR" sz="2000" dirty="0">
+                          <a:effectLst/>
+                        </a:rPr>
+                        <a:t>0.14</a:t>
+                      </a:r>
+                      <a:endParaRPr lang="pt-BR" sz="2000" dirty="0">
+                        <a:effectLst/>
+                        <a:latin typeface="Calibri" panose="020F0502020204030204" pitchFamily="34" charset="0"/>
+                        <a:ea typeface="Calibri" panose="020F0502020204030204" pitchFamily="34" charset="0"/>
+                        <a:cs typeface="Calibri" panose="020F0502020204030204" pitchFamily="34" charset="0"/>
+                      </a:endParaRPr>
+                    </a:p>
+                  </a:txBody>
+                  <a:tcPr marL="68580" marR="68580" marT="0" marB="0">
+                    <a:solidFill>
+                      <a:schemeClr val="bg1"/>
+                    </a:solidFill>
+                  </a:tcPr>
+                </a:tc>
+                <a:tc>
+                  <a:txBody>
+                    <a:bodyPr/>
+                    <a:lstStyle/>
+                    <a:p>
+                      <a:pPr algn="ctr">
+                        <a:spcAft>
+                          <a:spcPts val="1200"/>
+                        </a:spcAft>
+                      </a:pPr>
+                      <a:r>
+                        <a:rPr lang="pt-BR" sz="2000" dirty="0">
+                          <a:effectLst/>
+                        </a:rPr>
+                        <a:t>0.28</a:t>
+                      </a:r>
+                      <a:endParaRPr lang="pt-BR" sz="2000" dirty="0">
+                        <a:effectLst/>
+                        <a:latin typeface="Calibri" panose="020F0502020204030204" pitchFamily="34" charset="0"/>
+                        <a:ea typeface="Calibri" panose="020F0502020204030204" pitchFamily="34" charset="0"/>
+                        <a:cs typeface="Calibri" panose="020F0502020204030204" pitchFamily="34" charset="0"/>
+                      </a:endParaRPr>
+                    </a:p>
+                  </a:txBody>
+                  <a:tcPr marL="68580" marR="68580" marT="0" marB="0">
+                    <a:solidFill>
+                      <a:srgbClr val="C0504D"/>
+                    </a:solidFill>
+                  </a:tcPr>
+                </a:tc>
+                <a:tc>
+                  <a:txBody>
+                    <a:bodyPr/>
+                    <a:lstStyle/>
+                    <a:p>
+                      <a:pPr algn="ctr">
+                        <a:spcAft>
+                          <a:spcPts val="1200"/>
+                        </a:spcAft>
+                      </a:pPr>
+                      <a:r>
+                        <a:rPr lang="pt-BR" sz="2000" dirty="0">
+                          <a:effectLst/>
+                        </a:rPr>
+                        <a:t>Termos de contrato inaceitáveis</a:t>
+                      </a:r>
+                      <a:endParaRPr lang="pt-BR" sz="2000" dirty="0">
+                        <a:effectLst/>
+                        <a:latin typeface="Calibri" panose="020F0502020204030204" pitchFamily="34" charset="0"/>
+                        <a:ea typeface="Calibri" panose="020F0502020204030204" pitchFamily="34" charset="0"/>
+                        <a:cs typeface="Calibri" panose="020F0502020204030204" pitchFamily="34" charset="0"/>
+                      </a:endParaRPr>
+                    </a:p>
+                  </a:txBody>
+                  <a:tcPr marL="68580" marR="68580" marT="0" marB="0">
+                    <a:solidFill>
+                      <a:srgbClr val="C0504D"/>
+                    </a:solidFill>
+                  </a:tcPr>
                 </a:tc>
                 <a:extLst>
                   <a:ext uri="{0D108BD9-81ED-4DB2-BD59-A6C34878D82A}">
-                    <a16:rowId xmlns:a16="http://schemas.microsoft.com/office/drawing/2014/main" val="10002"/>
+                    <a16:rowId xmlns:a16="http://schemas.microsoft.com/office/drawing/2014/main" xmlns="" val="10002"/>
+                  </a:ext>
+                </a:extLst>
+              </a:tr>
+              <a:tr h="396700">
+                <a:tc>
+                  <a:txBody>
+                    <a:bodyPr/>
+                    <a:lstStyle/>
+                    <a:p>
+                      <a:pPr algn="ctr">
+                        <a:spcAft>
+                          <a:spcPts val="1200"/>
+                        </a:spcAft>
+                      </a:pPr>
+                      <a:r>
+                        <a:rPr lang="pt-BR" sz="2000" dirty="0">
+                          <a:effectLst/>
+                        </a:rPr>
+                        <a:t>0.5</a:t>
+                      </a:r>
+                      <a:endParaRPr lang="pt-BR" sz="2000" dirty="0">
+                        <a:effectLst/>
+                        <a:latin typeface="Calibri" panose="020F0502020204030204" pitchFamily="34" charset="0"/>
+                        <a:ea typeface="Calibri" panose="020F0502020204030204" pitchFamily="34" charset="0"/>
+                        <a:cs typeface="Calibri" panose="020F0502020204030204" pitchFamily="34" charset="0"/>
+                      </a:endParaRPr>
+                    </a:p>
+                  </a:txBody>
+                  <a:tcPr marL="68580" marR="68580" marT="0" marB="0">
+                    <a:lnL w="12700" cap="flat" cmpd="sng" algn="ctr">
+                      <a:solidFill>
+                        <a:schemeClr val="tx1"/>
+                      </a:solidFill>
+                      <a:prstDash val="solid"/>
+                      <a:round/>
+                      <a:headEnd type="none" w="med" len="med"/>
+                      <a:tailEnd type="none" w="med" len="med"/>
+                    </a:lnL>
+                    <a:lnR w="12700" cap="flat" cmpd="sng" algn="ctr">
+                      <a:solidFill>
+                        <a:schemeClr val="tx1"/>
+                      </a:solidFill>
+                      <a:prstDash val="solid"/>
+                      <a:round/>
+                      <a:headEnd type="none" w="med" len="med"/>
+                      <a:tailEnd type="none" w="med" len="med"/>
+                    </a:lnR>
+                    <a:solidFill>
+                      <a:schemeClr val="bg1">
+                        <a:lumMod val="75000"/>
+                      </a:schemeClr>
+                    </a:solidFill>
+                  </a:tcPr>
+                </a:tc>
+                <a:tc>
+                  <a:txBody>
+                    <a:bodyPr/>
+                    <a:lstStyle/>
+                    <a:p>
+                      <a:pPr algn="ctr">
+                        <a:spcAft>
+                          <a:spcPts val="1200"/>
+                        </a:spcAft>
+                      </a:pPr>
+                      <a:r>
+                        <a:rPr lang="pt-BR" sz="2000" dirty="0">
+                          <a:effectLst/>
+                        </a:rPr>
+                        <a:t>0.03</a:t>
+                      </a:r>
+                      <a:endParaRPr lang="pt-BR" sz="2000" dirty="0">
+                        <a:effectLst/>
+                        <a:latin typeface="Calibri" panose="020F0502020204030204" pitchFamily="34" charset="0"/>
+                        <a:ea typeface="Calibri" panose="020F0502020204030204" pitchFamily="34" charset="0"/>
+                        <a:cs typeface="Calibri" panose="020F0502020204030204" pitchFamily="34" charset="0"/>
+                      </a:endParaRPr>
+                    </a:p>
+                  </a:txBody>
+                  <a:tcPr marL="68580" marR="68580" marT="0" marB="0">
+                    <a:lnL w="12700" cap="flat" cmpd="sng" algn="ctr">
+                      <a:solidFill>
+                        <a:schemeClr val="tx1"/>
+                      </a:solidFill>
+                      <a:prstDash val="solid"/>
+                      <a:round/>
+                      <a:headEnd type="none" w="med" len="med"/>
+                      <a:tailEnd type="none" w="med" len="med"/>
+                    </a:lnL>
+                    <a:solidFill>
+                      <a:srgbClr val="00B0F0"/>
+                    </a:solidFill>
+                  </a:tcPr>
+                </a:tc>
+                <a:tc>
+                  <a:txBody>
+                    <a:bodyPr/>
+                    <a:lstStyle/>
+                    <a:p>
+                      <a:pPr algn="ctr">
+                        <a:spcAft>
+                          <a:spcPts val="1200"/>
+                        </a:spcAft>
+                      </a:pPr>
+                      <a:r>
+                        <a:rPr lang="pt-BR" sz="2000" dirty="0">
+                          <a:effectLst/>
+                        </a:rPr>
+                        <a:t>0.05</a:t>
+                      </a:r>
+                      <a:endParaRPr lang="pt-BR" sz="2000" dirty="0">
+                        <a:effectLst/>
+                        <a:latin typeface="Calibri" panose="020F0502020204030204" pitchFamily="34" charset="0"/>
+                        <a:ea typeface="Calibri" panose="020F0502020204030204" pitchFamily="34" charset="0"/>
+                        <a:cs typeface="Calibri" panose="020F0502020204030204" pitchFamily="34" charset="0"/>
+                      </a:endParaRPr>
+                    </a:p>
+                  </a:txBody>
+                  <a:tcPr marL="68580" marR="68580" marT="0" marB="0">
+                    <a:solidFill>
+                      <a:schemeClr val="bg1"/>
+                    </a:solidFill>
+                  </a:tcPr>
+                </a:tc>
+                <a:tc>
+                  <a:txBody>
+                    <a:bodyPr/>
+                    <a:lstStyle/>
+                    <a:p>
+                      <a:pPr algn="ctr">
+                        <a:spcAft>
+                          <a:spcPts val="1200"/>
+                        </a:spcAft>
+                      </a:pPr>
+                      <a:r>
+                        <a:rPr lang="pt-BR" sz="2000" dirty="0">
+                          <a:effectLst/>
+                        </a:rPr>
+                        <a:t>0.1</a:t>
+                      </a:r>
+                      <a:endParaRPr lang="pt-BR" sz="2000" dirty="0">
+                        <a:effectLst/>
+                        <a:latin typeface="Calibri" panose="020F0502020204030204" pitchFamily="34" charset="0"/>
+                        <a:ea typeface="Calibri" panose="020F0502020204030204" pitchFamily="34" charset="0"/>
+                        <a:cs typeface="Calibri" panose="020F0502020204030204" pitchFamily="34" charset="0"/>
+                      </a:endParaRPr>
+                    </a:p>
+                  </a:txBody>
+                  <a:tcPr marL="68580" marR="68580" marT="0" marB="0">
+                    <a:solidFill>
+                      <a:schemeClr val="bg1"/>
+                    </a:solidFill>
+                  </a:tcPr>
+                </a:tc>
+                <a:tc>
+                  <a:txBody>
+                    <a:bodyPr/>
+                    <a:lstStyle/>
+                    <a:p>
+                      <a:pPr algn="ctr">
+                        <a:spcAft>
+                          <a:spcPts val="1200"/>
+                        </a:spcAft>
+                      </a:pPr>
+                      <a:r>
+                        <a:rPr lang="pt-BR" sz="2000" dirty="0">
+                          <a:effectLst/>
+                        </a:rPr>
+                        <a:t>0.20</a:t>
+                      </a:r>
+                      <a:endParaRPr lang="pt-BR" sz="2000" dirty="0">
+                        <a:effectLst/>
+                        <a:latin typeface="Calibri" panose="020F0502020204030204" pitchFamily="34" charset="0"/>
+                        <a:ea typeface="Calibri" panose="020F0502020204030204" pitchFamily="34" charset="0"/>
+                        <a:cs typeface="Calibri" panose="020F0502020204030204" pitchFamily="34" charset="0"/>
+                      </a:endParaRPr>
+                    </a:p>
+                  </a:txBody>
+                  <a:tcPr marL="68580" marR="68580" marT="0" marB="0">
+                    <a:solidFill>
+                      <a:srgbClr val="C0504D"/>
+                    </a:solidFill>
+                  </a:tcPr>
+                </a:tc>
+                <a:tc>
+                  <a:txBody>
+                    <a:bodyPr/>
+                    <a:lstStyle/>
+                    <a:p>
+                      <a:pPr algn="ctr">
+                        <a:spcAft>
+                          <a:spcPts val="1200"/>
+                        </a:spcAft>
+                      </a:pPr>
+                      <a:r>
+                        <a:rPr lang="pt-BR" sz="2000" dirty="0">
+                          <a:effectLst/>
+                        </a:rPr>
+                        <a:t>0.40</a:t>
+                      </a:r>
+                      <a:endParaRPr lang="pt-BR" sz="2000" dirty="0">
+                        <a:effectLst/>
+                        <a:latin typeface="Calibri" panose="020F0502020204030204" pitchFamily="34" charset="0"/>
+                        <a:ea typeface="Calibri" panose="020F0502020204030204" pitchFamily="34" charset="0"/>
+                        <a:cs typeface="Calibri" panose="020F0502020204030204" pitchFamily="34" charset="0"/>
+                      </a:endParaRPr>
+                    </a:p>
+                  </a:txBody>
+                  <a:tcPr marL="68580" marR="68580" marT="0" marB="0">
+                    <a:solidFill>
+                      <a:srgbClr val="C0504D"/>
+                    </a:solidFill>
+                  </a:tcPr>
+                </a:tc>
+                <a:extLst>
+                  <a:ext uri="{0D108BD9-81ED-4DB2-BD59-A6C34878D82A}">
+                    <a16:rowId xmlns:a16="http://schemas.microsoft.com/office/drawing/2014/main" xmlns="" val="10003"/>
+                  </a:ext>
+                </a:extLst>
+              </a:tr>
+              <a:tr h="1210962">
+                <a:tc>
+                  <a:txBody>
+                    <a:bodyPr/>
+                    <a:lstStyle/>
+                    <a:p>
+                      <a:pPr algn="ctr">
+                        <a:spcAft>
+                          <a:spcPts val="1200"/>
+                        </a:spcAft>
+                      </a:pPr>
+                      <a:r>
+                        <a:rPr lang="pt-BR" sz="2000" dirty="0">
+                          <a:effectLst/>
+                        </a:rPr>
+                        <a:t>0.3</a:t>
+                      </a:r>
+                      <a:endParaRPr lang="pt-BR" sz="2000" dirty="0">
+                        <a:effectLst/>
+                        <a:latin typeface="Calibri" panose="020F0502020204030204" pitchFamily="34" charset="0"/>
+                        <a:ea typeface="Calibri" panose="020F0502020204030204" pitchFamily="34" charset="0"/>
+                        <a:cs typeface="Calibri" panose="020F0502020204030204" pitchFamily="34" charset="0"/>
+                      </a:endParaRPr>
+                    </a:p>
+                  </a:txBody>
+                  <a:tcPr marL="68580" marR="68580" marT="0" marB="0">
+                    <a:lnL w="12700" cap="flat" cmpd="sng" algn="ctr">
+                      <a:solidFill>
+                        <a:schemeClr val="tx1"/>
+                      </a:solidFill>
+                      <a:prstDash val="solid"/>
+                      <a:round/>
+                      <a:headEnd type="none" w="med" len="med"/>
+                      <a:tailEnd type="none" w="med" len="med"/>
+                    </a:lnL>
+                    <a:lnR w="12700" cap="flat" cmpd="sng" algn="ctr">
+                      <a:solidFill>
+                        <a:schemeClr val="tx1"/>
+                      </a:solidFill>
+                      <a:prstDash val="solid"/>
+                      <a:round/>
+                      <a:headEnd type="none" w="med" len="med"/>
+                      <a:tailEnd type="none" w="med" len="med"/>
+                    </a:lnR>
+                    <a:solidFill>
+                      <a:schemeClr val="bg1">
+                        <a:lumMod val="75000"/>
+                      </a:schemeClr>
+                    </a:solidFill>
+                  </a:tcPr>
+                </a:tc>
+                <a:tc>
+                  <a:txBody>
+                    <a:bodyPr/>
+                    <a:lstStyle/>
+                    <a:p>
+                      <a:pPr algn="ctr">
+                        <a:spcAft>
+                          <a:spcPts val="1200"/>
+                        </a:spcAft>
+                      </a:pPr>
+                      <a:r>
+                        <a:rPr lang="pt-BR" sz="2000" dirty="0">
+                          <a:effectLst/>
+                        </a:rPr>
+                        <a:t>0.02</a:t>
+                      </a:r>
+                      <a:endParaRPr lang="pt-BR" sz="2000" dirty="0">
+                        <a:effectLst/>
+                        <a:latin typeface="Calibri" panose="020F0502020204030204" pitchFamily="34" charset="0"/>
+                        <a:ea typeface="Calibri" panose="020F0502020204030204" pitchFamily="34" charset="0"/>
+                        <a:cs typeface="Calibri" panose="020F0502020204030204" pitchFamily="34" charset="0"/>
+                      </a:endParaRPr>
+                    </a:p>
+                  </a:txBody>
+                  <a:tcPr marL="68580" marR="68580" marT="0" marB="0">
+                    <a:lnL w="12700" cap="flat" cmpd="sng" algn="ctr">
+                      <a:solidFill>
+                        <a:schemeClr val="tx1"/>
+                      </a:solidFill>
+                      <a:prstDash val="solid"/>
+                      <a:round/>
+                      <a:headEnd type="none" w="med" len="med"/>
+                      <a:tailEnd type="none" w="med" len="med"/>
+                    </a:lnL>
+                    <a:solidFill>
+                      <a:srgbClr val="00B0F0"/>
+                    </a:solidFill>
+                  </a:tcPr>
+                </a:tc>
+                <a:tc>
+                  <a:txBody>
+                    <a:bodyPr/>
+                    <a:lstStyle/>
+                    <a:p>
+                      <a:pPr algn="ctr">
+                        <a:spcAft>
+                          <a:spcPts val="1200"/>
+                        </a:spcAft>
+                      </a:pPr>
+                      <a:r>
+                        <a:rPr lang="pt-BR" sz="2000" dirty="0">
+                          <a:effectLst/>
+                        </a:rPr>
+                        <a:t>0.03</a:t>
+                      </a:r>
+                      <a:endParaRPr lang="pt-BR" sz="2000" dirty="0">
+                        <a:effectLst/>
+                        <a:latin typeface="Calibri" panose="020F0502020204030204" pitchFamily="34" charset="0"/>
+                        <a:ea typeface="Calibri" panose="020F0502020204030204" pitchFamily="34" charset="0"/>
+                        <a:cs typeface="Calibri" panose="020F0502020204030204" pitchFamily="34" charset="0"/>
+                      </a:endParaRPr>
+                    </a:p>
+                  </a:txBody>
+                  <a:tcPr marL="68580" marR="68580" marT="0" marB="0">
+                    <a:solidFill>
+                      <a:srgbClr val="00B0F0"/>
+                    </a:solidFill>
+                  </a:tcPr>
+                </a:tc>
+                <a:tc>
+                  <a:txBody>
+                    <a:bodyPr/>
+                    <a:lstStyle/>
+                    <a:p>
+                      <a:pPr algn="ctr">
+                        <a:spcAft>
+                          <a:spcPts val="1200"/>
+                        </a:spcAft>
+                      </a:pPr>
+                      <a:r>
+                        <a:rPr lang="pt-BR" sz="2000" dirty="0">
+                          <a:effectLst/>
+                        </a:rPr>
+                        <a:t>0.06</a:t>
+                      </a:r>
+                      <a:endParaRPr lang="pt-BR" sz="2000" dirty="0">
+                        <a:effectLst/>
+                        <a:latin typeface="Calibri" panose="020F0502020204030204" pitchFamily="34" charset="0"/>
+                        <a:ea typeface="Calibri" panose="020F0502020204030204" pitchFamily="34" charset="0"/>
+                        <a:cs typeface="Calibri" panose="020F0502020204030204" pitchFamily="34" charset="0"/>
+                      </a:endParaRPr>
+                    </a:p>
+                  </a:txBody>
+                  <a:tcPr marL="68580" marR="68580" marT="0" marB="0">
+                    <a:solidFill>
+                      <a:schemeClr val="bg1"/>
+                    </a:solidFill>
+                  </a:tcPr>
+                </a:tc>
+                <a:tc>
+                  <a:txBody>
+                    <a:bodyPr/>
+                    <a:lstStyle/>
+                    <a:p>
+                      <a:pPr algn="ctr">
+                        <a:spcAft>
+                          <a:spcPts val="1200"/>
+                        </a:spcAft>
+                      </a:pPr>
+                      <a:r>
+                        <a:rPr lang="pt-BR" sz="2000" dirty="0">
+                          <a:effectLst/>
+                        </a:rPr>
+                        <a:t>0.12</a:t>
+                      </a:r>
+                      <a:endParaRPr lang="pt-BR" sz="2000" dirty="0">
+                        <a:effectLst/>
+                        <a:latin typeface="Calibri" panose="020F0502020204030204" pitchFamily="34" charset="0"/>
+                        <a:ea typeface="Calibri" panose="020F0502020204030204" pitchFamily="34" charset="0"/>
+                        <a:cs typeface="Calibri" panose="020F0502020204030204" pitchFamily="34" charset="0"/>
+                      </a:endParaRPr>
+                    </a:p>
+                  </a:txBody>
+                  <a:tcPr marL="68580" marR="68580" marT="0" marB="0">
+                    <a:solidFill>
+                      <a:schemeClr val="bg1"/>
+                    </a:solidFill>
+                  </a:tcPr>
+                </a:tc>
+                <a:tc>
+                  <a:txBody>
+                    <a:bodyPr/>
+                    <a:lstStyle/>
+                    <a:p>
+                      <a:pPr algn="ctr">
+                        <a:spcAft>
+                          <a:spcPts val="1200"/>
+                        </a:spcAft>
+                      </a:pPr>
+                      <a:r>
+                        <a:rPr lang="pt-BR" sz="2000" dirty="0">
+                          <a:effectLst/>
+                        </a:rPr>
+                        <a:t>Desengajamento</a:t>
+                      </a:r>
+                      <a:r>
+                        <a:rPr lang="pt-BR" sz="2000" baseline="0" dirty="0">
+                          <a:effectLst/>
+                        </a:rPr>
+                        <a:t> dos desenvolvedores</a:t>
+                      </a:r>
+                      <a:endParaRPr lang="pt-BR" sz="2000" dirty="0">
+                        <a:effectLst/>
+                        <a:latin typeface="Calibri" panose="020F0502020204030204" pitchFamily="34" charset="0"/>
+                        <a:ea typeface="Calibri" panose="020F0502020204030204" pitchFamily="34" charset="0"/>
+                        <a:cs typeface="Calibri" panose="020F0502020204030204" pitchFamily="34" charset="0"/>
+                      </a:endParaRPr>
+                    </a:p>
+                  </a:txBody>
+                  <a:tcPr marL="68580" marR="68580" marT="0" marB="0">
+                    <a:solidFill>
+                      <a:srgbClr val="C0504D"/>
+                    </a:solidFill>
+                  </a:tcPr>
+                </a:tc>
+                <a:extLst>
+                  <a:ext uri="{0D108BD9-81ED-4DB2-BD59-A6C34878D82A}">
+                    <a16:rowId xmlns:a16="http://schemas.microsoft.com/office/drawing/2014/main" xmlns="" val="10004"/>
+                  </a:ext>
+                </a:extLst>
+              </a:tr>
+              <a:tr h="508820">
+                <a:tc>
+                  <a:txBody>
+                    <a:bodyPr/>
+                    <a:lstStyle/>
+                    <a:p>
+                      <a:pPr algn="ctr">
+                        <a:spcAft>
+                          <a:spcPts val="1200"/>
+                        </a:spcAft>
+                      </a:pPr>
+                      <a:r>
+                        <a:rPr lang="pt-BR" sz="2000" dirty="0">
+                          <a:effectLst/>
+                        </a:rPr>
+                        <a:t>0.1</a:t>
+                      </a:r>
+                      <a:endParaRPr lang="pt-BR" sz="2000" dirty="0">
+                        <a:effectLst/>
+                        <a:latin typeface="Calibri" panose="020F0502020204030204" pitchFamily="34" charset="0"/>
+                        <a:ea typeface="Calibri" panose="020F0502020204030204" pitchFamily="34" charset="0"/>
+                        <a:cs typeface="Calibri" panose="020F0502020204030204" pitchFamily="34" charset="0"/>
+                      </a:endParaRPr>
+                    </a:p>
+                  </a:txBody>
+                  <a:tcPr marL="68580" marR="68580" marT="0" marB="0">
+                    <a:lnL w="12700" cap="flat" cmpd="sng" algn="ctr">
+                      <a:solidFill>
+                        <a:schemeClr val="tx1"/>
+                      </a:solidFill>
+                      <a:prstDash val="solid"/>
+                      <a:round/>
+                      <a:headEnd type="none" w="med" len="med"/>
+                      <a:tailEnd type="none" w="med" len="med"/>
+                    </a:lnL>
+                    <a:lnR w="12700" cap="flat" cmpd="sng" algn="ctr">
+                      <a:solidFill>
+                        <a:schemeClr val="tx1"/>
+                      </a:solidFill>
+                      <a:prstDash val="solid"/>
+                      <a:round/>
+                      <a:headEnd type="none" w="med" len="med"/>
+                      <a:tailEnd type="none" w="med" len="med"/>
+                    </a:lnR>
+                    <a:lnB w="12700" cap="flat" cmpd="sng" algn="ctr">
+                      <a:solidFill>
+                        <a:schemeClr val="tx1"/>
+                      </a:solidFill>
+                      <a:prstDash val="solid"/>
+                      <a:round/>
+                      <a:headEnd type="none" w="med" len="med"/>
+                      <a:tailEnd type="none" w="med" len="med"/>
+                    </a:lnB>
+                    <a:solidFill>
+                      <a:schemeClr val="bg1">
+                        <a:lumMod val="75000"/>
+                      </a:schemeClr>
+                    </a:solidFill>
+                  </a:tcPr>
+                </a:tc>
+                <a:tc>
+                  <a:txBody>
+                    <a:bodyPr/>
+                    <a:lstStyle/>
+                    <a:p>
+                      <a:pPr algn="ctr">
+                        <a:spcAft>
+                          <a:spcPts val="1200"/>
+                        </a:spcAft>
+                      </a:pPr>
+                      <a:r>
+                        <a:rPr lang="pt-BR" sz="2000" dirty="0">
+                          <a:effectLst/>
+                        </a:rPr>
+                        <a:t>0.01</a:t>
+                      </a:r>
+                      <a:endParaRPr lang="pt-BR" sz="2000" dirty="0">
+                        <a:effectLst/>
+                        <a:latin typeface="Calibri" panose="020F0502020204030204" pitchFamily="34" charset="0"/>
+                        <a:ea typeface="Calibri" panose="020F0502020204030204" pitchFamily="34" charset="0"/>
+                        <a:cs typeface="Calibri" panose="020F0502020204030204" pitchFamily="34" charset="0"/>
+                      </a:endParaRPr>
+                    </a:p>
+                  </a:txBody>
+                  <a:tcPr marL="68580" marR="68580" marT="0" marB="0">
+                    <a:lnL w="12700" cap="flat" cmpd="sng" algn="ctr">
+                      <a:solidFill>
+                        <a:schemeClr val="tx1"/>
+                      </a:solidFill>
+                      <a:prstDash val="solid"/>
+                      <a:round/>
+                      <a:headEnd type="none" w="med" len="med"/>
+                      <a:tailEnd type="none" w="med" len="med"/>
+                    </a:lnL>
+                    <a:solidFill>
+                      <a:srgbClr val="00B0F0"/>
+                    </a:solidFill>
+                  </a:tcPr>
+                </a:tc>
+                <a:tc>
+                  <a:txBody>
+                    <a:bodyPr/>
+                    <a:lstStyle/>
+                    <a:p>
+                      <a:pPr algn="ctr">
+                        <a:spcAft>
+                          <a:spcPts val="1200"/>
+                        </a:spcAft>
+                      </a:pPr>
+                      <a:r>
+                        <a:rPr lang="pt-BR" sz="2000" dirty="0">
+                          <a:effectLst/>
+                        </a:rPr>
+                        <a:t>0.01</a:t>
+                      </a:r>
+                      <a:endParaRPr lang="pt-BR" sz="2000" dirty="0">
+                        <a:effectLst/>
+                        <a:latin typeface="Calibri" panose="020F0502020204030204" pitchFamily="34" charset="0"/>
+                        <a:ea typeface="Calibri" panose="020F0502020204030204" pitchFamily="34" charset="0"/>
+                        <a:cs typeface="Calibri" panose="020F0502020204030204" pitchFamily="34" charset="0"/>
+                      </a:endParaRPr>
+                    </a:p>
+                  </a:txBody>
+                  <a:tcPr marL="68580" marR="68580" marT="0" marB="0">
+                    <a:solidFill>
+                      <a:srgbClr val="00B0F0"/>
+                    </a:solidFill>
+                  </a:tcPr>
+                </a:tc>
+                <a:tc>
+                  <a:txBody>
+                    <a:bodyPr/>
+                    <a:lstStyle/>
+                    <a:p>
+                      <a:pPr algn="ctr">
+                        <a:spcAft>
+                          <a:spcPts val="1200"/>
+                        </a:spcAft>
+                      </a:pPr>
+                      <a:r>
+                        <a:rPr lang="pt-BR" sz="2000" dirty="0">
+                          <a:effectLst/>
+                        </a:rPr>
+                        <a:t>Produto não ser assimilado pelos funcionários</a:t>
+                      </a:r>
+                      <a:endParaRPr lang="pt-BR" sz="2000" dirty="0">
+                        <a:effectLst/>
+                        <a:latin typeface="Calibri" panose="020F0502020204030204" pitchFamily="34" charset="0"/>
+                        <a:ea typeface="Calibri" panose="020F0502020204030204" pitchFamily="34" charset="0"/>
+                        <a:cs typeface="Calibri" panose="020F0502020204030204" pitchFamily="34" charset="0"/>
+                      </a:endParaRPr>
+                    </a:p>
+                  </a:txBody>
+                  <a:tcPr marL="68580" marR="68580" marT="0" marB="0">
+                    <a:solidFill>
+                      <a:srgbClr val="00B0F0"/>
+                    </a:solidFill>
+                  </a:tcPr>
+                </a:tc>
+                <a:tc>
+                  <a:txBody>
+                    <a:bodyPr/>
+                    <a:lstStyle/>
+                    <a:p>
+                      <a:pPr algn="ctr">
+                        <a:spcAft>
+                          <a:spcPts val="1200"/>
+                        </a:spcAft>
+                      </a:pPr>
+                      <a:r>
+                        <a:rPr lang="pt-BR" sz="2000" dirty="0">
+                          <a:effectLst/>
+                        </a:rPr>
+                        <a:t>0.04</a:t>
+                      </a:r>
+                      <a:endParaRPr lang="pt-BR" sz="2000" dirty="0">
+                        <a:effectLst/>
+                        <a:latin typeface="Calibri" panose="020F0502020204030204" pitchFamily="34" charset="0"/>
+                        <a:ea typeface="Calibri" panose="020F0502020204030204" pitchFamily="34" charset="0"/>
+                        <a:cs typeface="Calibri" panose="020F0502020204030204" pitchFamily="34" charset="0"/>
+                      </a:endParaRPr>
+                    </a:p>
+                  </a:txBody>
+                  <a:tcPr marL="68580" marR="68580" marT="0" marB="0">
+                    <a:solidFill>
+                      <a:schemeClr val="bg1"/>
+                    </a:solidFill>
+                  </a:tcPr>
+                </a:tc>
+                <a:tc>
+                  <a:txBody>
+                    <a:bodyPr/>
+                    <a:lstStyle/>
+                    <a:p>
+                      <a:pPr algn="ctr">
+                        <a:spcAft>
+                          <a:spcPts val="1200"/>
+                        </a:spcAft>
+                      </a:pPr>
+                      <a:r>
+                        <a:rPr lang="pt-BR" sz="2000" dirty="0">
+                          <a:effectLst/>
+                        </a:rPr>
+                        <a:t>Incêndio na fotocopiadora</a:t>
+                      </a:r>
+                      <a:endParaRPr lang="pt-BR" sz="2000" dirty="0">
+                        <a:effectLst/>
+                        <a:latin typeface="Calibri" panose="020F0502020204030204" pitchFamily="34" charset="0"/>
+                        <a:ea typeface="Calibri" panose="020F0502020204030204" pitchFamily="34" charset="0"/>
+                        <a:cs typeface="Calibri" panose="020F0502020204030204" pitchFamily="34" charset="0"/>
+                      </a:endParaRPr>
+                    </a:p>
+                  </a:txBody>
+                  <a:tcPr marL="68580" marR="68580" marT="0" marB="0">
+                    <a:solidFill>
+                      <a:schemeClr val="bg1"/>
+                    </a:solidFill>
+                  </a:tcPr>
+                </a:tc>
+                <a:extLst>
+                  <a:ext uri="{0D108BD9-81ED-4DB2-BD59-A6C34878D82A}">
+                    <a16:rowId xmlns:a16="http://schemas.microsoft.com/office/drawing/2014/main" xmlns="" val="10005"/>
+                  </a:ext>
+                </a:extLst>
+              </a:tr>
+              <a:tr h="508820">
+                <a:tc>
+                  <a:txBody>
+                    <a:bodyPr/>
+                    <a:lstStyle/>
+                    <a:p>
+                      <a:pPr algn="ctr">
+                        <a:spcAft>
+                          <a:spcPts val="1200"/>
+                        </a:spcAft>
+                      </a:pPr>
+                      <a:r>
+                        <a:rPr lang="pt-BR" sz="2000" dirty="0">
+                          <a:effectLst/>
+                        </a:rPr>
+                        <a:t>Impacto</a:t>
+                      </a:r>
+                      <a:endParaRPr lang="pt-BR" sz="2000" dirty="0">
+                        <a:effectLst/>
+                        <a:latin typeface="Calibri" panose="020F0502020204030204" pitchFamily="34" charset="0"/>
+                        <a:ea typeface="Calibri" panose="020F0502020204030204" pitchFamily="34" charset="0"/>
+                        <a:cs typeface="Calibri" panose="020F0502020204030204" pitchFamily="34" charset="0"/>
+                      </a:endParaRPr>
+                    </a:p>
+                  </a:txBody>
+                  <a:tcPr marL="68580" marR="68580" marT="0" marB="0">
+                    <a:lnL w="12700" cap="flat" cmpd="sng" algn="ctr">
+                      <a:solidFill>
+                        <a:schemeClr val="tx1"/>
+                      </a:solidFill>
+                      <a:prstDash val="solid"/>
+                      <a:round/>
+                      <a:headEnd type="none" w="med" len="med"/>
+                      <a:tailEnd type="none" w="med" len="med"/>
+                    </a:lnL>
+                    <a:lnR w="12700" cap="flat" cmpd="sng" algn="ctr">
+                      <a:solidFill>
+                        <a:schemeClr val="tx1"/>
+                      </a:solidFill>
+                      <a:prstDash val="solid"/>
+                      <a:round/>
+                      <a:headEnd type="none" w="med" len="med"/>
+                      <a:tailEnd type="none" w="med" len="med"/>
+                    </a:lnR>
+                    <a:lnT w="12700" cap="flat" cmpd="sng" algn="ctr">
+                      <a:solidFill>
+                        <a:schemeClr val="tx1"/>
+                      </a:solidFill>
+                      <a:prstDash val="solid"/>
+                      <a:round/>
+                      <a:headEnd type="none" w="med" len="med"/>
+                      <a:tailEnd type="none" w="med" len="med"/>
+                    </a:lnT>
+                    <a:lnB w="12700" cap="flat" cmpd="sng" algn="ctr">
+                      <a:solidFill>
+                        <a:schemeClr val="tx1"/>
+                      </a:solidFill>
+                      <a:prstDash val="solid"/>
+                      <a:round/>
+                      <a:headEnd type="none" w="med" len="med"/>
+                      <a:tailEnd type="none" w="med" len="med"/>
+                    </a:lnB>
+                    <a:solidFill>
+                      <a:schemeClr val="bg1">
+                        <a:lumMod val="75000"/>
+                      </a:schemeClr>
+                    </a:solidFill>
+                  </a:tcPr>
+                </a:tc>
+                <a:tc>
+                  <a:txBody>
+                    <a:bodyPr/>
+                    <a:lstStyle/>
+                    <a:p>
+                      <a:pPr algn="ctr">
+                        <a:spcAft>
+                          <a:spcPts val="1200"/>
+                        </a:spcAft>
+                      </a:pPr>
+                      <a:r>
+                        <a:rPr lang="pt-BR" sz="2000" dirty="0">
+                          <a:effectLst/>
+                        </a:rPr>
+                        <a:t>0.05</a:t>
+                      </a:r>
+                      <a:endParaRPr lang="pt-BR" sz="2000" dirty="0">
+                        <a:effectLst/>
+                        <a:latin typeface="Calibri" panose="020F0502020204030204" pitchFamily="34" charset="0"/>
+                        <a:ea typeface="Calibri" panose="020F0502020204030204" pitchFamily="34" charset="0"/>
+                        <a:cs typeface="Calibri" panose="020F0502020204030204" pitchFamily="34" charset="0"/>
+                      </a:endParaRPr>
+                    </a:p>
+                  </a:txBody>
+                  <a:tcPr marL="68580" marR="68580" marT="0" marB="0">
+                    <a:lnL w="12700" cap="flat" cmpd="sng" algn="ctr">
+                      <a:solidFill>
+                        <a:schemeClr val="tx1"/>
+                      </a:solidFill>
+                      <a:prstDash val="solid"/>
+                      <a:round/>
+                      <a:headEnd type="none" w="med" len="med"/>
+                      <a:tailEnd type="none" w="med" len="med"/>
+                    </a:lnL>
+                    <a:solidFill>
+                      <a:schemeClr val="bg1">
+                        <a:lumMod val="75000"/>
+                      </a:schemeClr>
+                    </a:solidFill>
+                  </a:tcPr>
+                </a:tc>
+                <a:tc>
+                  <a:txBody>
+                    <a:bodyPr/>
+                    <a:lstStyle/>
+                    <a:p>
+                      <a:pPr algn="ctr">
+                        <a:spcAft>
+                          <a:spcPts val="1200"/>
+                        </a:spcAft>
+                      </a:pPr>
+                      <a:r>
+                        <a:rPr lang="pt-BR" sz="2000" dirty="0">
+                          <a:effectLst/>
+                        </a:rPr>
+                        <a:t>0.1</a:t>
+                      </a:r>
+                      <a:endParaRPr lang="pt-BR" sz="2000" dirty="0">
+                        <a:effectLst/>
+                        <a:latin typeface="Calibri" panose="020F0502020204030204" pitchFamily="34" charset="0"/>
+                        <a:ea typeface="Calibri" panose="020F0502020204030204" pitchFamily="34" charset="0"/>
+                        <a:cs typeface="Calibri" panose="020F0502020204030204" pitchFamily="34" charset="0"/>
+                      </a:endParaRPr>
+                    </a:p>
+                  </a:txBody>
+                  <a:tcPr marL="68580" marR="68580" marT="0" marB="0">
+                    <a:solidFill>
+                      <a:schemeClr val="bg1">
+                        <a:lumMod val="75000"/>
+                      </a:schemeClr>
+                    </a:solidFill>
+                  </a:tcPr>
+                </a:tc>
+                <a:tc>
+                  <a:txBody>
+                    <a:bodyPr/>
+                    <a:lstStyle/>
+                    <a:p>
+                      <a:pPr algn="ctr">
+                        <a:spcAft>
+                          <a:spcPts val="1200"/>
+                        </a:spcAft>
+                      </a:pPr>
+                      <a:r>
+                        <a:rPr lang="pt-BR" sz="2000" dirty="0">
+                          <a:effectLst/>
+                        </a:rPr>
+                        <a:t>0.2</a:t>
+                      </a:r>
+                      <a:endParaRPr lang="pt-BR" sz="2000" dirty="0">
+                        <a:effectLst/>
+                        <a:latin typeface="Calibri" panose="020F0502020204030204" pitchFamily="34" charset="0"/>
+                        <a:ea typeface="Calibri" panose="020F0502020204030204" pitchFamily="34" charset="0"/>
+                        <a:cs typeface="Calibri" panose="020F0502020204030204" pitchFamily="34" charset="0"/>
+                      </a:endParaRPr>
+                    </a:p>
+                  </a:txBody>
+                  <a:tcPr marL="68580" marR="68580" marT="0" marB="0">
+                    <a:solidFill>
+                      <a:schemeClr val="bg1">
+                        <a:lumMod val="75000"/>
+                      </a:schemeClr>
+                    </a:solidFill>
+                  </a:tcPr>
+                </a:tc>
+                <a:tc>
+                  <a:txBody>
+                    <a:bodyPr/>
+                    <a:lstStyle/>
+                    <a:p>
+                      <a:pPr algn="ctr">
+                        <a:spcAft>
+                          <a:spcPts val="1200"/>
+                        </a:spcAft>
+                      </a:pPr>
+                      <a:r>
+                        <a:rPr lang="pt-BR" sz="2000" dirty="0">
+                          <a:effectLst/>
+                        </a:rPr>
+                        <a:t>0.4</a:t>
+                      </a:r>
+                      <a:endParaRPr lang="pt-BR" sz="2000" dirty="0">
+                        <a:effectLst/>
+                        <a:latin typeface="Calibri" panose="020F0502020204030204" pitchFamily="34" charset="0"/>
+                        <a:ea typeface="Calibri" panose="020F0502020204030204" pitchFamily="34" charset="0"/>
+                        <a:cs typeface="Calibri" panose="020F0502020204030204" pitchFamily="34" charset="0"/>
+                      </a:endParaRPr>
+                    </a:p>
+                  </a:txBody>
+                  <a:tcPr marL="68580" marR="68580" marT="0" marB="0">
+                    <a:solidFill>
+                      <a:schemeClr val="bg1">
+                        <a:lumMod val="75000"/>
+                      </a:schemeClr>
+                    </a:solidFill>
+                  </a:tcPr>
+                </a:tc>
+                <a:tc>
+                  <a:txBody>
+                    <a:bodyPr/>
+                    <a:lstStyle/>
+                    <a:p>
+                      <a:pPr algn="ctr">
+                        <a:spcAft>
+                          <a:spcPts val="1200"/>
+                        </a:spcAft>
+                      </a:pPr>
+                      <a:r>
+                        <a:rPr lang="pt-BR" sz="2000" dirty="0">
+                          <a:effectLst/>
+                        </a:rPr>
+                        <a:t>0.8</a:t>
+                      </a:r>
+                      <a:endParaRPr lang="pt-BR" sz="2000" dirty="0">
+                        <a:effectLst/>
+                        <a:latin typeface="Calibri" panose="020F0502020204030204" pitchFamily="34" charset="0"/>
+                        <a:ea typeface="Calibri" panose="020F0502020204030204" pitchFamily="34" charset="0"/>
+                        <a:cs typeface="Calibri" panose="020F0502020204030204" pitchFamily="34" charset="0"/>
+                      </a:endParaRPr>
+                    </a:p>
+                  </a:txBody>
+                  <a:tcPr marL="68580" marR="68580" marT="0" marB="0">
+                    <a:solidFill>
+                      <a:schemeClr val="bg1">
+                        <a:lumMod val="75000"/>
+                      </a:schemeClr>
+                    </a:solidFill>
+                  </a:tcPr>
+                </a:tc>
+                <a:extLst>
+                  <a:ext uri="{0D108BD9-81ED-4DB2-BD59-A6C34878D82A}">
+                    <a16:rowId xmlns:a16="http://schemas.microsoft.com/office/drawing/2014/main" xmlns="" val="10006"/>
                   </a:ext>
                 </a:extLst>
               </a:tr>
@@ -3625,7 +5020,7 @@
     </p:spTree>
     <p:extLst>
       <p:ext uri="{BB962C8B-B14F-4D97-AF65-F5344CB8AC3E}">
-        <p14:creationId xmlns:p14="http://schemas.microsoft.com/office/powerpoint/2010/main" val="964831582"/>
+        <p14:creationId xmlns:p14="http://schemas.microsoft.com/office/powerpoint/2010/main" val="499593355"/>
       </p:ext>
     </p:extLst>
   </p:cSld>
@@ -3679,6 +5074,540 @@
           </a:p>
         </p:txBody>
       </p:sp>
+      <p:graphicFrame>
+        <p:nvGraphicFramePr>
+          <p:cNvPr id="6" name="Espaço Reservado para Conteúdo 5"/>
+          <p:cNvGraphicFramePr>
+            <a:graphicFrameLocks noGrp="1"/>
+          </p:cNvGraphicFramePr>
+          <p:nvPr>
+            <p:ph idx="1"/>
+            <p:extLst>
+              <p:ext uri="{D42A27DB-BD31-4B8C-83A1-F6EECF244321}">
+                <p14:modId xmlns:p14="http://schemas.microsoft.com/office/powerpoint/2010/main" val="3628761163"/>
+              </p:ext>
+            </p:extLst>
+          </p:nvPr>
+        </p:nvGraphicFramePr>
+        <p:xfrm>
+          <a:off x="628649" y="1849693"/>
+          <a:ext cx="7588594" cy="3969307"/>
+        </p:xfrm>
+        <a:graphic>
+          <a:graphicData uri="http://schemas.openxmlformats.org/drawingml/2006/table">
+            <a:tbl>
+              <a:tblPr firstRow="1" firstCol="1" bandRow="1">
+                <a:tableStyleId>{5C22544A-7EE6-4342-B048-85BDC9FD1C3A}</a:tableStyleId>
+              </a:tblPr>
+              <a:tblGrid>
+                <a:gridCol w="1999312">
+                  <a:extLst>
+                    <a:ext uri="{9D8B030D-6E8A-4147-A177-3AD203B41FA5}">
+                      <a16:colId xmlns:a16="http://schemas.microsoft.com/office/drawing/2014/main" xmlns="" val="20000"/>
+                    </a:ext>
+                  </a:extLst>
+                </a:gridCol>
+                <a:gridCol w="1629732">
+                  <a:extLst>
+                    <a:ext uri="{9D8B030D-6E8A-4147-A177-3AD203B41FA5}">
+                      <a16:colId xmlns:a16="http://schemas.microsoft.com/office/drawing/2014/main" xmlns="" val="20001"/>
+                    </a:ext>
+                  </a:extLst>
+                </a:gridCol>
+                <a:gridCol w="1334231">
+                  <a:extLst>
+                    <a:ext uri="{9D8B030D-6E8A-4147-A177-3AD203B41FA5}">
+                      <a16:colId xmlns:a16="http://schemas.microsoft.com/office/drawing/2014/main" xmlns="" val="20002"/>
+                    </a:ext>
+                  </a:extLst>
+                </a:gridCol>
+                <a:gridCol w="1149442">
+                  <a:extLst>
+                    <a:ext uri="{9D8B030D-6E8A-4147-A177-3AD203B41FA5}">
+                      <a16:colId xmlns:a16="http://schemas.microsoft.com/office/drawing/2014/main" xmlns="" val="20003"/>
+                    </a:ext>
+                  </a:extLst>
+                </a:gridCol>
+                <a:gridCol w="1475877">
+                  <a:extLst>
+                    <a:ext uri="{9D8B030D-6E8A-4147-A177-3AD203B41FA5}">
+                      <a16:colId xmlns:a16="http://schemas.microsoft.com/office/drawing/2014/main" xmlns="" val="20004"/>
+                    </a:ext>
+                  </a:extLst>
+                </a:gridCol>
+              </a:tblGrid>
+              <a:tr h="1036664">
+                <a:tc>
+                  <a:txBody>
+                    <a:bodyPr/>
+                    <a:lstStyle/>
+                    <a:p>
+                      <a:pPr algn="ctr">
+                        <a:spcAft>
+                          <a:spcPts val="1200"/>
+                        </a:spcAft>
+                      </a:pPr>
+                      <a:r>
+                        <a:rPr lang="pt-BR" sz="1800" dirty="0">
+                          <a:effectLst/>
+                        </a:rPr>
+                        <a:t>Risco</a:t>
+                      </a:r>
+                      <a:endParaRPr lang="pt-BR" sz="1800" dirty="0">
+                        <a:effectLst/>
+                        <a:latin typeface="Calibri" panose="020F0502020204030204" pitchFamily="34" charset="0"/>
+                        <a:ea typeface="Calibri" panose="020F0502020204030204" pitchFamily="34" charset="0"/>
+                        <a:cs typeface="Calibri" panose="020F0502020204030204" pitchFamily="34" charset="0"/>
+                      </a:endParaRPr>
+                    </a:p>
+                  </a:txBody>
+                  <a:tcPr marL="68580" marR="68580" marT="0" marB="0"/>
+                </a:tc>
+                <a:tc>
+                  <a:txBody>
+                    <a:bodyPr/>
+                    <a:lstStyle/>
+                    <a:p>
+                      <a:pPr algn="ctr">
+                        <a:spcAft>
+                          <a:spcPts val="1200"/>
+                        </a:spcAft>
+                      </a:pPr>
+                      <a:r>
+                        <a:rPr lang="pt-BR" sz="1800">
+                          <a:effectLst/>
+                        </a:rPr>
+                        <a:t>Desengajamento dos desenvolvedores</a:t>
+                      </a:r>
+                      <a:endParaRPr lang="pt-BR" sz="1800">
+                        <a:effectLst/>
+                        <a:latin typeface="Calibri" panose="020F0502020204030204" pitchFamily="34" charset="0"/>
+                        <a:ea typeface="Calibri" panose="020F0502020204030204" pitchFamily="34" charset="0"/>
+                        <a:cs typeface="Calibri" panose="020F0502020204030204" pitchFamily="34" charset="0"/>
+                      </a:endParaRPr>
+                    </a:p>
+                  </a:txBody>
+                  <a:tcPr marL="68580" marR="68580" marT="0" marB="0"/>
+                </a:tc>
+                <a:tc>
+                  <a:txBody>
+                    <a:bodyPr/>
+                    <a:lstStyle/>
+                    <a:p>
+                      <a:pPr algn="ctr">
+                        <a:spcAft>
+                          <a:spcPts val="1200"/>
+                        </a:spcAft>
+                      </a:pPr>
+                      <a:r>
+                        <a:rPr lang="pt-BR" sz="1800">
+                          <a:effectLst/>
+                        </a:rPr>
+                        <a:t>Produto não ser assimilado pelos funcionários</a:t>
+                      </a:r>
+                      <a:endParaRPr lang="pt-BR" sz="1800">
+                        <a:effectLst/>
+                        <a:latin typeface="Calibri" panose="020F0502020204030204" pitchFamily="34" charset="0"/>
+                        <a:ea typeface="Calibri" panose="020F0502020204030204" pitchFamily="34" charset="0"/>
+                        <a:cs typeface="Calibri" panose="020F0502020204030204" pitchFamily="34" charset="0"/>
+                      </a:endParaRPr>
+                    </a:p>
+                  </a:txBody>
+                  <a:tcPr marL="68580" marR="68580" marT="0" marB="0"/>
+                </a:tc>
+                <a:tc>
+                  <a:txBody>
+                    <a:bodyPr/>
+                    <a:lstStyle/>
+                    <a:p>
+                      <a:pPr algn="ctr">
+                        <a:spcAft>
+                          <a:spcPts val="1200"/>
+                        </a:spcAft>
+                      </a:pPr>
+                      <a:r>
+                        <a:rPr lang="pt-BR" sz="1800">
+                          <a:effectLst/>
+                        </a:rPr>
+                        <a:t>Termos de contrato inaceitáveis</a:t>
+                      </a:r>
+                      <a:endParaRPr lang="pt-BR" sz="1800">
+                        <a:effectLst/>
+                        <a:latin typeface="Calibri" panose="020F0502020204030204" pitchFamily="34" charset="0"/>
+                        <a:ea typeface="Calibri" panose="020F0502020204030204" pitchFamily="34" charset="0"/>
+                        <a:cs typeface="Calibri" panose="020F0502020204030204" pitchFamily="34" charset="0"/>
+                      </a:endParaRPr>
+                    </a:p>
+                  </a:txBody>
+                  <a:tcPr marL="68580" marR="68580" marT="0" marB="0"/>
+                </a:tc>
+                <a:tc>
+                  <a:txBody>
+                    <a:bodyPr/>
+                    <a:lstStyle/>
+                    <a:p>
+                      <a:pPr algn="ctr">
+                        <a:spcAft>
+                          <a:spcPts val="1200"/>
+                        </a:spcAft>
+                      </a:pPr>
+                      <a:r>
+                        <a:rPr lang="pt-BR" sz="1800">
+                          <a:effectLst/>
+                        </a:rPr>
+                        <a:t>Incêndio na fotocopiadora</a:t>
+                      </a:r>
+                      <a:endParaRPr lang="pt-BR" sz="1800">
+                        <a:effectLst/>
+                        <a:latin typeface="Calibri" panose="020F0502020204030204" pitchFamily="34" charset="0"/>
+                        <a:ea typeface="Calibri" panose="020F0502020204030204" pitchFamily="34" charset="0"/>
+                        <a:cs typeface="Calibri" panose="020F0502020204030204" pitchFamily="34" charset="0"/>
+                      </a:endParaRPr>
+                    </a:p>
+                  </a:txBody>
+                  <a:tcPr marL="68580" marR="68580" marT="0" marB="0"/>
+                </a:tc>
+                <a:extLst>
+                  <a:ext uri="{0D108BD9-81ED-4DB2-BD59-A6C34878D82A}">
+                    <a16:rowId xmlns:a16="http://schemas.microsoft.com/office/drawing/2014/main" xmlns="" val="10000"/>
+                  </a:ext>
+                </a:extLst>
+              </a:tr>
+              <a:tr h="403147">
+                <a:tc>
+                  <a:txBody>
+                    <a:bodyPr/>
+                    <a:lstStyle/>
+                    <a:p>
+                      <a:pPr algn="ctr">
+                        <a:spcAft>
+                          <a:spcPts val="1200"/>
+                        </a:spcAft>
+                      </a:pPr>
+                      <a:r>
+                        <a:rPr lang="pt-BR" sz="1800">
+                          <a:effectLst/>
+                        </a:rPr>
+                        <a:t>Severidade</a:t>
+                      </a:r>
+                      <a:endParaRPr lang="pt-BR" sz="1800">
+                        <a:effectLst/>
+                        <a:latin typeface="Calibri" panose="020F0502020204030204" pitchFamily="34" charset="0"/>
+                        <a:ea typeface="Calibri" panose="020F0502020204030204" pitchFamily="34" charset="0"/>
+                        <a:cs typeface="Calibri" panose="020F0502020204030204" pitchFamily="34" charset="0"/>
+                      </a:endParaRPr>
+                    </a:p>
+                  </a:txBody>
+                  <a:tcPr marL="68580" marR="68580" marT="0" marB="0"/>
+                </a:tc>
+                <a:tc>
+                  <a:txBody>
+                    <a:bodyPr/>
+                    <a:lstStyle/>
+                    <a:p>
+                      <a:pPr algn="ctr">
+                        <a:spcAft>
+                          <a:spcPts val="1200"/>
+                        </a:spcAft>
+                      </a:pPr>
+                      <a:r>
+                        <a:rPr lang="pt-BR" sz="1800" dirty="0">
+                          <a:effectLst/>
+                        </a:rPr>
+                        <a:t>Alto</a:t>
+                      </a:r>
+                      <a:endParaRPr lang="pt-BR" sz="1800" dirty="0">
+                        <a:effectLst/>
+                        <a:latin typeface="Calibri" panose="020F0502020204030204" pitchFamily="34" charset="0"/>
+                        <a:ea typeface="Calibri" panose="020F0502020204030204" pitchFamily="34" charset="0"/>
+                        <a:cs typeface="Calibri" panose="020F0502020204030204" pitchFamily="34" charset="0"/>
+                      </a:endParaRPr>
+                    </a:p>
+                  </a:txBody>
+                  <a:tcPr marL="68580" marR="68580" marT="0" marB="0"/>
+                </a:tc>
+                <a:tc>
+                  <a:txBody>
+                    <a:bodyPr/>
+                    <a:lstStyle/>
+                    <a:p>
+                      <a:pPr algn="ctr">
+                        <a:spcAft>
+                          <a:spcPts val="1200"/>
+                        </a:spcAft>
+                      </a:pPr>
+                      <a:r>
+                        <a:rPr lang="pt-BR" sz="1800">
+                          <a:effectLst/>
+                        </a:rPr>
+                        <a:t>Baixa</a:t>
+                      </a:r>
+                      <a:endParaRPr lang="pt-BR" sz="1800">
+                        <a:effectLst/>
+                        <a:latin typeface="Calibri" panose="020F0502020204030204" pitchFamily="34" charset="0"/>
+                        <a:ea typeface="Calibri" panose="020F0502020204030204" pitchFamily="34" charset="0"/>
+                        <a:cs typeface="Calibri" panose="020F0502020204030204" pitchFamily="34" charset="0"/>
+                      </a:endParaRPr>
+                    </a:p>
+                  </a:txBody>
+                  <a:tcPr marL="68580" marR="68580" marT="0" marB="0"/>
+                </a:tc>
+                <a:tc>
+                  <a:txBody>
+                    <a:bodyPr/>
+                    <a:lstStyle/>
+                    <a:p>
+                      <a:pPr algn="ctr">
+                        <a:spcAft>
+                          <a:spcPts val="1200"/>
+                        </a:spcAft>
+                      </a:pPr>
+                      <a:r>
+                        <a:rPr lang="pt-BR" sz="1800">
+                          <a:effectLst/>
+                        </a:rPr>
+                        <a:t>Alto</a:t>
+                      </a:r>
+                      <a:endParaRPr lang="pt-BR" sz="1800">
+                        <a:effectLst/>
+                        <a:latin typeface="Calibri" panose="020F0502020204030204" pitchFamily="34" charset="0"/>
+                        <a:ea typeface="Calibri" panose="020F0502020204030204" pitchFamily="34" charset="0"/>
+                        <a:cs typeface="Calibri" panose="020F0502020204030204" pitchFamily="34" charset="0"/>
+                      </a:endParaRPr>
+                    </a:p>
+                  </a:txBody>
+                  <a:tcPr marL="68580" marR="68580" marT="0" marB="0"/>
+                </a:tc>
+                <a:tc>
+                  <a:txBody>
+                    <a:bodyPr/>
+                    <a:lstStyle/>
+                    <a:p>
+                      <a:pPr algn="ctr">
+                        <a:spcAft>
+                          <a:spcPts val="1200"/>
+                        </a:spcAft>
+                      </a:pPr>
+                      <a:r>
+                        <a:rPr lang="pt-BR" sz="1800">
+                          <a:effectLst/>
+                        </a:rPr>
+                        <a:t>Média</a:t>
+                      </a:r>
+                      <a:endParaRPr lang="pt-BR" sz="1800">
+                        <a:effectLst/>
+                        <a:latin typeface="Calibri" panose="020F0502020204030204" pitchFamily="34" charset="0"/>
+                        <a:ea typeface="Calibri" panose="020F0502020204030204" pitchFamily="34" charset="0"/>
+                        <a:cs typeface="Calibri" panose="020F0502020204030204" pitchFamily="34" charset="0"/>
+                      </a:endParaRPr>
+                    </a:p>
+                  </a:txBody>
+                  <a:tcPr marL="68580" marR="68580" marT="0" marB="0"/>
+                </a:tc>
+                <a:extLst>
+                  <a:ext uri="{0D108BD9-81ED-4DB2-BD59-A6C34878D82A}">
+                    <a16:rowId xmlns:a16="http://schemas.microsoft.com/office/drawing/2014/main" xmlns="" val="10001"/>
+                  </a:ext>
+                </a:extLst>
+              </a:tr>
+              <a:tr h="2073328">
+                <a:tc>
+                  <a:txBody>
+                    <a:bodyPr/>
+                    <a:lstStyle/>
+                    <a:p>
+                      <a:pPr algn="ctr">
+                        <a:spcAft>
+                          <a:spcPts val="1200"/>
+                        </a:spcAft>
+                      </a:pPr>
+                      <a:r>
+                        <a:rPr lang="pt-BR" sz="1800">
+                          <a:effectLst/>
+                        </a:rPr>
+                        <a:t>Respostas</a:t>
+                      </a:r>
+                      <a:endParaRPr lang="pt-BR" sz="1800">
+                        <a:effectLst/>
+                        <a:latin typeface="Calibri" panose="020F0502020204030204" pitchFamily="34" charset="0"/>
+                        <a:ea typeface="Calibri" panose="020F0502020204030204" pitchFamily="34" charset="0"/>
+                        <a:cs typeface="Calibri" panose="020F0502020204030204" pitchFamily="34" charset="0"/>
+                      </a:endParaRPr>
+                    </a:p>
+                  </a:txBody>
+                  <a:tcPr marL="68580" marR="68580" marT="0" marB="0"/>
+                </a:tc>
+                <a:tc>
+                  <a:txBody>
+                    <a:bodyPr/>
+                    <a:lstStyle/>
+                    <a:p>
+                      <a:pPr algn="ctr">
+                        <a:spcAft>
+                          <a:spcPts val="1200"/>
+                        </a:spcAft>
+                      </a:pPr>
+                      <a:r>
+                        <a:rPr lang="pt-BR" sz="1800" dirty="0">
+                          <a:effectLst/>
+                        </a:rPr>
+                        <a:t>Evitar: Caso ocorra o desengajamento dos desenvolvedores, será realizado um aumento no salário.</a:t>
+                      </a:r>
+                      <a:endParaRPr lang="pt-BR" sz="1800" dirty="0">
+                        <a:effectLst/>
+                        <a:latin typeface="Calibri" panose="020F0502020204030204" pitchFamily="34" charset="0"/>
+                        <a:ea typeface="Calibri" panose="020F0502020204030204" pitchFamily="34" charset="0"/>
+                        <a:cs typeface="Calibri" panose="020F0502020204030204" pitchFamily="34" charset="0"/>
+                      </a:endParaRPr>
+                    </a:p>
+                  </a:txBody>
+                  <a:tcPr marL="68580" marR="68580" marT="0" marB="0"/>
+                </a:tc>
+                <a:tc>
+                  <a:txBody>
+                    <a:bodyPr/>
+                    <a:lstStyle/>
+                    <a:p>
+                      <a:pPr algn="ctr">
+                        <a:spcAft>
+                          <a:spcPts val="1200"/>
+                        </a:spcAft>
+                      </a:pPr>
+                      <a:r>
+                        <a:rPr lang="pt-BR" sz="1800" dirty="0">
+                          <a:effectLst/>
+                        </a:rPr>
+                        <a:t>Aceitar</a:t>
+                      </a:r>
+                      <a:endParaRPr lang="pt-BR" sz="1800" dirty="0">
+                        <a:effectLst/>
+                        <a:latin typeface="Calibri" panose="020F0502020204030204" pitchFamily="34" charset="0"/>
+                        <a:ea typeface="Calibri" panose="020F0502020204030204" pitchFamily="34" charset="0"/>
+                        <a:cs typeface="Calibri" panose="020F0502020204030204" pitchFamily="34" charset="0"/>
+                      </a:endParaRPr>
+                    </a:p>
+                  </a:txBody>
+                  <a:tcPr marL="68580" marR="68580" marT="0" marB="0"/>
+                </a:tc>
+                <a:tc>
+                  <a:txBody>
+                    <a:bodyPr/>
+                    <a:lstStyle/>
+                    <a:p>
+                      <a:pPr algn="ctr">
+                        <a:spcAft>
+                          <a:spcPts val="1200"/>
+                        </a:spcAft>
+                      </a:pPr>
+                      <a:r>
+                        <a:rPr lang="pt-BR" sz="1800" dirty="0">
+                          <a:effectLst/>
+                        </a:rPr>
+                        <a:t>Evitar: Entrar em contato com assessoria em contratos</a:t>
+                      </a:r>
+                      <a:endParaRPr lang="pt-BR" sz="1800" dirty="0">
+                        <a:effectLst/>
+                        <a:latin typeface="Calibri" panose="020F0502020204030204" pitchFamily="34" charset="0"/>
+                        <a:ea typeface="Calibri" panose="020F0502020204030204" pitchFamily="34" charset="0"/>
+                        <a:cs typeface="Calibri" panose="020F0502020204030204" pitchFamily="34" charset="0"/>
+                      </a:endParaRPr>
+                    </a:p>
+                  </a:txBody>
+                  <a:tcPr marL="68580" marR="68580" marT="0" marB="0"/>
+                </a:tc>
+                <a:tc>
+                  <a:txBody>
+                    <a:bodyPr/>
+                    <a:lstStyle/>
+                    <a:p>
+                      <a:pPr algn="ctr">
+                        <a:spcAft>
+                          <a:spcPts val="1200"/>
+                        </a:spcAft>
+                      </a:pPr>
+                      <a:r>
+                        <a:rPr lang="pt-BR" sz="1800" dirty="0">
+                          <a:effectLst/>
+                        </a:rPr>
+                        <a:t>Aceitar</a:t>
+                      </a:r>
+                      <a:endParaRPr lang="pt-BR" sz="1800" dirty="0">
+                        <a:effectLst/>
+                        <a:latin typeface="Calibri" panose="020F0502020204030204" pitchFamily="34" charset="0"/>
+                        <a:ea typeface="Calibri" panose="020F0502020204030204" pitchFamily="34" charset="0"/>
+                        <a:cs typeface="Calibri" panose="020F0502020204030204" pitchFamily="34" charset="0"/>
+                      </a:endParaRPr>
+                    </a:p>
+                  </a:txBody>
+                  <a:tcPr marL="68580" marR="68580" marT="0" marB="0"/>
+                </a:tc>
+                <a:extLst>
+                  <a:ext uri="{0D108BD9-81ED-4DB2-BD59-A6C34878D82A}">
+                    <a16:rowId xmlns:a16="http://schemas.microsoft.com/office/drawing/2014/main" xmlns="" val="10002"/>
+                  </a:ext>
+                </a:extLst>
+              </a:tr>
+            </a:tbl>
+          </a:graphicData>
+        </a:graphic>
+      </p:graphicFrame>
+    </p:spTree>
+    <p:extLst>
+      <p:ext uri="{BB962C8B-B14F-4D97-AF65-F5344CB8AC3E}">
+        <p14:creationId xmlns:p14="http://schemas.microsoft.com/office/powerpoint/2010/main" val="964831582"/>
+      </p:ext>
+    </p:extLst>
+  </p:cSld>
+  <p:clrMapOvr>
+    <a:masterClrMapping/>
+  </p:clrMapOvr>
+</p:sld>
+</file>
+
+<file path=ppt/slides/slide12.xml><?xml version="1.0" encoding="utf-8"?>
+<p:sld xmlns:a="http://schemas.openxmlformats.org/drawingml/2006/main" xmlns:r="http://schemas.openxmlformats.org/officeDocument/2006/relationships" xmlns:p="http://schemas.openxmlformats.org/presentationml/2006/main">
+  <p:cSld>
+    <p:spTree>
+      <p:nvGrpSpPr>
+        <p:cNvPr id="1" name=""/>
+        <p:cNvGrpSpPr/>
+        <p:nvPr/>
+      </p:nvGrpSpPr>
+      <p:grpSpPr>
+        <a:xfrm>
+          <a:off x="0" y="0"/>
+          <a:ext cx="0" cy="0"/>
+          <a:chOff x="0" y="0"/>
+          <a:chExt cx="0" cy="0"/>
+        </a:xfrm>
+      </p:grpSpPr>
+      <p:sp>
+        <p:nvSpPr>
+          <p:cNvPr id="2" name="Título 1"/>
+          <p:cNvSpPr>
+            <a:spLocks noGrp="1"/>
+          </p:cNvSpPr>
+          <p:nvPr>
+            <p:ph type="title"/>
+          </p:nvPr>
+        </p:nvSpPr>
+        <p:spPr>
+          <a:xfrm>
+            <a:off x="628650" y="795594"/>
+            <a:ext cx="7886700" cy="1054099"/>
+          </a:xfrm>
+        </p:spPr>
+        <p:txBody>
+          <a:bodyPr/>
+          <a:lstStyle/>
+          <a:p>
+            <a:r>
+              <a:rPr lang="pt-BR" dirty="0"/>
+              <a:t>Riscos</a:t>
+            </a:r>
+          </a:p>
+        </p:txBody>
+      </p:sp>
       <p:sp>
         <p:nvSpPr>
           <p:cNvPr id="4" name="Espaço Reservado para Conteúdo 3"/>
@@ -3733,7 +5662,7 @@
 </p:sld>
 </file>
 
-<file path=ppt/slides/slide12.xml><?xml version="1.0" encoding="utf-8"?>
+<file path=ppt/slides/slide13.xml><?xml version="1.0" encoding="utf-8"?>
 <p:sld xmlns:a="http://schemas.openxmlformats.org/drawingml/2006/main" xmlns:r="http://schemas.openxmlformats.org/officeDocument/2006/relationships" xmlns:p="http://schemas.openxmlformats.org/presentationml/2006/main">
   <p:cSld>
     <p:spTree>
@@ -4015,27 +5944,27 @@
           <a:lstStyle/>
           <a:p>
             <a:r>
-              <a:rPr lang="pt-BR" dirty="0"/>
-              <a:t>Contextualização</a:t>
-            </a:r>
-          </a:p>
-          <a:p>
-            <a:r>
-              <a:rPr lang="pt-BR" dirty="0"/>
-              <a:t>Tempo de execução</a:t>
-            </a:r>
-          </a:p>
-          <a:p>
-            <a:r>
-              <a:rPr lang="pt-BR" dirty="0"/>
-              <a:t>Custo</a:t>
-            </a:r>
-          </a:p>
-          <a:p>
-            <a:r>
-              <a:rPr lang="pt-BR" dirty="0"/>
-              <a:t>Riscos</a:t>
-            </a:r>
+              <a:rPr lang="pt-BR" dirty="0" smtClean="0"/>
+              <a:t>Do que se trata a “Conta Universitária”</a:t>
+            </a:r>
+          </a:p>
+          <a:p>
+            <a:pPr lvl="1"/>
+            <a:r>
+              <a:rPr lang="pt-BR" dirty="0" smtClean="0"/>
+              <a:t>Quem pode ajudar</a:t>
+            </a:r>
+          </a:p>
+          <a:p>
+            <a:pPr lvl="1"/>
+            <a:r>
+              <a:rPr lang="pt-BR" dirty="0" smtClean="0"/>
+              <a:t>Como pode ajudar</a:t>
+            </a:r>
+          </a:p>
+          <a:p>
+            <a:pPr lvl="1"/>
+            <a:endParaRPr lang="pt-BR" dirty="0"/>
           </a:p>
         </p:txBody>
       </p:sp>
@@ -4091,7 +6020,7 @@
           <a:p>
             <a:r>
               <a:rPr lang="pt-BR" dirty="0"/>
-              <a:t>Tempo de execução</a:t>
+              <a:t>Contextualização</a:t>
             </a:r>
           </a:p>
         </p:txBody>
@@ -4113,34 +6042,78 @@
           </a:xfrm>
         </p:spPr>
         <p:txBody>
-          <a:bodyPr/>
+          <a:bodyPr>
+            <a:normAutofit lnSpcReduction="10000"/>
+          </a:bodyPr>
           <a:lstStyle/>
           <a:p>
             <a:r>
-              <a:rPr lang="pt-BR" dirty="0"/>
-              <a:t>Depois de estimados os recursos necessários para o projeto e a duração das tarefas, foi possível obter os dados sobre a duração e o custo do projeto através do </a:t>
-            </a:r>
-            <a:r>
-              <a:rPr lang="pt-BR" dirty="0" err="1"/>
-              <a:t>OpenProj</a:t>
-            </a:r>
-            <a:r>
-              <a:rPr lang="pt-BR" dirty="0"/>
-              <a:t>.</a:t>
-            </a:r>
-          </a:p>
-          <a:p>
-            <a:r>
-              <a:rPr lang="pt-BR" dirty="0"/>
-              <a:t>Pelo cronograma gerado, o projeto inicia-se em 05/03 e termina em 01/05, o que dá aproximadamente dois meses de duração.</a:t>
-            </a:r>
+              <a:rPr lang="pt-BR" dirty="0" smtClean="0"/>
+              <a:t>Como funciona:</a:t>
+            </a:r>
+          </a:p>
+          <a:p>
+            <a:pPr lvl="1"/>
+            <a:r>
+              <a:rPr lang="pt-BR" dirty="0" smtClean="0"/>
+              <a:t>Depósito em dinheiro na própria fotocopiadora</a:t>
+            </a:r>
+          </a:p>
+          <a:p>
+            <a:pPr lvl="1"/>
+            <a:r>
+              <a:rPr lang="pt-BR" dirty="0" smtClean="0"/>
+              <a:t>Uso do dinheiro na fotocopiadora</a:t>
+            </a:r>
+          </a:p>
+          <a:p>
+            <a:pPr lvl="1"/>
+            <a:r>
+              <a:rPr lang="pt-BR" dirty="0" smtClean="0"/>
+              <a:t>Interfaces próprias para cliente e funcionários</a:t>
+            </a:r>
+          </a:p>
+          <a:p>
+            <a:pPr lvl="1"/>
+            <a:endParaRPr lang="pt-BR" dirty="0" smtClean="0"/>
+          </a:p>
+          <a:p>
+            <a:r>
+              <a:rPr lang="pt-BR" dirty="0" smtClean="0"/>
+              <a:t>Futuras interações:</a:t>
+            </a:r>
+          </a:p>
+          <a:p>
+            <a:pPr lvl="1"/>
+            <a:r>
+              <a:rPr lang="pt-BR" dirty="0" smtClean="0"/>
+              <a:t>Conta ligada com RU</a:t>
+            </a:r>
+          </a:p>
+          <a:p>
+            <a:pPr lvl="1"/>
+            <a:r>
+              <a:rPr lang="pt-BR" dirty="0" smtClean="0"/>
+              <a:t>Conta ligada com biblioteca</a:t>
+            </a:r>
+          </a:p>
+          <a:p>
+            <a:pPr lvl="1"/>
+            <a:r>
+              <a:rPr lang="pt-BR" dirty="0" smtClean="0"/>
+              <a:t>Transferência entre usuários</a:t>
+            </a:r>
+          </a:p>
+          <a:p>
+            <a:pPr lvl="1"/>
+            <a:endParaRPr lang="pt-BR" dirty="0"/>
           </a:p>
         </p:txBody>
       </p:sp>
     </p:spTree>
     <p:extLst>
       <p:ext uri="{BB962C8B-B14F-4D97-AF65-F5344CB8AC3E}">
-        <p14:creationId xmlns:p14="http://schemas.microsoft.com/office/powerpoint/2010/main" val="2168510203"/>
+        <p14:creationId xmlns:p14="http://schemas.microsoft.com/office/powerpoint/2010/main" val="2643097179"/>
       </p:ext>
     </p:extLst>
   </p:cSld>
@@ -4189,7 +6162,7 @@
           <a:p>
             <a:r>
               <a:rPr lang="pt-BR" dirty="0"/>
-              <a:t>Custos</a:t>
+              <a:t>Tempo de execução</a:t>
             </a:r>
           </a:p>
         </p:txBody>
@@ -4216,46 +6189,29 @@
           <a:p>
             <a:r>
               <a:rPr lang="pt-BR" dirty="0"/>
-              <a:t>O custo é de aproximadamente R$ 2000,00 e é principalmente devido aos desenvolvedores.</a:t>
-            </a:r>
-          </a:p>
-          <a:p>
-            <a:endParaRPr lang="pt-BR" dirty="0"/>
+              <a:t>Depois de estimados os recursos necessários para o projeto e a duração das tarefas, foi possível obter os dados sobre a duração e o custo do projeto através do </a:t>
+            </a:r>
+            <a:r>
+              <a:rPr lang="pt-BR" dirty="0" err="1"/>
+              <a:t>OpenProj</a:t>
+            </a:r>
+            <a:r>
+              <a:rPr lang="pt-BR" dirty="0"/>
+              <a:t>.</a:t>
+            </a:r>
+          </a:p>
+          <a:p>
+            <a:r>
+              <a:rPr lang="pt-BR" dirty="0"/>
+              <a:t>Pelo cronograma gerado, o projeto inicia-se em 05/03 e termina em 01/05, o que dá aproximadamente dois meses de duração.</a:t>
+            </a:r>
           </a:p>
         </p:txBody>
       </p:sp>
-      <p:pic>
-        <p:nvPicPr>
-          <p:cNvPr id="5" name="Picture 1">
-            <a:extLst>
-              <a:ext uri="{FF2B5EF4-FFF2-40B4-BE49-F238E27FC236}">
-                <a16:creationId xmlns:a16="http://schemas.microsoft.com/office/drawing/2014/main" id="{6EB2C0AC-64D0-4CC1-902A-C62E469E7C26}"/>
-              </a:ext>
-            </a:extLst>
-          </p:cNvPr>
-          <p:cNvPicPr/>
-          <p:nvPr/>
-        </p:nvPicPr>
-        <p:blipFill>
-          <a:blip r:embed="rId2"/>
-          <a:stretch>
-            <a:fillRect/>
-          </a:stretch>
-        </p:blipFill>
-        <p:spPr bwMode="auto">
-          <a:xfrm>
-            <a:off x="1581441" y="3281390"/>
-            <a:ext cx="6234113" cy="1554976"/>
-          </a:xfrm>
-          <a:prstGeom prst="rect">
-            <a:avLst/>
-          </a:prstGeom>
-        </p:spPr>
-      </p:pic>
     </p:spTree>
     <p:extLst>
       <p:ext uri="{BB962C8B-B14F-4D97-AF65-F5344CB8AC3E}">
-        <p14:creationId xmlns:p14="http://schemas.microsoft.com/office/powerpoint/2010/main" val="1822532412"/>
+        <p14:creationId xmlns:p14="http://schemas.microsoft.com/office/powerpoint/2010/main" val="2168510203"/>
       </p:ext>
     </p:extLst>
   </p:cSld>
@@ -4294,7 +6250,7 @@
         </p:nvSpPr>
         <p:spPr>
           <a:xfrm>
-            <a:off x="628650" y="795594"/>
+            <a:off x="628650" y="1282291"/>
             <a:ext cx="7886700" cy="1054099"/>
           </a:xfrm>
         </p:spPr>
@@ -4304,14 +6260,14 @@
           <a:p>
             <a:r>
               <a:rPr lang="pt-BR" dirty="0"/>
-              <a:t>Riscos</a:t>
+              <a:t>Custos</a:t>
             </a:r>
           </a:p>
         </p:txBody>
       </p:sp>
       <p:sp>
         <p:nvSpPr>
-          <p:cNvPr id="5" name="Espaço Reservado para Conteúdo 4"/>
+          <p:cNvPr id="3" name="Espaço Reservado para Conteúdo 2"/>
           <p:cNvSpPr>
             <a:spLocks noGrp="1"/>
           </p:cNvSpPr>
@@ -4319,34 +6275,58 @@
             <p:ph idx="1"/>
           </p:nvPr>
         </p:nvSpPr>
-        <p:spPr/>
+        <p:spPr>
+          <a:xfrm>
+            <a:off x="628650" y="2182760"/>
+            <a:ext cx="7886700" cy="3598607"/>
+          </a:xfrm>
+        </p:spPr>
         <p:txBody>
           <a:bodyPr/>
           <a:lstStyle/>
           <a:p>
             <a:r>
               <a:rPr lang="pt-BR" dirty="0"/>
-              <a:t>Ameaças determinadas</a:t>
-            </a:r>
-          </a:p>
-          <a:p>
-            <a:r>
-              <a:rPr lang="pt-BR" dirty="0"/>
-              <a:t>Novo orçamento</a:t>
-            </a:r>
-          </a:p>
-          <a:p>
-            <a:r>
-              <a:rPr lang="pt-BR" dirty="0"/>
-              <a:t>Diagrama de Ishikawa</a:t>
-            </a:r>
+              <a:t>O custo é de aproximadamente R$ 2000,00 e é principalmente devido aos desenvolvedores.</a:t>
+            </a:r>
+          </a:p>
+          <a:p>
+            <a:endParaRPr lang="pt-BR" dirty="0"/>
           </a:p>
         </p:txBody>
       </p:sp>
+      <p:pic>
+        <p:nvPicPr>
+          <p:cNvPr id="5" name="Picture 1">
+            <a:extLst>
+              <a:ext uri="{FF2B5EF4-FFF2-40B4-BE49-F238E27FC236}">
+                <a16:creationId xmlns:a16="http://schemas.microsoft.com/office/drawing/2014/main" xmlns="" id="{6EB2C0AC-64D0-4CC1-902A-C62E469E7C26}"/>
+              </a:ext>
+            </a:extLst>
+          </p:cNvPr>
+          <p:cNvPicPr/>
+          <p:nvPr/>
+        </p:nvPicPr>
+        <p:blipFill>
+          <a:blip r:embed="rId2"/>
+          <a:stretch>
+            <a:fillRect/>
+          </a:stretch>
+        </p:blipFill>
+        <p:spPr bwMode="auto">
+          <a:xfrm>
+            <a:off x="1581441" y="3281390"/>
+            <a:ext cx="6234113" cy="1554976"/>
+          </a:xfrm>
+          <a:prstGeom prst="rect">
+            <a:avLst/>
+          </a:prstGeom>
+        </p:spPr>
+      </p:pic>
     </p:spTree>
     <p:extLst>
       <p:ext uri="{BB962C8B-B14F-4D97-AF65-F5344CB8AC3E}">
-        <p14:creationId xmlns:p14="http://schemas.microsoft.com/office/powerpoint/2010/main" val="1623582381"/>
+        <p14:creationId xmlns:p14="http://schemas.microsoft.com/office/powerpoint/2010/main" val="1822532412"/>
       </p:ext>
     </p:extLst>
   </p:cSld>
@@ -4400,898 +6380,44 @@
           </a:p>
         </p:txBody>
       </p:sp>
-      <p:graphicFrame>
-        <p:nvGraphicFramePr>
-          <p:cNvPr id="4" name="Espaço Reservado para Conteúdo 3"/>
-          <p:cNvGraphicFramePr>
-            <a:graphicFrameLocks noGrp="1"/>
-          </p:cNvGraphicFramePr>
+      <p:sp>
+        <p:nvSpPr>
+          <p:cNvPr id="5" name="Espaço Reservado para Conteúdo 4"/>
+          <p:cNvSpPr>
+            <a:spLocks noGrp="1"/>
+          </p:cNvSpPr>
           <p:nvPr>
             <p:ph idx="1"/>
-            <p:extLst>
-              <p:ext uri="{D42A27DB-BD31-4B8C-83A1-F6EECF244321}">
-                <p14:modId xmlns:p14="http://schemas.microsoft.com/office/powerpoint/2010/main" val="486090257"/>
-              </p:ext>
-            </p:extLst>
           </p:nvPr>
-        </p:nvGraphicFramePr>
-        <p:xfrm>
-          <a:off x="442453" y="442452"/>
-          <a:ext cx="8347587" cy="5545392"/>
-        </p:xfrm>
-        <a:graphic>
-          <a:graphicData uri="http://schemas.openxmlformats.org/drawingml/2006/table">
-            <a:tbl>
-              <a:tblPr firstRow="1" firstCol="1" bandRow="1">
-                <a:tableStyleId>{5C22544A-7EE6-4342-B048-85BDC9FD1C3A}</a:tableStyleId>
-              </a:tblPr>
-              <a:tblGrid>
-                <a:gridCol w="1651818">
-                  <a:extLst>
-                    <a:ext uri="{9D8B030D-6E8A-4147-A177-3AD203B41FA5}">
-                      <a16:colId xmlns:a16="http://schemas.microsoft.com/office/drawing/2014/main" val="20000"/>
-                    </a:ext>
-                  </a:extLst>
-                </a:gridCol>
-                <a:gridCol w="2280198">
-                  <a:extLst>
-                    <a:ext uri="{9D8B030D-6E8A-4147-A177-3AD203B41FA5}">
-                      <a16:colId xmlns:a16="http://schemas.microsoft.com/office/drawing/2014/main" val="20001"/>
-                    </a:ext>
-                  </a:extLst>
-                </a:gridCol>
-                <a:gridCol w="1496333">
-                  <a:extLst>
-                    <a:ext uri="{9D8B030D-6E8A-4147-A177-3AD203B41FA5}">
-                      <a16:colId xmlns:a16="http://schemas.microsoft.com/office/drawing/2014/main" val="20002"/>
-                    </a:ext>
-                  </a:extLst>
-                </a:gridCol>
-                <a:gridCol w="1105185">
-                  <a:extLst>
-                    <a:ext uri="{9D8B030D-6E8A-4147-A177-3AD203B41FA5}">
-                      <a16:colId xmlns:a16="http://schemas.microsoft.com/office/drawing/2014/main" val="20003"/>
-                    </a:ext>
-                  </a:extLst>
-                </a:gridCol>
-                <a:gridCol w="1814053">
-                  <a:extLst>
-                    <a:ext uri="{9D8B030D-6E8A-4147-A177-3AD203B41FA5}">
-                      <a16:colId xmlns:a16="http://schemas.microsoft.com/office/drawing/2014/main" val="20004"/>
-                    </a:ext>
-                  </a:extLst>
-                </a:gridCol>
-              </a:tblGrid>
-              <a:tr h="1582992">
-                <a:tc>
-                  <a:txBody>
-                    <a:bodyPr/>
-                    <a:lstStyle/>
-                    <a:p>
-                      <a:pPr algn="ctr">
-                        <a:spcAft>
-                          <a:spcPts val="1200"/>
-                        </a:spcAft>
-                      </a:pPr>
-                      <a:r>
-                        <a:rPr lang="pt-BR" sz="2000" dirty="0">
-                          <a:effectLst/>
-                        </a:rPr>
-                        <a:t>Risco</a:t>
-                      </a:r>
-                      <a:endParaRPr lang="pt-BR" sz="2000" dirty="0">
-                        <a:effectLst/>
-                        <a:latin typeface="Calibri" panose="020F0502020204030204" pitchFamily="34" charset="0"/>
-                        <a:ea typeface="Calibri" panose="020F0502020204030204" pitchFamily="34" charset="0"/>
-                        <a:cs typeface="Calibri" panose="020F0502020204030204" pitchFamily="34" charset="0"/>
-                      </a:endParaRPr>
-                    </a:p>
-                  </a:txBody>
-                  <a:tcPr marL="68580" marR="68580" marT="0" marB="0"/>
-                </a:tc>
-                <a:tc>
-                  <a:txBody>
-                    <a:bodyPr/>
-                    <a:lstStyle/>
-                    <a:p>
-                      <a:pPr algn="ctr">
-                        <a:spcAft>
-                          <a:spcPts val="1200"/>
-                        </a:spcAft>
-                      </a:pPr>
-                      <a:r>
-                        <a:rPr lang="pt-BR" sz="2000" dirty="0">
-                          <a:effectLst/>
-                        </a:rPr>
-                        <a:t>Desengajamento dos desenvolvedores</a:t>
-                      </a:r>
-                      <a:endParaRPr lang="pt-BR" sz="2000" dirty="0">
-                        <a:effectLst/>
-                        <a:latin typeface="Calibri" panose="020F0502020204030204" pitchFamily="34" charset="0"/>
-                        <a:ea typeface="Calibri" panose="020F0502020204030204" pitchFamily="34" charset="0"/>
-                        <a:cs typeface="Calibri" panose="020F0502020204030204" pitchFamily="34" charset="0"/>
-                      </a:endParaRPr>
-                    </a:p>
-                  </a:txBody>
-                  <a:tcPr marL="68580" marR="68580" marT="0" marB="0"/>
-                </a:tc>
-                <a:tc>
-                  <a:txBody>
-                    <a:bodyPr/>
-                    <a:lstStyle/>
-                    <a:p>
-                      <a:pPr algn="ctr">
-                        <a:spcAft>
-                          <a:spcPts val="1200"/>
-                        </a:spcAft>
-                      </a:pPr>
-                      <a:r>
-                        <a:rPr lang="pt-BR" sz="2000">
-                          <a:effectLst/>
-                        </a:rPr>
-                        <a:t>Produto não ser assimilado pelos funcionários</a:t>
-                      </a:r>
-                      <a:endParaRPr lang="pt-BR" sz="2000">
-                        <a:effectLst/>
-                        <a:latin typeface="Calibri" panose="020F0502020204030204" pitchFamily="34" charset="0"/>
-                        <a:ea typeface="Calibri" panose="020F0502020204030204" pitchFamily="34" charset="0"/>
-                        <a:cs typeface="Calibri" panose="020F0502020204030204" pitchFamily="34" charset="0"/>
-                      </a:endParaRPr>
-                    </a:p>
-                  </a:txBody>
-                  <a:tcPr marL="68580" marR="68580" marT="0" marB="0"/>
-                </a:tc>
-                <a:tc>
-                  <a:txBody>
-                    <a:bodyPr/>
-                    <a:lstStyle/>
-                    <a:p>
-                      <a:pPr algn="ctr">
-                        <a:spcAft>
-                          <a:spcPts val="1200"/>
-                        </a:spcAft>
-                      </a:pPr>
-                      <a:r>
-                        <a:rPr lang="pt-BR" sz="2000">
-                          <a:effectLst/>
-                        </a:rPr>
-                        <a:t>Termos de contrato inaceitáveis</a:t>
-                      </a:r>
-                      <a:endParaRPr lang="pt-BR" sz="2000">
-                        <a:effectLst/>
-                        <a:latin typeface="Calibri" panose="020F0502020204030204" pitchFamily="34" charset="0"/>
-                        <a:ea typeface="Calibri" panose="020F0502020204030204" pitchFamily="34" charset="0"/>
-                        <a:cs typeface="Calibri" panose="020F0502020204030204" pitchFamily="34" charset="0"/>
-                      </a:endParaRPr>
-                    </a:p>
-                  </a:txBody>
-                  <a:tcPr marL="68580" marR="68580" marT="0" marB="0"/>
-                </a:tc>
-                <a:tc>
-                  <a:txBody>
-                    <a:bodyPr/>
-                    <a:lstStyle/>
-                    <a:p>
-                      <a:pPr algn="ctr">
-                        <a:spcAft>
-                          <a:spcPts val="1200"/>
-                        </a:spcAft>
-                      </a:pPr>
-                      <a:r>
-                        <a:rPr lang="pt-BR" sz="2000">
-                          <a:effectLst/>
-                        </a:rPr>
-                        <a:t>Incêndio na fotocopiadora</a:t>
-                      </a:r>
-                      <a:endParaRPr lang="pt-BR" sz="2000">
-                        <a:effectLst/>
-                        <a:latin typeface="Calibri" panose="020F0502020204030204" pitchFamily="34" charset="0"/>
-                        <a:ea typeface="Calibri" panose="020F0502020204030204" pitchFamily="34" charset="0"/>
-                        <a:cs typeface="Calibri" panose="020F0502020204030204" pitchFamily="34" charset="0"/>
-                      </a:endParaRPr>
-                    </a:p>
-                  </a:txBody>
-                  <a:tcPr marL="68580" marR="68580" marT="0" marB="0"/>
-                </a:tc>
-                <a:extLst>
-                  <a:ext uri="{0D108BD9-81ED-4DB2-BD59-A6C34878D82A}">
-                    <a16:rowId xmlns:a16="http://schemas.microsoft.com/office/drawing/2014/main" val="10000"/>
-                  </a:ext>
-                </a:extLst>
-              </a:tr>
-              <a:tr h="1909915">
-                <a:tc>
-                  <a:txBody>
-                    <a:bodyPr/>
-                    <a:lstStyle/>
-                    <a:p>
-                      <a:pPr algn="ctr">
-                        <a:spcAft>
-                          <a:spcPts val="1200"/>
-                        </a:spcAft>
-                      </a:pPr>
-                      <a:r>
-                        <a:rPr lang="pt-BR" sz="2000" dirty="0">
-                          <a:effectLst/>
-                        </a:rPr>
-                        <a:t>Descrição</a:t>
-                      </a:r>
-                      <a:endParaRPr lang="pt-BR" sz="2000" dirty="0">
-                        <a:effectLst/>
-                        <a:latin typeface="Calibri" panose="020F0502020204030204" pitchFamily="34" charset="0"/>
-                        <a:ea typeface="Calibri" panose="020F0502020204030204" pitchFamily="34" charset="0"/>
-                        <a:cs typeface="Calibri" panose="020F0502020204030204" pitchFamily="34" charset="0"/>
-                      </a:endParaRPr>
-                    </a:p>
-                  </a:txBody>
-                  <a:tcPr marL="68580" marR="68580" marT="0" marB="0"/>
-                </a:tc>
-                <a:tc>
-                  <a:txBody>
-                    <a:bodyPr/>
-                    <a:lstStyle/>
-                    <a:p>
-                      <a:pPr algn="ctr">
-                        <a:spcAft>
-                          <a:spcPts val="1200"/>
-                        </a:spcAft>
-                      </a:pPr>
-                      <a:r>
-                        <a:rPr lang="pt-BR" sz="2000" dirty="0">
-                          <a:effectLst/>
-                        </a:rPr>
-                        <a:t>Risco de, após o desenvolvimento, os integrantes não oferecerem suporte ao produto</a:t>
-                      </a:r>
-                      <a:endParaRPr lang="pt-BR" sz="2000" dirty="0">
-                        <a:effectLst/>
-                        <a:latin typeface="Calibri" panose="020F0502020204030204" pitchFamily="34" charset="0"/>
-                        <a:ea typeface="Calibri" panose="020F0502020204030204" pitchFamily="34" charset="0"/>
-                        <a:cs typeface="Calibri" panose="020F0502020204030204" pitchFamily="34" charset="0"/>
-                      </a:endParaRPr>
-                    </a:p>
-                  </a:txBody>
-                  <a:tcPr marL="68580" marR="68580" marT="0" marB="0"/>
-                </a:tc>
-                <a:tc>
-                  <a:txBody>
-                    <a:bodyPr/>
-                    <a:lstStyle/>
-                    <a:p>
-                      <a:pPr algn="ctr">
-                        <a:spcAft>
-                          <a:spcPts val="1200"/>
-                        </a:spcAft>
-                      </a:pPr>
-                      <a:r>
-                        <a:rPr lang="pt-BR" sz="2000" dirty="0">
-                          <a:effectLst/>
-                        </a:rPr>
-                        <a:t>Risco de os funcionários não se adequarem ao uso do produto</a:t>
-                      </a:r>
-                      <a:endParaRPr lang="pt-BR" sz="2000" dirty="0">
-                        <a:effectLst/>
-                        <a:latin typeface="Calibri" panose="020F0502020204030204" pitchFamily="34" charset="0"/>
-                        <a:ea typeface="Calibri" panose="020F0502020204030204" pitchFamily="34" charset="0"/>
-                        <a:cs typeface="Calibri" panose="020F0502020204030204" pitchFamily="34" charset="0"/>
-                      </a:endParaRPr>
-                    </a:p>
-                  </a:txBody>
-                  <a:tcPr marL="68580" marR="68580" marT="0" marB="0"/>
-                </a:tc>
-                <a:tc>
-                  <a:txBody>
-                    <a:bodyPr/>
-                    <a:lstStyle/>
-                    <a:p>
-                      <a:pPr algn="ctr">
-                        <a:spcAft>
-                          <a:spcPts val="1200"/>
-                        </a:spcAft>
-                      </a:pPr>
-                      <a:r>
-                        <a:rPr lang="pt-BR" sz="2000" dirty="0">
-                          <a:effectLst/>
-                        </a:rPr>
-                        <a:t>Risco de os contratantes não pagarem os custos</a:t>
-                      </a:r>
-                      <a:endParaRPr lang="pt-BR" sz="2000" dirty="0">
-                        <a:effectLst/>
-                        <a:latin typeface="Calibri" panose="020F0502020204030204" pitchFamily="34" charset="0"/>
-                        <a:ea typeface="Calibri" panose="020F0502020204030204" pitchFamily="34" charset="0"/>
-                        <a:cs typeface="Calibri" panose="020F0502020204030204" pitchFamily="34" charset="0"/>
-                      </a:endParaRPr>
-                    </a:p>
-                  </a:txBody>
-                  <a:tcPr marL="68580" marR="68580" marT="0" marB="0"/>
-                </a:tc>
-                <a:tc>
-                  <a:txBody>
-                    <a:bodyPr/>
-                    <a:lstStyle/>
-                    <a:p>
-                      <a:pPr algn="ctr">
-                        <a:spcAft>
-                          <a:spcPts val="1200"/>
-                        </a:spcAft>
-                      </a:pPr>
-                      <a:r>
-                        <a:rPr lang="pt-BR" sz="2000" dirty="0">
-                          <a:effectLst/>
-                        </a:rPr>
-                        <a:t>Risco de ocorrer incêndio na fotocopiadora, destruindo as máquinas e possível óbito dos clientes</a:t>
-                      </a:r>
-                      <a:endParaRPr lang="pt-BR" sz="2000" dirty="0">
-                        <a:effectLst/>
-                        <a:latin typeface="Calibri" panose="020F0502020204030204" pitchFamily="34" charset="0"/>
-                        <a:ea typeface="Calibri" panose="020F0502020204030204" pitchFamily="34" charset="0"/>
-                        <a:cs typeface="Calibri" panose="020F0502020204030204" pitchFamily="34" charset="0"/>
-                      </a:endParaRPr>
-                    </a:p>
-                  </a:txBody>
-                  <a:tcPr marL="68580" marR="68580" marT="0" marB="0"/>
-                </a:tc>
-                <a:extLst>
-                  <a:ext uri="{0D108BD9-81ED-4DB2-BD59-A6C34878D82A}">
-                    <a16:rowId xmlns:a16="http://schemas.microsoft.com/office/drawing/2014/main" val="10001"/>
-                  </a:ext>
-                </a:extLst>
-              </a:tr>
-              <a:tr h="272845">
-                <a:tc>
-                  <a:txBody>
-                    <a:bodyPr/>
-                    <a:lstStyle/>
-                    <a:p>
-                      <a:pPr algn="ctr">
-                        <a:spcAft>
-                          <a:spcPts val="1200"/>
-                        </a:spcAft>
-                      </a:pPr>
-                      <a:r>
-                        <a:rPr lang="pt-BR" sz="2000">
-                          <a:effectLst/>
-                        </a:rPr>
-                        <a:t>Probabilidade</a:t>
-                      </a:r>
-                      <a:endParaRPr lang="pt-BR" sz="2000">
-                        <a:effectLst/>
-                        <a:latin typeface="Calibri" panose="020F0502020204030204" pitchFamily="34" charset="0"/>
-                        <a:ea typeface="Calibri" panose="020F0502020204030204" pitchFamily="34" charset="0"/>
-                        <a:cs typeface="Calibri" panose="020F0502020204030204" pitchFamily="34" charset="0"/>
-                      </a:endParaRPr>
-                    </a:p>
-                  </a:txBody>
-                  <a:tcPr marL="68580" marR="68580" marT="0" marB="0"/>
-                </a:tc>
-                <a:tc>
-                  <a:txBody>
-                    <a:bodyPr/>
-                    <a:lstStyle/>
-                    <a:p>
-                      <a:pPr algn="ctr">
-                        <a:spcAft>
-                          <a:spcPts val="1200"/>
-                        </a:spcAft>
-                      </a:pPr>
-                      <a:r>
-                        <a:rPr lang="pt-BR" sz="2000">
-                          <a:effectLst/>
-                        </a:rPr>
-                        <a:t>0.3</a:t>
-                      </a:r>
-                      <a:endParaRPr lang="pt-BR" sz="2000">
-                        <a:effectLst/>
-                        <a:latin typeface="Calibri" panose="020F0502020204030204" pitchFamily="34" charset="0"/>
-                        <a:ea typeface="Calibri" panose="020F0502020204030204" pitchFamily="34" charset="0"/>
-                        <a:cs typeface="Calibri" panose="020F0502020204030204" pitchFamily="34" charset="0"/>
-                      </a:endParaRPr>
-                    </a:p>
-                  </a:txBody>
-                  <a:tcPr marL="68580" marR="68580" marT="0" marB="0"/>
-                </a:tc>
-                <a:tc>
-                  <a:txBody>
-                    <a:bodyPr/>
-                    <a:lstStyle/>
-                    <a:p>
-                      <a:pPr algn="ctr">
-                        <a:spcAft>
-                          <a:spcPts val="1200"/>
-                        </a:spcAft>
-                      </a:pPr>
-                      <a:r>
-                        <a:rPr lang="pt-BR" sz="2000" dirty="0">
-                          <a:effectLst/>
-                        </a:rPr>
-                        <a:t>0.1</a:t>
-                      </a:r>
-                      <a:endParaRPr lang="pt-BR" sz="2000" dirty="0">
-                        <a:effectLst/>
-                        <a:latin typeface="Calibri" panose="020F0502020204030204" pitchFamily="34" charset="0"/>
-                        <a:ea typeface="Calibri" panose="020F0502020204030204" pitchFamily="34" charset="0"/>
-                        <a:cs typeface="Calibri" panose="020F0502020204030204" pitchFamily="34" charset="0"/>
-                      </a:endParaRPr>
-                    </a:p>
-                  </a:txBody>
-                  <a:tcPr marL="68580" marR="68580" marT="0" marB="0"/>
-                </a:tc>
-                <a:tc>
-                  <a:txBody>
-                    <a:bodyPr/>
-                    <a:lstStyle/>
-                    <a:p>
-                      <a:pPr algn="ctr">
-                        <a:spcAft>
-                          <a:spcPts val="1200"/>
-                        </a:spcAft>
-                      </a:pPr>
-                      <a:r>
-                        <a:rPr lang="pt-BR" sz="2000">
-                          <a:effectLst/>
-                        </a:rPr>
-                        <a:t>0.7</a:t>
-                      </a:r>
-                      <a:endParaRPr lang="pt-BR" sz="2000">
-                        <a:effectLst/>
-                        <a:latin typeface="Calibri" panose="020F0502020204030204" pitchFamily="34" charset="0"/>
-                        <a:ea typeface="Calibri" panose="020F0502020204030204" pitchFamily="34" charset="0"/>
-                        <a:cs typeface="Calibri" panose="020F0502020204030204" pitchFamily="34" charset="0"/>
-                      </a:endParaRPr>
-                    </a:p>
-                  </a:txBody>
-                  <a:tcPr marL="68580" marR="68580" marT="0" marB="0"/>
-                </a:tc>
-                <a:tc>
-                  <a:txBody>
-                    <a:bodyPr/>
-                    <a:lstStyle/>
-                    <a:p>
-                      <a:pPr algn="ctr">
-                        <a:spcAft>
-                          <a:spcPts val="1200"/>
-                        </a:spcAft>
-                      </a:pPr>
-                      <a:r>
-                        <a:rPr lang="pt-BR" sz="2000" dirty="0">
-                          <a:effectLst/>
-                        </a:rPr>
-                        <a:t>0.1</a:t>
-                      </a:r>
-                      <a:endParaRPr lang="pt-BR" sz="2000" dirty="0">
-                        <a:effectLst/>
-                        <a:latin typeface="Calibri" panose="020F0502020204030204" pitchFamily="34" charset="0"/>
-                        <a:ea typeface="Calibri" panose="020F0502020204030204" pitchFamily="34" charset="0"/>
-                        <a:cs typeface="Calibri" panose="020F0502020204030204" pitchFamily="34" charset="0"/>
-                      </a:endParaRPr>
-                    </a:p>
-                  </a:txBody>
-                  <a:tcPr marL="68580" marR="68580" marT="0" marB="0"/>
-                </a:tc>
-                <a:extLst>
-                  <a:ext uri="{0D108BD9-81ED-4DB2-BD59-A6C34878D82A}">
-                    <a16:rowId xmlns:a16="http://schemas.microsoft.com/office/drawing/2014/main" val="10002"/>
-                  </a:ext>
-                </a:extLst>
-              </a:tr>
-              <a:tr h="272845">
-                <a:tc>
-                  <a:txBody>
-                    <a:bodyPr/>
-                    <a:lstStyle/>
-                    <a:p>
-                      <a:pPr algn="ctr">
-                        <a:spcAft>
-                          <a:spcPts val="1200"/>
-                        </a:spcAft>
-                      </a:pPr>
-                      <a:r>
-                        <a:rPr lang="pt-BR" sz="2000">
-                          <a:effectLst/>
-                        </a:rPr>
-                        <a:t>Impacto</a:t>
-                      </a:r>
-                      <a:endParaRPr lang="pt-BR" sz="2000">
-                        <a:effectLst/>
-                        <a:latin typeface="Calibri" panose="020F0502020204030204" pitchFamily="34" charset="0"/>
-                        <a:ea typeface="Calibri" panose="020F0502020204030204" pitchFamily="34" charset="0"/>
-                        <a:cs typeface="Calibri" panose="020F0502020204030204" pitchFamily="34" charset="0"/>
-                      </a:endParaRPr>
-                    </a:p>
-                  </a:txBody>
-                  <a:tcPr marL="68580" marR="68580" marT="0" marB="0"/>
-                </a:tc>
-                <a:tc>
-                  <a:txBody>
-                    <a:bodyPr/>
-                    <a:lstStyle/>
-                    <a:p>
-                      <a:pPr algn="ctr">
-                        <a:spcAft>
-                          <a:spcPts val="1200"/>
-                        </a:spcAft>
-                      </a:pPr>
-                      <a:r>
-                        <a:rPr lang="pt-BR" sz="2000">
-                          <a:effectLst/>
-                        </a:rPr>
-                        <a:t>0.8</a:t>
-                      </a:r>
-                      <a:endParaRPr lang="pt-BR" sz="2000">
-                        <a:effectLst/>
-                        <a:latin typeface="Calibri" panose="020F0502020204030204" pitchFamily="34" charset="0"/>
-                        <a:ea typeface="Calibri" panose="020F0502020204030204" pitchFamily="34" charset="0"/>
-                        <a:cs typeface="Calibri" panose="020F0502020204030204" pitchFamily="34" charset="0"/>
-                      </a:endParaRPr>
-                    </a:p>
-                  </a:txBody>
-                  <a:tcPr marL="68580" marR="68580" marT="0" marB="0"/>
-                </a:tc>
-                <a:tc>
-                  <a:txBody>
-                    <a:bodyPr/>
-                    <a:lstStyle/>
-                    <a:p>
-                      <a:pPr algn="ctr">
-                        <a:spcAft>
-                          <a:spcPts val="1200"/>
-                        </a:spcAft>
-                      </a:pPr>
-                      <a:r>
-                        <a:rPr lang="pt-BR" sz="2000" dirty="0">
-                          <a:effectLst/>
-                        </a:rPr>
-                        <a:t>0.2</a:t>
-                      </a:r>
-                      <a:endParaRPr lang="pt-BR" sz="2000" dirty="0">
-                        <a:effectLst/>
-                        <a:latin typeface="Calibri" panose="020F0502020204030204" pitchFamily="34" charset="0"/>
-                        <a:ea typeface="Calibri" panose="020F0502020204030204" pitchFamily="34" charset="0"/>
-                        <a:cs typeface="Calibri" panose="020F0502020204030204" pitchFamily="34" charset="0"/>
-                      </a:endParaRPr>
-                    </a:p>
-                  </a:txBody>
-                  <a:tcPr marL="68580" marR="68580" marT="0" marB="0"/>
-                </a:tc>
-                <a:tc>
-                  <a:txBody>
-                    <a:bodyPr/>
-                    <a:lstStyle/>
-                    <a:p>
-                      <a:pPr algn="ctr">
-                        <a:spcAft>
-                          <a:spcPts val="1200"/>
-                        </a:spcAft>
-                      </a:pPr>
-                      <a:r>
-                        <a:rPr lang="pt-BR" sz="2000">
-                          <a:effectLst/>
-                        </a:rPr>
-                        <a:t>0.8</a:t>
-                      </a:r>
-                      <a:endParaRPr lang="pt-BR" sz="2000">
-                        <a:effectLst/>
-                        <a:latin typeface="Calibri" panose="020F0502020204030204" pitchFamily="34" charset="0"/>
-                        <a:ea typeface="Calibri" panose="020F0502020204030204" pitchFamily="34" charset="0"/>
-                        <a:cs typeface="Calibri" panose="020F0502020204030204" pitchFamily="34" charset="0"/>
-                      </a:endParaRPr>
-                    </a:p>
-                  </a:txBody>
-                  <a:tcPr marL="68580" marR="68580" marT="0" marB="0"/>
-                </a:tc>
-                <a:tc>
-                  <a:txBody>
-                    <a:bodyPr/>
-                    <a:lstStyle/>
-                    <a:p>
-                      <a:pPr algn="ctr">
-                        <a:spcAft>
-                          <a:spcPts val="1200"/>
-                        </a:spcAft>
-                      </a:pPr>
-                      <a:r>
-                        <a:rPr lang="pt-BR" sz="2000">
-                          <a:effectLst/>
-                        </a:rPr>
-                        <a:t>0.8</a:t>
-                      </a:r>
-                      <a:endParaRPr lang="pt-BR" sz="2000">
-                        <a:effectLst/>
-                        <a:latin typeface="Calibri" panose="020F0502020204030204" pitchFamily="34" charset="0"/>
-                        <a:ea typeface="Calibri" panose="020F0502020204030204" pitchFamily="34" charset="0"/>
-                        <a:cs typeface="Calibri" panose="020F0502020204030204" pitchFamily="34" charset="0"/>
-                      </a:endParaRPr>
-                    </a:p>
-                  </a:txBody>
-                  <a:tcPr marL="68580" marR="68580" marT="0" marB="0"/>
-                </a:tc>
-                <a:extLst>
-                  <a:ext uri="{0D108BD9-81ED-4DB2-BD59-A6C34878D82A}">
-                    <a16:rowId xmlns:a16="http://schemas.microsoft.com/office/drawing/2014/main" val="10003"/>
-                  </a:ext>
-                </a:extLst>
-              </a:tr>
-              <a:tr h="545690">
-                <a:tc>
-                  <a:txBody>
-                    <a:bodyPr/>
-                    <a:lstStyle/>
-                    <a:p>
-                      <a:pPr algn="ctr">
-                        <a:spcAft>
-                          <a:spcPts val="1200"/>
-                        </a:spcAft>
-                      </a:pPr>
-                      <a:r>
-                        <a:rPr lang="pt-BR" sz="2000">
-                          <a:effectLst/>
-                        </a:rPr>
-                        <a:t>Probabilidade*Impacto</a:t>
-                      </a:r>
-                      <a:endParaRPr lang="pt-BR" sz="2000">
-                        <a:effectLst/>
-                        <a:latin typeface="Calibri" panose="020F0502020204030204" pitchFamily="34" charset="0"/>
-                        <a:ea typeface="Calibri" panose="020F0502020204030204" pitchFamily="34" charset="0"/>
-                        <a:cs typeface="Calibri" panose="020F0502020204030204" pitchFamily="34" charset="0"/>
-                      </a:endParaRPr>
-                    </a:p>
-                  </a:txBody>
-                  <a:tcPr marL="68580" marR="68580" marT="0" marB="0"/>
-                </a:tc>
-                <a:tc>
-                  <a:txBody>
-                    <a:bodyPr/>
-                    <a:lstStyle/>
-                    <a:p>
-                      <a:pPr algn="ctr">
-                        <a:spcAft>
-                          <a:spcPts val="1200"/>
-                        </a:spcAft>
-                      </a:pPr>
-                      <a:r>
-                        <a:rPr lang="pt-BR" sz="2000" dirty="0">
-                          <a:effectLst/>
-                        </a:rPr>
-                        <a:t>0.24</a:t>
-                      </a:r>
-                      <a:endParaRPr lang="pt-BR" sz="2000" dirty="0">
-                        <a:effectLst/>
-                        <a:latin typeface="Calibri" panose="020F0502020204030204" pitchFamily="34" charset="0"/>
-                        <a:ea typeface="Calibri" panose="020F0502020204030204" pitchFamily="34" charset="0"/>
-                        <a:cs typeface="Calibri" panose="020F0502020204030204" pitchFamily="34" charset="0"/>
-                      </a:endParaRPr>
-                    </a:p>
-                  </a:txBody>
-                  <a:tcPr marL="68580" marR="68580" marT="0" marB="0"/>
-                </a:tc>
-                <a:tc>
-                  <a:txBody>
-                    <a:bodyPr/>
-                    <a:lstStyle/>
-                    <a:p>
-                      <a:pPr algn="ctr">
-                        <a:spcAft>
-                          <a:spcPts val="1200"/>
-                        </a:spcAft>
-                      </a:pPr>
-                      <a:r>
-                        <a:rPr lang="pt-BR" sz="2000">
-                          <a:effectLst/>
-                        </a:rPr>
-                        <a:t>0.02</a:t>
-                      </a:r>
-                      <a:endParaRPr lang="pt-BR" sz="2000">
-                        <a:effectLst/>
-                        <a:latin typeface="Calibri" panose="020F0502020204030204" pitchFamily="34" charset="0"/>
-                        <a:ea typeface="Calibri" panose="020F0502020204030204" pitchFamily="34" charset="0"/>
-                        <a:cs typeface="Calibri" panose="020F0502020204030204" pitchFamily="34" charset="0"/>
-                      </a:endParaRPr>
-                    </a:p>
-                  </a:txBody>
-                  <a:tcPr marL="68580" marR="68580" marT="0" marB="0"/>
-                </a:tc>
-                <a:tc>
-                  <a:txBody>
-                    <a:bodyPr/>
-                    <a:lstStyle/>
-                    <a:p>
-                      <a:pPr algn="ctr">
-                        <a:spcAft>
-                          <a:spcPts val="1200"/>
-                        </a:spcAft>
-                      </a:pPr>
-                      <a:r>
-                        <a:rPr lang="pt-BR" sz="2000" dirty="0">
-                          <a:effectLst/>
-                        </a:rPr>
-                        <a:t>0.56</a:t>
-                      </a:r>
-                      <a:endParaRPr lang="pt-BR" sz="2000" dirty="0">
-                        <a:effectLst/>
-                        <a:latin typeface="Calibri" panose="020F0502020204030204" pitchFamily="34" charset="0"/>
-                        <a:ea typeface="Calibri" panose="020F0502020204030204" pitchFamily="34" charset="0"/>
-                        <a:cs typeface="Calibri" panose="020F0502020204030204" pitchFamily="34" charset="0"/>
-                      </a:endParaRPr>
-                    </a:p>
-                  </a:txBody>
-                  <a:tcPr marL="68580" marR="68580" marT="0" marB="0"/>
-                </a:tc>
-                <a:tc>
-                  <a:txBody>
-                    <a:bodyPr/>
-                    <a:lstStyle/>
-                    <a:p>
-                      <a:pPr algn="ctr">
-                        <a:spcAft>
-                          <a:spcPts val="1200"/>
-                        </a:spcAft>
-                      </a:pPr>
-                      <a:r>
-                        <a:rPr lang="pt-BR" sz="2000" dirty="0">
-                          <a:effectLst/>
-                        </a:rPr>
-                        <a:t>0.08</a:t>
-                      </a:r>
-                      <a:endParaRPr lang="pt-BR" sz="2000" dirty="0">
-                        <a:effectLst/>
-                        <a:latin typeface="Calibri" panose="020F0502020204030204" pitchFamily="34" charset="0"/>
-                        <a:ea typeface="Calibri" panose="020F0502020204030204" pitchFamily="34" charset="0"/>
-                        <a:cs typeface="Calibri" panose="020F0502020204030204" pitchFamily="34" charset="0"/>
-                      </a:endParaRPr>
-                    </a:p>
-                  </a:txBody>
-                  <a:tcPr marL="68580" marR="68580" marT="0" marB="0"/>
-                </a:tc>
-                <a:extLst>
-                  <a:ext uri="{0D108BD9-81ED-4DB2-BD59-A6C34878D82A}">
-                    <a16:rowId xmlns:a16="http://schemas.microsoft.com/office/drawing/2014/main" val="10004"/>
-                  </a:ext>
-                </a:extLst>
-              </a:tr>
-              <a:tr h="272845">
-                <a:tc>
-                  <a:txBody>
-                    <a:bodyPr/>
-                    <a:lstStyle/>
-                    <a:p>
-                      <a:pPr algn="ctr">
-                        <a:spcAft>
-                          <a:spcPts val="1200"/>
-                        </a:spcAft>
-                      </a:pPr>
-                      <a:r>
-                        <a:rPr lang="pt-BR" sz="2000" dirty="0">
-                          <a:effectLst/>
-                        </a:rPr>
-                        <a:t>Custo para o Projeto</a:t>
-                      </a:r>
-                      <a:endParaRPr lang="pt-BR" sz="2000" dirty="0">
-                        <a:effectLst/>
-                        <a:latin typeface="Calibri" panose="020F0502020204030204" pitchFamily="34" charset="0"/>
-                        <a:ea typeface="Calibri" panose="020F0502020204030204" pitchFamily="34" charset="0"/>
-                        <a:cs typeface="Calibri" panose="020F0502020204030204" pitchFamily="34" charset="0"/>
-                      </a:endParaRPr>
-                    </a:p>
-                  </a:txBody>
-                  <a:tcPr marL="68580" marR="68580" marT="0" marB="0"/>
-                </a:tc>
-                <a:tc>
-                  <a:txBody>
-                    <a:bodyPr/>
-                    <a:lstStyle/>
-                    <a:p>
-                      <a:pPr algn="ctr">
-                        <a:spcAft>
-                          <a:spcPts val="1200"/>
-                        </a:spcAft>
-                      </a:pPr>
-                      <a:r>
-                        <a:rPr lang="pt-BR" sz="2000" dirty="0">
-                          <a:effectLst/>
-                          <a:latin typeface="+mn-lt"/>
-                          <a:ea typeface="+mn-ea"/>
-                          <a:cs typeface="+mn-cs"/>
-                        </a:rPr>
-                        <a:t>624</a:t>
-                      </a:r>
-                      <a:endParaRPr lang="pt-BR" sz="2000" dirty="0">
-                        <a:effectLst/>
-                        <a:latin typeface="Calibri" panose="020F0502020204030204" pitchFamily="34" charset="0"/>
-                        <a:ea typeface="Calibri" panose="020F0502020204030204" pitchFamily="34" charset="0"/>
-                        <a:cs typeface="Calibri" panose="020F0502020204030204" pitchFamily="34" charset="0"/>
-                      </a:endParaRPr>
-                    </a:p>
-                  </a:txBody>
-                  <a:tcPr marL="68580" marR="68580" marT="0" marB="0"/>
-                </a:tc>
-                <a:tc>
-                  <a:txBody>
-                    <a:bodyPr/>
-                    <a:lstStyle/>
-                    <a:p>
-                      <a:pPr algn="ctr">
-                        <a:spcAft>
-                          <a:spcPts val="1200"/>
-                        </a:spcAft>
-                      </a:pPr>
-                      <a:r>
-                        <a:rPr lang="pt-BR" sz="2000" dirty="0">
-                          <a:effectLst/>
-                          <a:latin typeface="Calibri" panose="020F0502020204030204" pitchFamily="34" charset="0"/>
-                          <a:ea typeface="Calibri" panose="020F0502020204030204" pitchFamily="34" charset="0"/>
-                          <a:cs typeface="Calibri" panose="020F0502020204030204" pitchFamily="34" charset="0"/>
-                        </a:rPr>
-                        <a:t>52</a:t>
-                      </a:r>
-                    </a:p>
-                  </a:txBody>
-                  <a:tcPr marL="68580" marR="68580" marT="0" marB="0"/>
-                </a:tc>
-                <a:tc>
-                  <a:txBody>
-                    <a:bodyPr/>
-                    <a:lstStyle/>
-                    <a:p>
-                      <a:pPr algn="ctr">
-                        <a:spcAft>
-                          <a:spcPts val="1200"/>
-                        </a:spcAft>
-                      </a:pPr>
-                      <a:r>
-                        <a:rPr lang="pt-BR" sz="2000" dirty="0">
-                          <a:effectLst/>
-                        </a:rPr>
-                        <a:t>1456</a:t>
-                      </a:r>
-                      <a:endParaRPr lang="pt-BR" sz="2000" dirty="0">
-                        <a:effectLst/>
-                        <a:latin typeface="Calibri" panose="020F0502020204030204" pitchFamily="34" charset="0"/>
-                        <a:ea typeface="Calibri" panose="020F0502020204030204" pitchFamily="34" charset="0"/>
-                        <a:cs typeface="Calibri" panose="020F0502020204030204" pitchFamily="34" charset="0"/>
-                      </a:endParaRPr>
-                    </a:p>
-                  </a:txBody>
-                  <a:tcPr marL="68580" marR="68580" marT="0" marB="0"/>
-                </a:tc>
-                <a:tc>
-                  <a:txBody>
-                    <a:bodyPr/>
-                    <a:lstStyle/>
-                    <a:p>
-                      <a:pPr algn="ctr">
-                        <a:spcAft>
-                          <a:spcPts val="1200"/>
-                        </a:spcAft>
-                      </a:pPr>
-                      <a:r>
-                        <a:rPr lang="pt-BR" sz="2000" dirty="0">
-                          <a:effectLst/>
-                        </a:rPr>
-                        <a:t>208</a:t>
-                      </a:r>
-                      <a:endParaRPr lang="pt-BR" sz="2000" dirty="0">
-                        <a:effectLst/>
-                        <a:latin typeface="Calibri" panose="020F0502020204030204" pitchFamily="34" charset="0"/>
-                        <a:ea typeface="Calibri" panose="020F0502020204030204" pitchFamily="34" charset="0"/>
-                        <a:cs typeface="Calibri" panose="020F0502020204030204" pitchFamily="34" charset="0"/>
-                      </a:endParaRPr>
-                    </a:p>
-                  </a:txBody>
-                  <a:tcPr marL="68580" marR="68580" marT="0" marB="0"/>
-                </a:tc>
-                <a:extLst>
-                  <a:ext uri="{0D108BD9-81ED-4DB2-BD59-A6C34878D82A}">
-                    <a16:rowId xmlns:a16="http://schemas.microsoft.com/office/drawing/2014/main" val="10005"/>
-                  </a:ext>
-                </a:extLst>
-              </a:tr>
-            </a:tbl>
-          </a:graphicData>
-        </a:graphic>
-      </p:graphicFrame>
+        </p:nvSpPr>
+        <p:spPr/>
+        <p:txBody>
+          <a:bodyPr/>
+          <a:lstStyle/>
+          <a:p>
+            <a:r>
+              <a:rPr lang="pt-BR" dirty="0"/>
+              <a:t>Ameaças determinadas</a:t>
+            </a:r>
+          </a:p>
+          <a:p>
+            <a:r>
+              <a:rPr lang="pt-BR" dirty="0"/>
+              <a:t>Novo orçamento</a:t>
+            </a:r>
+          </a:p>
+          <a:p>
+            <a:r>
+              <a:rPr lang="pt-BR" dirty="0"/>
+              <a:t>Diagrama de Ishikawa</a:t>
+            </a:r>
+          </a:p>
+        </p:txBody>
+      </p:sp>
     </p:spTree>
     <p:extLst>
       <p:ext uri="{BB962C8B-B14F-4D97-AF65-F5344CB8AC3E}">
-        <p14:creationId xmlns:p14="http://schemas.microsoft.com/office/powerpoint/2010/main" val="1374162878"/>
+        <p14:creationId xmlns:p14="http://schemas.microsoft.com/office/powerpoint/2010/main" val="1623582381"/>
       </p:ext>
     </p:extLst>
   </p:cSld>
@@ -5347,7 +6473,7 @@
       </p:sp>
       <p:graphicFrame>
         <p:nvGraphicFramePr>
-          <p:cNvPr id="3" name="Espaço Reservado para Conteúdo 2"/>
+          <p:cNvPr id="4" name="Espaço Reservado para Conteúdo 3"/>
           <p:cNvGraphicFramePr>
             <a:graphicFrameLocks noGrp="1"/>
           </p:cNvGraphicFramePr>
@@ -5355,841 +6481,428 @@
             <p:ph idx="1"/>
             <p:extLst>
               <p:ext uri="{D42A27DB-BD31-4B8C-83A1-F6EECF244321}">
-                <p14:modId xmlns:p14="http://schemas.microsoft.com/office/powerpoint/2010/main" val="2884745867"/>
+                <p14:modId xmlns:p14="http://schemas.microsoft.com/office/powerpoint/2010/main" val="486090257"/>
               </p:ext>
             </p:extLst>
           </p:nvPr>
         </p:nvGraphicFramePr>
         <p:xfrm>
-          <a:off x="628649" y="1696063"/>
-          <a:ext cx="7748435" cy="3662520"/>
+          <a:off x="442453" y="442452"/>
+          <a:ext cx="8347587" cy="5545392"/>
         </p:xfrm>
         <a:graphic>
           <a:graphicData uri="http://schemas.openxmlformats.org/drawingml/2006/table">
             <a:tbl>
               <a:tblPr firstRow="1" firstCol="1" bandRow="1">
-                <a:tableStyleId>{5940675A-B579-460E-94D1-54222C63F5DA}</a:tableStyleId>
+                <a:tableStyleId>{5C22544A-7EE6-4342-B048-85BDC9FD1C3A}</a:tableStyleId>
               </a:tblPr>
               <a:tblGrid>
-                <a:gridCol w="1436125">
+                <a:gridCol w="1651818">
                   <a:extLst>
                     <a:ext uri="{9D8B030D-6E8A-4147-A177-3AD203B41FA5}">
-                      <a16:colId xmlns:a16="http://schemas.microsoft.com/office/drawing/2014/main" val="20000"/>
+                      <a16:colId xmlns:a16="http://schemas.microsoft.com/office/drawing/2014/main" xmlns="" val="20000"/>
                     </a:ext>
                   </a:extLst>
                 </a:gridCol>
-                <a:gridCol w="1230232">
+                <a:gridCol w="2280198">
                   <a:extLst>
                     <a:ext uri="{9D8B030D-6E8A-4147-A177-3AD203B41FA5}">
-                      <a16:colId xmlns:a16="http://schemas.microsoft.com/office/drawing/2014/main" val="20001"/>
+                      <a16:colId xmlns:a16="http://schemas.microsoft.com/office/drawing/2014/main" xmlns="" val="20001"/>
                     </a:ext>
                   </a:extLst>
                 </a:gridCol>
-                <a:gridCol w="1270964">
+                <a:gridCol w="1496333">
                   <a:extLst>
                     <a:ext uri="{9D8B030D-6E8A-4147-A177-3AD203B41FA5}">
-                      <a16:colId xmlns:a16="http://schemas.microsoft.com/office/drawing/2014/main" val="20002"/>
+                      <a16:colId xmlns:a16="http://schemas.microsoft.com/office/drawing/2014/main" xmlns="" val="20002"/>
                     </a:ext>
                   </a:extLst>
                 </a:gridCol>
-                <a:gridCol w="1270964">
+                <a:gridCol w="1105185">
                   <a:extLst>
                     <a:ext uri="{9D8B030D-6E8A-4147-A177-3AD203B41FA5}">
-                      <a16:colId xmlns:a16="http://schemas.microsoft.com/office/drawing/2014/main" val="20003"/>
+                      <a16:colId xmlns:a16="http://schemas.microsoft.com/office/drawing/2014/main" xmlns="" val="20003"/>
                     </a:ext>
                   </a:extLst>
                 </a:gridCol>
-                <a:gridCol w="1270075">
+                <a:gridCol w="1814053">
                   <a:extLst>
                     <a:ext uri="{9D8B030D-6E8A-4147-A177-3AD203B41FA5}">
-                      <a16:colId xmlns:a16="http://schemas.microsoft.com/office/drawing/2014/main" val="20004"/>
-                    </a:ext>
-                  </a:extLst>
-                </a:gridCol>
-                <a:gridCol w="1270075">
-                  <a:extLst>
-                    <a:ext uri="{9D8B030D-6E8A-4147-A177-3AD203B41FA5}">
-                      <a16:colId xmlns:a16="http://schemas.microsoft.com/office/drawing/2014/main" val="20005"/>
+                      <a16:colId xmlns:a16="http://schemas.microsoft.com/office/drawing/2014/main" xmlns="" val="20004"/>
                     </a:ext>
                   </a:extLst>
                 </a:gridCol>
               </a:tblGrid>
-              <a:tr h="604685">
-                <a:tc>
-                  <a:txBody>
-                    <a:bodyPr/>
-                    <a:lstStyle/>
-                    <a:p>
-                      <a:pPr algn="ctr">
-                        <a:spcAft>
-                          <a:spcPts val="1200"/>
-                        </a:spcAft>
-                      </a:pPr>
-                      <a:r>
-                        <a:rPr lang="pt-BR" sz="2000" dirty="0">
-                          <a:effectLst/>
-                        </a:rPr>
-                        <a:t>Probabilidade</a:t>
-                      </a:r>
-                      <a:endParaRPr lang="pt-BR" sz="2000" dirty="0">
-                        <a:effectLst/>
-                        <a:latin typeface="Calibri" panose="020F0502020204030204" pitchFamily="34" charset="0"/>
-                        <a:ea typeface="Calibri" panose="020F0502020204030204" pitchFamily="34" charset="0"/>
-                        <a:cs typeface="Calibri" panose="020F0502020204030204" pitchFamily="34" charset="0"/>
-                      </a:endParaRPr>
-                    </a:p>
-                  </a:txBody>
-                  <a:tcPr marL="68580" marR="68580" marT="0" marB="0">
-                    <a:lnL w="12700" cap="flat" cmpd="sng" algn="ctr">
-                      <a:solidFill>
-                        <a:schemeClr val="tx1"/>
-                      </a:solidFill>
-                      <a:prstDash val="solid"/>
-                      <a:round/>
-                      <a:headEnd type="none" w="med" len="med"/>
-                      <a:tailEnd type="none" w="med" len="med"/>
-                    </a:lnL>
-                    <a:lnR w="12700" cap="flat" cmpd="sng" algn="ctr">
-                      <a:solidFill>
-                        <a:schemeClr val="tx1"/>
-                      </a:solidFill>
-                      <a:prstDash val="solid"/>
-                      <a:round/>
-                      <a:headEnd type="none" w="med" len="med"/>
-                      <a:tailEnd type="none" w="med" len="med"/>
-                    </a:lnR>
-                    <a:lnT w="12700" cap="flat" cmpd="sng" algn="ctr">
-                      <a:solidFill>
-                        <a:schemeClr val="tx1"/>
-                      </a:solidFill>
-                      <a:prstDash val="solid"/>
-                      <a:round/>
-                      <a:headEnd type="none" w="med" len="med"/>
-                      <a:tailEnd type="none" w="med" len="med"/>
-                    </a:lnT>
-                    <a:lnB w="12700" cap="flat" cmpd="sng" algn="ctr">
-                      <a:solidFill>
-                        <a:schemeClr val="tx1"/>
-                      </a:solidFill>
-                      <a:prstDash val="solid"/>
-                      <a:round/>
-                      <a:headEnd type="none" w="med" len="med"/>
-                      <a:tailEnd type="none" w="med" len="med"/>
-                    </a:lnB>
-                    <a:lnTlToBr w="12700" cmpd="sng">
-                      <a:noFill/>
-                      <a:prstDash val="solid"/>
-                    </a:lnTlToBr>
-                    <a:lnBlToTr w="12700" cmpd="sng">
-                      <a:noFill/>
-                      <a:prstDash val="solid"/>
-                    </a:lnBlToTr>
-                    <a:solidFill>
-                      <a:schemeClr val="bg1">
-                        <a:lumMod val="75000"/>
-                      </a:schemeClr>
-                    </a:solidFill>
-                  </a:tcPr>
-                </a:tc>
-                <a:tc>
-                  <a:txBody>
-                    <a:bodyPr/>
-                    <a:lstStyle/>
-                    <a:p>
-                      <a:pPr algn="ctr">
-                        <a:spcAft>
-                          <a:spcPts val="1200"/>
-                        </a:spcAft>
-                      </a:pPr>
-                      <a:r>
-                        <a:rPr lang="pt-BR" sz="2000" dirty="0">
-                          <a:effectLst/>
-                        </a:rPr>
-                        <a:t> </a:t>
-                      </a:r>
-                      <a:endParaRPr lang="pt-BR" sz="2000" dirty="0">
-                        <a:effectLst/>
-                        <a:latin typeface="Calibri" panose="020F0502020204030204" pitchFamily="34" charset="0"/>
-                        <a:ea typeface="Calibri" panose="020F0502020204030204" pitchFamily="34" charset="0"/>
-                        <a:cs typeface="Calibri" panose="020F0502020204030204" pitchFamily="34" charset="0"/>
-                      </a:endParaRPr>
-                    </a:p>
-                  </a:txBody>
-                  <a:tcPr marL="68580" marR="68580" marT="0" marB="0">
-                    <a:lnL w="12700" cap="flat" cmpd="sng" algn="ctr">
-                      <a:solidFill>
-                        <a:schemeClr val="tx1"/>
-                      </a:solidFill>
-                      <a:prstDash val="solid"/>
-                      <a:round/>
-                      <a:headEnd type="none" w="med" len="med"/>
-                      <a:tailEnd type="none" w="med" len="med"/>
-                    </a:lnL>
-                    <a:lnR w="12700" cmpd="sng">
-                      <a:noFill/>
-                    </a:lnR>
-                    <a:lnT w="12700" cap="flat" cmpd="sng" algn="ctr">
-                      <a:solidFill>
-                        <a:schemeClr val="tx1"/>
-                      </a:solidFill>
-                      <a:prstDash val="solid"/>
-                      <a:round/>
-                      <a:headEnd type="none" w="med" len="med"/>
-                      <a:tailEnd type="none" w="med" len="med"/>
-                    </a:lnT>
-                    <a:lnB w="12700" cap="flat" cmpd="sng" algn="ctr">
-                      <a:solidFill>
-                        <a:schemeClr val="tx1"/>
-                      </a:solidFill>
-                      <a:prstDash val="solid"/>
-                      <a:round/>
-                      <a:headEnd type="none" w="med" len="med"/>
-                      <a:tailEnd type="none" w="med" len="med"/>
-                    </a:lnB>
-                    <a:lnTlToBr w="12700" cmpd="sng">
-                      <a:noFill/>
-                      <a:prstDash val="solid"/>
-                    </a:lnTlToBr>
-                    <a:lnBlToTr w="12700" cmpd="sng">
-                      <a:noFill/>
-                      <a:prstDash val="solid"/>
-                    </a:lnBlToTr>
-                    <a:solidFill>
-                      <a:schemeClr val="bg1"/>
-                    </a:solidFill>
-                  </a:tcPr>
-                </a:tc>
-                <a:tc>
-                  <a:txBody>
-                    <a:bodyPr/>
-                    <a:lstStyle/>
-                    <a:p>
-                      <a:pPr algn="ctr">
-                        <a:spcAft>
-                          <a:spcPts val="1200"/>
-                        </a:spcAft>
-                      </a:pPr>
-                      <a:r>
-                        <a:rPr lang="pt-BR" sz="2000" dirty="0">
-                          <a:effectLst/>
-                        </a:rPr>
-                        <a:t> </a:t>
-                      </a:r>
-                      <a:endParaRPr lang="pt-BR" sz="2000" dirty="0">
-                        <a:effectLst/>
-                        <a:latin typeface="Calibri" panose="020F0502020204030204" pitchFamily="34" charset="0"/>
-                        <a:ea typeface="Calibri" panose="020F0502020204030204" pitchFamily="34" charset="0"/>
-                        <a:cs typeface="Calibri" panose="020F0502020204030204" pitchFamily="34" charset="0"/>
-                      </a:endParaRPr>
-                    </a:p>
-                  </a:txBody>
-                  <a:tcPr marL="68580" marR="68580" marT="0" marB="0">
-                    <a:lnL w="12700" cmpd="sng">
-                      <a:noFill/>
-                    </a:lnL>
-                    <a:lnR w="12700" cmpd="sng">
-                      <a:noFill/>
-                    </a:lnR>
-                    <a:lnT w="12700" cap="flat" cmpd="sng" algn="ctr">
-                      <a:solidFill>
-                        <a:schemeClr val="tx1"/>
-                      </a:solidFill>
-                      <a:prstDash val="solid"/>
-                      <a:round/>
-                      <a:headEnd type="none" w="med" len="med"/>
-                      <a:tailEnd type="none" w="med" len="med"/>
-                    </a:lnT>
-                    <a:lnB w="12700" cap="flat" cmpd="sng" algn="ctr">
-                      <a:solidFill>
-                        <a:schemeClr val="tx1"/>
-                      </a:solidFill>
-                      <a:prstDash val="solid"/>
-                      <a:round/>
-                      <a:headEnd type="none" w="med" len="med"/>
-                      <a:tailEnd type="none" w="med" len="med"/>
-                    </a:lnB>
-                    <a:lnTlToBr w="12700" cmpd="sng">
-                      <a:noFill/>
-                      <a:prstDash val="solid"/>
-                    </a:lnTlToBr>
-                    <a:lnBlToTr w="12700" cmpd="sng">
-                      <a:noFill/>
-                      <a:prstDash val="solid"/>
-                    </a:lnBlToTr>
-                    <a:solidFill>
-                      <a:schemeClr val="bg1"/>
-                    </a:solidFill>
-                  </a:tcPr>
-                </a:tc>
-                <a:tc>
-                  <a:txBody>
-                    <a:bodyPr/>
-                    <a:lstStyle/>
-                    <a:p>
-                      <a:pPr algn="ctr">
-                        <a:spcAft>
-                          <a:spcPts val="1200"/>
-                        </a:spcAft>
-                      </a:pPr>
-                      <a:r>
-                        <a:rPr lang="pt-BR" sz="2000" dirty="0">
-                          <a:effectLst/>
-                        </a:rPr>
-                        <a:t> </a:t>
-                      </a:r>
-                      <a:endParaRPr lang="pt-BR" sz="2000" dirty="0">
-                        <a:effectLst/>
-                        <a:latin typeface="Calibri" panose="020F0502020204030204" pitchFamily="34" charset="0"/>
-                        <a:ea typeface="Calibri" panose="020F0502020204030204" pitchFamily="34" charset="0"/>
-                        <a:cs typeface="Calibri" panose="020F0502020204030204" pitchFamily="34" charset="0"/>
-                      </a:endParaRPr>
-                    </a:p>
-                  </a:txBody>
-                  <a:tcPr marL="68580" marR="68580" marT="0" marB="0">
-                    <a:lnL w="12700" cmpd="sng">
-                      <a:noFill/>
-                    </a:lnL>
-                    <a:lnR w="12700" cmpd="sng">
-                      <a:noFill/>
-                    </a:lnR>
-                    <a:lnT w="12700" cap="flat" cmpd="sng" algn="ctr">
-                      <a:solidFill>
-                        <a:schemeClr val="tx1"/>
-                      </a:solidFill>
-                      <a:prstDash val="solid"/>
-                      <a:round/>
-                      <a:headEnd type="none" w="med" len="med"/>
-                      <a:tailEnd type="none" w="med" len="med"/>
-                    </a:lnT>
-                    <a:lnB w="12700" cap="flat" cmpd="sng" algn="ctr">
-                      <a:solidFill>
-                        <a:schemeClr val="tx1"/>
-                      </a:solidFill>
-                      <a:prstDash val="solid"/>
-                      <a:round/>
-                      <a:headEnd type="none" w="med" len="med"/>
-                      <a:tailEnd type="none" w="med" len="med"/>
-                    </a:lnB>
-                    <a:lnTlToBr w="12700" cmpd="sng">
-                      <a:noFill/>
-                      <a:prstDash val="solid"/>
-                    </a:lnTlToBr>
-                    <a:lnBlToTr w="12700" cmpd="sng">
-                      <a:noFill/>
-                      <a:prstDash val="solid"/>
-                    </a:lnBlToTr>
-                    <a:solidFill>
-                      <a:schemeClr val="bg1"/>
-                    </a:solidFill>
-                  </a:tcPr>
-                </a:tc>
-                <a:tc>
-                  <a:txBody>
-                    <a:bodyPr/>
-                    <a:lstStyle/>
-                    <a:p>
-                      <a:pPr algn="ctr">
-                        <a:spcAft>
-                          <a:spcPts val="1200"/>
-                        </a:spcAft>
-                      </a:pPr>
-                      <a:r>
-                        <a:rPr lang="pt-BR" sz="2000" dirty="0">
-                          <a:effectLst/>
-                        </a:rPr>
-                        <a:t> </a:t>
-                      </a:r>
-                      <a:endParaRPr lang="pt-BR" sz="2000" dirty="0">
-                        <a:effectLst/>
-                        <a:latin typeface="Calibri" panose="020F0502020204030204" pitchFamily="34" charset="0"/>
-                        <a:ea typeface="Calibri" panose="020F0502020204030204" pitchFamily="34" charset="0"/>
-                        <a:cs typeface="Calibri" panose="020F0502020204030204" pitchFamily="34" charset="0"/>
-                      </a:endParaRPr>
-                    </a:p>
-                  </a:txBody>
-                  <a:tcPr marL="68580" marR="68580" marT="0" marB="0">
-                    <a:lnL w="12700" cmpd="sng">
-                      <a:noFill/>
-                    </a:lnL>
-                    <a:lnR w="12700" cmpd="sng">
-                      <a:noFill/>
-                    </a:lnR>
-                    <a:lnT w="12700" cap="flat" cmpd="sng" algn="ctr">
-                      <a:solidFill>
-                        <a:schemeClr val="tx1"/>
-                      </a:solidFill>
-                      <a:prstDash val="solid"/>
-                      <a:round/>
-                      <a:headEnd type="none" w="med" len="med"/>
-                      <a:tailEnd type="none" w="med" len="med"/>
-                    </a:lnT>
-                    <a:lnB w="12700" cap="flat" cmpd="sng" algn="ctr">
-                      <a:solidFill>
-                        <a:schemeClr val="tx1"/>
-                      </a:solidFill>
-                      <a:prstDash val="solid"/>
-                      <a:round/>
-                      <a:headEnd type="none" w="med" len="med"/>
-                      <a:tailEnd type="none" w="med" len="med"/>
-                    </a:lnB>
-                    <a:lnTlToBr w="12700" cmpd="sng">
-                      <a:noFill/>
-                      <a:prstDash val="solid"/>
-                    </a:lnTlToBr>
-                    <a:lnBlToTr w="12700" cmpd="sng">
-                      <a:noFill/>
-                      <a:prstDash val="solid"/>
-                    </a:lnBlToTr>
-                    <a:solidFill>
-                      <a:schemeClr val="bg1"/>
-                    </a:solidFill>
-                  </a:tcPr>
-                </a:tc>
-                <a:tc>
-                  <a:txBody>
-                    <a:bodyPr/>
-                    <a:lstStyle/>
-                    <a:p>
-                      <a:pPr algn="ctr">
-                        <a:spcAft>
-                          <a:spcPts val="1200"/>
-                        </a:spcAft>
-                      </a:pPr>
-                      <a:r>
-                        <a:rPr lang="pt-BR" sz="2000" dirty="0">
-                          <a:effectLst/>
-                        </a:rPr>
-                        <a:t> </a:t>
-                      </a:r>
-                      <a:endParaRPr lang="pt-BR" sz="2000" dirty="0">
-                        <a:effectLst/>
-                        <a:latin typeface="Calibri" panose="020F0502020204030204" pitchFamily="34" charset="0"/>
-                        <a:ea typeface="Calibri" panose="020F0502020204030204" pitchFamily="34" charset="0"/>
-                        <a:cs typeface="Calibri" panose="020F0502020204030204" pitchFamily="34" charset="0"/>
-                      </a:endParaRPr>
-                    </a:p>
-                  </a:txBody>
-                  <a:tcPr marL="68580" marR="68580" marT="0" marB="0">
-                    <a:lnL w="12700" cmpd="sng">
-                      <a:noFill/>
-                    </a:lnL>
-                    <a:lnR w="12700" cap="flat" cmpd="sng" algn="ctr">
-                      <a:solidFill>
-                        <a:schemeClr val="tx1"/>
-                      </a:solidFill>
-                      <a:prstDash val="solid"/>
-                      <a:round/>
-                      <a:headEnd type="none" w="med" len="med"/>
-                      <a:tailEnd type="none" w="med" len="med"/>
-                    </a:lnR>
-                    <a:lnT w="12700" cap="flat" cmpd="sng" algn="ctr">
-                      <a:solidFill>
-                        <a:schemeClr val="tx1"/>
-                      </a:solidFill>
-                      <a:prstDash val="solid"/>
-                      <a:round/>
-                      <a:headEnd type="none" w="med" len="med"/>
-                      <a:tailEnd type="none" w="med" len="med"/>
-                    </a:lnT>
-                    <a:lnB w="12700" cap="flat" cmpd="sng" algn="ctr">
-                      <a:solidFill>
-                        <a:schemeClr val="tx1"/>
-                      </a:solidFill>
-                      <a:prstDash val="solid"/>
-                      <a:round/>
-                      <a:headEnd type="none" w="med" len="med"/>
-                      <a:tailEnd type="none" w="med" len="med"/>
-                    </a:lnB>
-                    <a:lnTlToBr w="12700" cmpd="sng">
-                      <a:noFill/>
-                      <a:prstDash val="solid"/>
-                    </a:lnTlToBr>
-                    <a:lnBlToTr w="12700" cmpd="sng">
-                      <a:noFill/>
-                      <a:prstDash val="solid"/>
-                    </a:lnBlToTr>
-                    <a:solidFill>
-                      <a:schemeClr val="bg1"/>
-                    </a:solidFill>
-                  </a:tcPr>
+              <a:tr h="1582992">
+                <a:tc>
+                  <a:txBody>
+                    <a:bodyPr/>
+                    <a:lstStyle/>
+                    <a:p>
+                      <a:pPr algn="ctr">
+                        <a:spcAft>
+                          <a:spcPts val="1200"/>
+                        </a:spcAft>
+                      </a:pPr>
+                      <a:r>
+                        <a:rPr lang="pt-BR" sz="2000" dirty="0">
+                          <a:effectLst/>
+                        </a:rPr>
+                        <a:t>Risco</a:t>
+                      </a:r>
+                      <a:endParaRPr lang="pt-BR" sz="2000" dirty="0">
+                        <a:effectLst/>
+                        <a:latin typeface="Calibri" panose="020F0502020204030204" pitchFamily="34" charset="0"/>
+                        <a:ea typeface="Calibri" panose="020F0502020204030204" pitchFamily="34" charset="0"/>
+                        <a:cs typeface="Calibri" panose="020F0502020204030204" pitchFamily="34" charset="0"/>
+                      </a:endParaRPr>
+                    </a:p>
+                  </a:txBody>
+                  <a:tcPr marL="68580" marR="68580" marT="0" marB="0"/>
+                </a:tc>
+                <a:tc>
+                  <a:txBody>
+                    <a:bodyPr/>
+                    <a:lstStyle/>
+                    <a:p>
+                      <a:pPr algn="ctr">
+                        <a:spcAft>
+                          <a:spcPts val="1200"/>
+                        </a:spcAft>
+                      </a:pPr>
+                      <a:r>
+                        <a:rPr lang="pt-BR" sz="2000" dirty="0">
+                          <a:effectLst/>
+                        </a:rPr>
+                        <a:t>Desengajamento dos desenvolvedores</a:t>
+                      </a:r>
+                      <a:endParaRPr lang="pt-BR" sz="2000" dirty="0">
+                        <a:effectLst/>
+                        <a:latin typeface="Calibri" panose="020F0502020204030204" pitchFamily="34" charset="0"/>
+                        <a:ea typeface="Calibri" panose="020F0502020204030204" pitchFamily="34" charset="0"/>
+                        <a:cs typeface="Calibri" panose="020F0502020204030204" pitchFamily="34" charset="0"/>
+                      </a:endParaRPr>
+                    </a:p>
+                  </a:txBody>
+                  <a:tcPr marL="68580" marR="68580" marT="0" marB="0"/>
+                </a:tc>
+                <a:tc>
+                  <a:txBody>
+                    <a:bodyPr/>
+                    <a:lstStyle/>
+                    <a:p>
+                      <a:pPr algn="ctr">
+                        <a:spcAft>
+                          <a:spcPts val="1200"/>
+                        </a:spcAft>
+                      </a:pPr>
+                      <a:r>
+                        <a:rPr lang="pt-BR" sz="2000">
+                          <a:effectLst/>
+                        </a:rPr>
+                        <a:t>Produto não ser assimilado pelos funcionários</a:t>
+                      </a:r>
+                      <a:endParaRPr lang="pt-BR" sz="2000">
+                        <a:effectLst/>
+                        <a:latin typeface="Calibri" panose="020F0502020204030204" pitchFamily="34" charset="0"/>
+                        <a:ea typeface="Calibri" panose="020F0502020204030204" pitchFamily="34" charset="0"/>
+                        <a:cs typeface="Calibri" panose="020F0502020204030204" pitchFamily="34" charset="0"/>
+                      </a:endParaRPr>
+                    </a:p>
+                  </a:txBody>
+                  <a:tcPr marL="68580" marR="68580" marT="0" marB="0"/>
+                </a:tc>
+                <a:tc>
+                  <a:txBody>
+                    <a:bodyPr/>
+                    <a:lstStyle/>
+                    <a:p>
+                      <a:pPr algn="ctr">
+                        <a:spcAft>
+                          <a:spcPts val="1200"/>
+                        </a:spcAft>
+                      </a:pPr>
+                      <a:r>
+                        <a:rPr lang="pt-BR" sz="2000">
+                          <a:effectLst/>
+                        </a:rPr>
+                        <a:t>Termos de contrato inaceitáveis</a:t>
+                      </a:r>
+                      <a:endParaRPr lang="pt-BR" sz="2000">
+                        <a:effectLst/>
+                        <a:latin typeface="Calibri" panose="020F0502020204030204" pitchFamily="34" charset="0"/>
+                        <a:ea typeface="Calibri" panose="020F0502020204030204" pitchFamily="34" charset="0"/>
+                        <a:cs typeface="Calibri" panose="020F0502020204030204" pitchFamily="34" charset="0"/>
+                      </a:endParaRPr>
+                    </a:p>
+                  </a:txBody>
+                  <a:tcPr marL="68580" marR="68580" marT="0" marB="0"/>
+                </a:tc>
+                <a:tc>
+                  <a:txBody>
+                    <a:bodyPr/>
+                    <a:lstStyle/>
+                    <a:p>
+                      <a:pPr algn="ctr">
+                        <a:spcAft>
+                          <a:spcPts val="1200"/>
+                        </a:spcAft>
+                      </a:pPr>
+                      <a:r>
+                        <a:rPr lang="pt-BR" sz="2000">
+                          <a:effectLst/>
+                        </a:rPr>
+                        <a:t>Incêndio na fotocopiadora</a:t>
+                      </a:r>
+                      <a:endParaRPr lang="pt-BR" sz="2000">
+                        <a:effectLst/>
+                        <a:latin typeface="Calibri" panose="020F0502020204030204" pitchFamily="34" charset="0"/>
+                        <a:ea typeface="Calibri" panose="020F0502020204030204" pitchFamily="34" charset="0"/>
+                        <a:cs typeface="Calibri" panose="020F0502020204030204" pitchFamily="34" charset="0"/>
+                      </a:endParaRPr>
+                    </a:p>
+                  </a:txBody>
+                  <a:tcPr marL="68580" marR="68580" marT="0" marB="0"/>
                 </a:tc>
                 <a:extLst>
                   <a:ext uri="{0D108BD9-81ED-4DB2-BD59-A6C34878D82A}">
-                    <a16:rowId xmlns:a16="http://schemas.microsoft.com/office/drawing/2014/main" val="10000"/>
+                    <a16:rowId xmlns:a16="http://schemas.microsoft.com/office/drawing/2014/main" xmlns="" val="10000"/>
                   </a:ext>
                 </a:extLst>
               </a:tr>
-              <a:tr h="508820">
-                <a:tc>
-                  <a:txBody>
-                    <a:bodyPr/>
-                    <a:lstStyle/>
-                    <a:p>
-                      <a:pPr algn="ctr">
-                        <a:spcAft>
-                          <a:spcPts val="1200"/>
-                        </a:spcAft>
-                      </a:pPr>
-                      <a:r>
-                        <a:rPr lang="pt-BR" sz="2000" dirty="0">
-                          <a:effectLst/>
-                        </a:rPr>
-                        <a:t>0.9</a:t>
-                      </a:r>
-                      <a:endParaRPr lang="pt-BR" sz="2000" dirty="0">
-                        <a:effectLst/>
-                        <a:latin typeface="Calibri" panose="020F0502020204030204" pitchFamily="34" charset="0"/>
-                        <a:ea typeface="Calibri" panose="020F0502020204030204" pitchFamily="34" charset="0"/>
-                        <a:cs typeface="Calibri" panose="020F0502020204030204" pitchFamily="34" charset="0"/>
-                      </a:endParaRPr>
-                    </a:p>
-                  </a:txBody>
-                  <a:tcPr marL="68580" marR="68580" marT="0" marB="0">
-                    <a:lnL w="12700" cap="flat" cmpd="sng" algn="ctr">
-                      <a:solidFill>
-                        <a:schemeClr val="tx1"/>
-                      </a:solidFill>
-                      <a:prstDash val="solid"/>
-                      <a:round/>
-                      <a:headEnd type="none" w="med" len="med"/>
-                      <a:tailEnd type="none" w="med" len="med"/>
-                    </a:lnL>
-                    <a:lnR w="12700" cap="flat" cmpd="sng" algn="ctr">
-                      <a:solidFill>
-                        <a:schemeClr val="tx1"/>
-                      </a:solidFill>
-                      <a:prstDash val="solid"/>
-                      <a:round/>
-                      <a:headEnd type="none" w="med" len="med"/>
-                      <a:tailEnd type="none" w="med" len="med"/>
-                    </a:lnR>
-                    <a:lnT w="12700" cap="flat" cmpd="sng" algn="ctr">
-                      <a:solidFill>
-                        <a:schemeClr val="tx1"/>
-                      </a:solidFill>
-                      <a:prstDash val="solid"/>
-                      <a:round/>
-                      <a:headEnd type="none" w="med" len="med"/>
-                      <a:tailEnd type="none" w="med" len="med"/>
-                    </a:lnT>
-                    <a:solidFill>
-                      <a:schemeClr val="bg1">
-                        <a:lumMod val="75000"/>
-                      </a:schemeClr>
-                    </a:solidFill>
-                  </a:tcPr>
-                </a:tc>
-                <a:tc>
-                  <a:txBody>
-                    <a:bodyPr/>
-                    <a:lstStyle/>
-                    <a:p>
-                      <a:pPr algn="ctr">
-                        <a:spcAft>
-                          <a:spcPts val="1200"/>
-                        </a:spcAft>
-                      </a:pPr>
-                      <a:r>
-                        <a:rPr lang="pt-BR" sz="2000" dirty="0">
-                          <a:effectLst/>
-                        </a:rPr>
-                        <a:t>0.05</a:t>
-                      </a:r>
-                      <a:endParaRPr lang="pt-BR" sz="2000" dirty="0">
-                        <a:effectLst/>
-                        <a:latin typeface="Calibri" panose="020F0502020204030204" pitchFamily="34" charset="0"/>
-                        <a:ea typeface="Calibri" panose="020F0502020204030204" pitchFamily="34" charset="0"/>
-                        <a:cs typeface="Calibri" panose="020F0502020204030204" pitchFamily="34" charset="0"/>
-                      </a:endParaRPr>
-                    </a:p>
-                  </a:txBody>
-                  <a:tcPr marL="68580" marR="68580" marT="0" marB="0">
-                    <a:lnL w="12700" cap="flat" cmpd="sng" algn="ctr">
-                      <a:solidFill>
-                        <a:schemeClr val="tx1"/>
-                      </a:solidFill>
-                      <a:prstDash val="solid"/>
-                      <a:round/>
-                      <a:headEnd type="none" w="med" len="med"/>
-                      <a:tailEnd type="none" w="med" len="med"/>
-                    </a:lnL>
-                    <a:lnT w="12700" cap="flat" cmpd="sng" algn="ctr">
-                      <a:solidFill>
-                        <a:schemeClr val="tx1"/>
-                      </a:solidFill>
-                      <a:prstDash val="solid"/>
-                      <a:round/>
-                      <a:headEnd type="none" w="med" len="med"/>
-                      <a:tailEnd type="none" w="med" len="med"/>
-                    </a:lnT>
-                  </a:tcPr>
-                </a:tc>
-                <a:tc>
-                  <a:txBody>
-                    <a:bodyPr/>
-                    <a:lstStyle/>
-                    <a:p>
-                      <a:pPr algn="ctr">
-                        <a:spcAft>
-                          <a:spcPts val="1200"/>
-                        </a:spcAft>
-                      </a:pPr>
-                      <a:r>
-                        <a:rPr lang="pt-BR" sz="2000">
-                          <a:effectLst/>
-                        </a:rPr>
-                        <a:t>0.09</a:t>
-                      </a:r>
-                      <a:endParaRPr lang="pt-BR" sz="2000">
-                        <a:effectLst/>
-                        <a:latin typeface="Calibri" panose="020F0502020204030204" pitchFamily="34" charset="0"/>
-                        <a:ea typeface="Calibri" panose="020F0502020204030204" pitchFamily="34" charset="0"/>
-                        <a:cs typeface="Calibri" panose="020F0502020204030204" pitchFamily="34" charset="0"/>
-                      </a:endParaRPr>
-                    </a:p>
-                  </a:txBody>
-                  <a:tcPr marL="68580" marR="68580" marT="0" marB="0">
-                    <a:lnT w="12700" cap="flat" cmpd="sng" algn="ctr">
-                      <a:solidFill>
-                        <a:schemeClr val="tx1"/>
-                      </a:solidFill>
-                      <a:prstDash val="solid"/>
-                      <a:round/>
-                      <a:headEnd type="none" w="med" len="med"/>
-                      <a:tailEnd type="none" w="med" len="med"/>
-                    </a:lnT>
-                  </a:tcPr>
-                </a:tc>
-                <a:tc>
-                  <a:txBody>
-                    <a:bodyPr/>
-                    <a:lstStyle/>
-                    <a:p>
-                      <a:pPr algn="ctr">
-                        <a:spcAft>
-                          <a:spcPts val="1200"/>
-                        </a:spcAft>
-                      </a:pPr>
-                      <a:r>
-                        <a:rPr lang="pt-BR" sz="2000" dirty="0">
-                          <a:effectLst/>
-                        </a:rPr>
-                        <a:t>0.18</a:t>
-                      </a:r>
-                      <a:endParaRPr lang="pt-BR" sz="2000" dirty="0">
-                        <a:effectLst/>
-                        <a:latin typeface="Calibri" panose="020F0502020204030204" pitchFamily="34" charset="0"/>
-                        <a:ea typeface="Calibri" panose="020F0502020204030204" pitchFamily="34" charset="0"/>
-                        <a:cs typeface="Calibri" panose="020F0502020204030204" pitchFamily="34" charset="0"/>
-                      </a:endParaRPr>
-                    </a:p>
-                  </a:txBody>
-                  <a:tcPr marL="68580" marR="68580" marT="0" marB="0">
-                    <a:lnT w="12700" cap="flat" cmpd="sng" algn="ctr">
-                      <a:solidFill>
-                        <a:schemeClr val="tx1"/>
-                      </a:solidFill>
-                      <a:prstDash val="solid"/>
-                      <a:round/>
-                      <a:headEnd type="none" w="med" len="med"/>
-                      <a:tailEnd type="none" w="med" len="med"/>
-                    </a:lnT>
-                    <a:solidFill>
-                      <a:srgbClr val="C0504D"/>
-                    </a:solidFill>
-                  </a:tcPr>
-                </a:tc>
-                <a:tc>
-                  <a:txBody>
-                    <a:bodyPr/>
-                    <a:lstStyle/>
-                    <a:p>
-                      <a:pPr algn="ctr">
-                        <a:spcAft>
-                          <a:spcPts val="1200"/>
-                        </a:spcAft>
-                      </a:pPr>
-                      <a:r>
-                        <a:rPr lang="pt-BR" sz="2000" dirty="0">
-                          <a:effectLst/>
-                        </a:rPr>
-                        <a:t>0.36</a:t>
-                      </a:r>
-                      <a:endParaRPr lang="pt-BR" sz="2000" dirty="0">
-                        <a:effectLst/>
-                        <a:latin typeface="Calibri" panose="020F0502020204030204" pitchFamily="34" charset="0"/>
-                        <a:ea typeface="Calibri" panose="020F0502020204030204" pitchFamily="34" charset="0"/>
-                        <a:cs typeface="Calibri" panose="020F0502020204030204" pitchFamily="34" charset="0"/>
-                      </a:endParaRPr>
-                    </a:p>
-                  </a:txBody>
-                  <a:tcPr marL="68580" marR="68580" marT="0" marB="0">
-                    <a:lnT w="12700" cap="flat" cmpd="sng" algn="ctr">
-                      <a:solidFill>
-                        <a:schemeClr val="tx1"/>
-                      </a:solidFill>
-                      <a:prstDash val="solid"/>
-                      <a:round/>
-                      <a:headEnd type="none" w="med" len="med"/>
-                      <a:tailEnd type="none" w="med" len="med"/>
-                    </a:lnT>
-                    <a:solidFill>
-                      <a:srgbClr val="C0504D"/>
-                    </a:solidFill>
-                  </a:tcPr>
-                </a:tc>
-                <a:tc>
-                  <a:txBody>
-                    <a:bodyPr/>
-                    <a:lstStyle/>
-                    <a:p>
-                      <a:pPr algn="ctr">
-                        <a:spcAft>
-                          <a:spcPts val="1200"/>
-                        </a:spcAft>
-                      </a:pPr>
-                      <a:r>
-                        <a:rPr lang="pt-BR" sz="2000" dirty="0">
-                          <a:effectLst/>
-                        </a:rPr>
-                        <a:t>0.72</a:t>
-                      </a:r>
-                      <a:endParaRPr lang="pt-BR" sz="2000" dirty="0">
-                        <a:effectLst/>
-                        <a:latin typeface="Calibri" panose="020F0502020204030204" pitchFamily="34" charset="0"/>
-                        <a:ea typeface="Calibri" panose="020F0502020204030204" pitchFamily="34" charset="0"/>
-                        <a:cs typeface="Calibri" panose="020F0502020204030204" pitchFamily="34" charset="0"/>
-                      </a:endParaRPr>
-                    </a:p>
-                  </a:txBody>
-                  <a:tcPr marL="68580" marR="68580" marT="0" marB="0">
-                    <a:lnT w="12700" cap="flat" cmpd="sng" algn="ctr">
-                      <a:solidFill>
-                        <a:schemeClr val="tx1"/>
-                      </a:solidFill>
-                      <a:prstDash val="solid"/>
-                      <a:round/>
-                      <a:headEnd type="none" w="med" len="med"/>
-                      <a:tailEnd type="none" w="med" len="med"/>
-                    </a:lnT>
-                    <a:solidFill>
-                      <a:srgbClr val="C0504D"/>
-                    </a:solidFill>
-                  </a:tcPr>
+              <a:tr h="1909915">
+                <a:tc>
+                  <a:txBody>
+                    <a:bodyPr/>
+                    <a:lstStyle/>
+                    <a:p>
+                      <a:pPr algn="ctr">
+                        <a:spcAft>
+                          <a:spcPts val="1200"/>
+                        </a:spcAft>
+                      </a:pPr>
+                      <a:r>
+                        <a:rPr lang="pt-BR" sz="2000" dirty="0">
+                          <a:effectLst/>
+                        </a:rPr>
+                        <a:t>Descrição</a:t>
+                      </a:r>
+                      <a:endParaRPr lang="pt-BR" sz="2000" dirty="0">
+                        <a:effectLst/>
+                        <a:latin typeface="Calibri" panose="020F0502020204030204" pitchFamily="34" charset="0"/>
+                        <a:ea typeface="Calibri" panose="020F0502020204030204" pitchFamily="34" charset="0"/>
+                        <a:cs typeface="Calibri" panose="020F0502020204030204" pitchFamily="34" charset="0"/>
+                      </a:endParaRPr>
+                    </a:p>
+                  </a:txBody>
+                  <a:tcPr marL="68580" marR="68580" marT="0" marB="0"/>
+                </a:tc>
+                <a:tc>
+                  <a:txBody>
+                    <a:bodyPr/>
+                    <a:lstStyle/>
+                    <a:p>
+                      <a:pPr algn="ctr">
+                        <a:spcAft>
+                          <a:spcPts val="1200"/>
+                        </a:spcAft>
+                      </a:pPr>
+                      <a:r>
+                        <a:rPr lang="pt-BR" sz="2000" dirty="0">
+                          <a:effectLst/>
+                        </a:rPr>
+                        <a:t>Risco de, após o desenvolvimento, os integrantes não oferecerem suporte ao produto</a:t>
+                      </a:r>
+                      <a:endParaRPr lang="pt-BR" sz="2000" dirty="0">
+                        <a:effectLst/>
+                        <a:latin typeface="Calibri" panose="020F0502020204030204" pitchFamily="34" charset="0"/>
+                        <a:ea typeface="Calibri" panose="020F0502020204030204" pitchFamily="34" charset="0"/>
+                        <a:cs typeface="Calibri" panose="020F0502020204030204" pitchFamily="34" charset="0"/>
+                      </a:endParaRPr>
+                    </a:p>
+                  </a:txBody>
+                  <a:tcPr marL="68580" marR="68580" marT="0" marB="0"/>
+                </a:tc>
+                <a:tc>
+                  <a:txBody>
+                    <a:bodyPr/>
+                    <a:lstStyle/>
+                    <a:p>
+                      <a:pPr algn="ctr">
+                        <a:spcAft>
+                          <a:spcPts val="1200"/>
+                        </a:spcAft>
+                      </a:pPr>
+                      <a:r>
+                        <a:rPr lang="pt-BR" sz="2000" dirty="0">
+                          <a:effectLst/>
+                        </a:rPr>
+                        <a:t>Risco de os funcionários não se adequarem ao uso do produto</a:t>
+                      </a:r>
+                      <a:endParaRPr lang="pt-BR" sz="2000" dirty="0">
+                        <a:effectLst/>
+                        <a:latin typeface="Calibri" panose="020F0502020204030204" pitchFamily="34" charset="0"/>
+                        <a:ea typeface="Calibri" panose="020F0502020204030204" pitchFamily="34" charset="0"/>
+                        <a:cs typeface="Calibri" panose="020F0502020204030204" pitchFamily="34" charset="0"/>
+                      </a:endParaRPr>
+                    </a:p>
+                  </a:txBody>
+                  <a:tcPr marL="68580" marR="68580" marT="0" marB="0"/>
+                </a:tc>
+                <a:tc>
+                  <a:txBody>
+                    <a:bodyPr/>
+                    <a:lstStyle/>
+                    <a:p>
+                      <a:pPr algn="ctr">
+                        <a:spcAft>
+                          <a:spcPts val="1200"/>
+                        </a:spcAft>
+                      </a:pPr>
+                      <a:r>
+                        <a:rPr lang="pt-BR" sz="2000" dirty="0">
+                          <a:effectLst/>
+                        </a:rPr>
+                        <a:t>Risco de os contratantes não pagarem os custos</a:t>
+                      </a:r>
+                      <a:endParaRPr lang="pt-BR" sz="2000" dirty="0">
+                        <a:effectLst/>
+                        <a:latin typeface="Calibri" panose="020F0502020204030204" pitchFamily="34" charset="0"/>
+                        <a:ea typeface="Calibri" panose="020F0502020204030204" pitchFamily="34" charset="0"/>
+                        <a:cs typeface="Calibri" panose="020F0502020204030204" pitchFamily="34" charset="0"/>
+                      </a:endParaRPr>
+                    </a:p>
+                  </a:txBody>
+                  <a:tcPr marL="68580" marR="68580" marT="0" marB="0"/>
+                </a:tc>
+                <a:tc>
+                  <a:txBody>
+                    <a:bodyPr/>
+                    <a:lstStyle/>
+                    <a:p>
+                      <a:pPr algn="ctr">
+                        <a:spcAft>
+                          <a:spcPts val="1200"/>
+                        </a:spcAft>
+                      </a:pPr>
+                      <a:r>
+                        <a:rPr lang="pt-BR" sz="2000" dirty="0">
+                          <a:effectLst/>
+                        </a:rPr>
+                        <a:t>Risco de ocorrer incêndio na fotocopiadora, destruindo as máquinas e possível óbito dos clientes</a:t>
+                      </a:r>
+                      <a:endParaRPr lang="pt-BR" sz="2000" dirty="0">
+                        <a:effectLst/>
+                        <a:latin typeface="Calibri" panose="020F0502020204030204" pitchFamily="34" charset="0"/>
+                        <a:ea typeface="Calibri" panose="020F0502020204030204" pitchFamily="34" charset="0"/>
+                        <a:cs typeface="Calibri" panose="020F0502020204030204" pitchFamily="34" charset="0"/>
+                      </a:endParaRPr>
+                    </a:p>
+                  </a:txBody>
+                  <a:tcPr marL="68580" marR="68580" marT="0" marB="0"/>
                 </a:tc>
                 <a:extLst>
                   <a:ext uri="{0D108BD9-81ED-4DB2-BD59-A6C34878D82A}">
-                    <a16:rowId xmlns:a16="http://schemas.microsoft.com/office/drawing/2014/main" val="10001"/>
+                    <a16:rowId xmlns:a16="http://schemas.microsoft.com/office/drawing/2014/main" xmlns="" val="10001"/>
                   </a:ext>
                 </a:extLst>
               </a:tr>
-              <a:tr h="508820">
-                <a:tc>
-                  <a:txBody>
-                    <a:bodyPr/>
-                    <a:lstStyle/>
-                    <a:p>
-                      <a:pPr algn="ctr">
-                        <a:spcAft>
-                          <a:spcPts val="1200"/>
-                        </a:spcAft>
-                      </a:pPr>
-                      <a:r>
-                        <a:rPr lang="pt-BR" sz="2000" dirty="0">
+              <a:tr h="272845">
+                <a:tc>
+                  <a:txBody>
+                    <a:bodyPr/>
+                    <a:lstStyle/>
+                    <a:p>
+                      <a:pPr algn="ctr">
+                        <a:spcAft>
+                          <a:spcPts val="1200"/>
+                        </a:spcAft>
+                      </a:pPr>
+                      <a:r>
+                        <a:rPr lang="pt-BR" sz="2000">
+                          <a:effectLst/>
+                        </a:rPr>
+                        <a:t>Probabilidade</a:t>
+                      </a:r>
+                      <a:endParaRPr lang="pt-BR" sz="2000">
+                        <a:effectLst/>
+                        <a:latin typeface="Calibri" panose="020F0502020204030204" pitchFamily="34" charset="0"/>
+                        <a:ea typeface="Calibri" panose="020F0502020204030204" pitchFamily="34" charset="0"/>
+                        <a:cs typeface="Calibri" panose="020F0502020204030204" pitchFamily="34" charset="0"/>
+                      </a:endParaRPr>
+                    </a:p>
+                  </a:txBody>
+                  <a:tcPr marL="68580" marR="68580" marT="0" marB="0"/>
+                </a:tc>
+                <a:tc>
+                  <a:txBody>
+                    <a:bodyPr/>
+                    <a:lstStyle/>
+                    <a:p>
+                      <a:pPr algn="ctr">
+                        <a:spcAft>
+                          <a:spcPts val="1200"/>
+                        </a:spcAft>
+                      </a:pPr>
+                      <a:r>
+                        <a:rPr lang="pt-BR" sz="2000">
+                          <a:effectLst/>
+                        </a:rPr>
+                        <a:t>0.3</a:t>
+                      </a:r>
+                      <a:endParaRPr lang="pt-BR" sz="2000">
+                        <a:effectLst/>
+                        <a:latin typeface="Calibri" panose="020F0502020204030204" pitchFamily="34" charset="0"/>
+                        <a:ea typeface="Calibri" panose="020F0502020204030204" pitchFamily="34" charset="0"/>
+                        <a:cs typeface="Calibri" panose="020F0502020204030204" pitchFamily="34" charset="0"/>
+                      </a:endParaRPr>
+                    </a:p>
+                  </a:txBody>
+                  <a:tcPr marL="68580" marR="68580" marT="0" marB="0"/>
+                </a:tc>
+                <a:tc>
+                  <a:txBody>
+                    <a:bodyPr/>
+                    <a:lstStyle/>
+                    <a:p>
+                      <a:pPr algn="ctr">
+                        <a:spcAft>
+                          <a:spcPts val="1200"/>
+                        </a:spcAft>
+                      </a:pPr>
+                      <a:r>
+                        <a:rPr lang="pt-BR" sz="2000" dirty="0">
+                          <a:effectLst/>
+                        </a:rPr>
+                        <a:t>0.1</a:t>
+                      </a:r>
+                      <a:endParaRPr lang="pt-BR" sz="2000" dirty="0">
+                        <a:effectLst/>
+                        <a:latin typeface="Calibri" panose="020F0502020204030204" pitchFamily="34" charset="0"/>
+                        <a:ea typeface="Calibri" panose="020F0502020204030204" pitchFamily="34" charset="0"/>
+                        <a:cs typeface="Calibri" panose="020F0502020204030204" pitchFamily="34" charset="0"/>
+                      </a:endParaRPr>
+                    </a:p>
+                  </a:txBody>
+                  <a:tcPr marL="68580" marR="68580" marT="0" marB="0"/>
+                </a:tc>
+                <a:tc>
+                  <a:txBody>
+                    <a:bodyPr/>
+                    <a:lstStyle/>
+                    <a:p>
+                      <a:pPr algn="ctr">
+                        <a:spcAft>
+                          <a:spcPts val="1200"/>
+                        </a:spcAft>
+                      </a:pPr>
+                      <a:r>
+                        <a:rPr lang="pt-BR" sz="2000">
                           <a:effectLst/>
                         </a:rPr>
                         <a:t>0.7</a:t>
                       </a:r>
-                      <a:endParaRPr lang="pt-BR" sz="2000" dirty="0">
-                        <a:effectLst/>
-                        <a:latin typeface="Calibri" panose="020F0502020204030204" pitchFamily="34" charset="0"/>
-                        <a:ea typeface="Calibri" panose="020F0502020204030204" pitchFamily="34" charset="0"/>
-                        <a:cs typeface="Calibri" panose="020F0502020204030204" pitchFamily="34" charset="0"/>
-                      </a:endParaRPr>
-                    </a:p>
-                  </a:txBody>
-                  <a:tcPr marL="68580" marR="68580" marT="0" marB="0">
-                    <a:lnL w="12700" cap="flat" cmpd="sng" algn="ctr">
-                      <a:solidFill>
-                        <a:schemeClr val="tx1"/>
-                      </a:solidFill>
-                      <a:prstDash val="solid"/>
-                      <a:round/>
-                      <a:headEnd type="none" w="med" len="med"/>
-                      <a:tailEnd type="none" w="med" len="med"/>
-                    </a:lnL>
-                    <a:lnR w="12700" cap="flat" cmpd="sng" algn="ctr">
-                      <a:solidFill>
-                        <a:schemeClr val="tx1"/>
-                      </a:solidFill>
-                      <a:prstDash val="solid"/>
-                      <a:round/>
-                      <a:headEnd type="none" w="med" len="med"/>
-                      <a:tailEnd type="none" w="med" len="med"/>
-                    </a:lnR>
-                    <a:solidFill>
-                      <a:schemeClr val="bg1">
-                        <a:lumMod val="75000"/>
-                      </a:schemeClr>
-                    </a:solidFill>
-                  </a:tcPr>
-                </a:tc>
-                <a:tc>
-                  <a:txBody>
-                    <a:bodyPr/>
-                    <a:lstStyle/>
-                    <a:p>
-                      <a:pPr algn="ctr">
-                        <a:spcAft>
-                          <a:spcPts val="1200"/>
-                        </a:spcAft>
-                      </a:pPr>
-                      <a:r>
-                        <a:rPr lang="pt-BR" sz="2000" dirty="0">
-                          <a:effectLst/>
-                        </a:rPr>
-                        <a:t>0.04</a:t>
-                      </a:r>
-                      <a:endParaRPr lang="pt-BR" sz="2000" dirty="0">
-                        <a:effectLst/>
-                        <a:latin typeface="Calibri" panose="020F0502020204030204" pitchFamily="34" charset="0"/>
-                        <a:ea typeface="Calibri" panose="020F0502020204030204" pitchFamily="34" charset="0"/>
-                        <a:cs typeface="Calibri" panose="020F0502020204030204" pitchFamily="34" charset="0"/>
-                      </a:endParaRPr>
-                    </a:p>
-                  </a:txBody>
-                  <a:tcPr marL="68580" marR="68580" marT="0" marB="0">
-                    <a:lnL w="12700" cap="flat" cmpd="sng" algn="ctr">
-                      <a:solidFill>
-                        <a:schemeClr val="tx1"/>
-                      </a:solidFill>
-                      <a:prstDash val="solid"/>
-                      <a:round/>
-                      <a:headEnd type="none" w="med" len="med"/>
-                      <a:tailEnd type="none" w="med" len="med"/>
-                    </a:lnL>
-                    <a:solidFill>
-                      <a:srgbClr val="00B0F0"/>
-                    </a:solidFill>
-                  </a:tcPr>
-                </a:tc>
-                <a:tc>
-                  <a:txBody>
-                    <a:bodyPr/>
-                    <a:lstStyle/>
-                    <a:p>
-                      <a:pPr algn="ctr">
-                        <a:spcAft>
-                          <a:spcPts val="1200"/>
-                        </a:spcAft>
-                      </a:pPr>
-                      <a:r>
-                        <a:rPr lang="pt-BR" sz="2000" dirty="0">
-                          <a:effectLst/>
-                        </a:rPr>
-                        <a:t>0.07</a:t>
-                      </a:r>
-                      <a:endParaRPr lang="pt-BR" sz="2000" dirty="0">
+                      <a:endParaRPr lang="pt-BR" sz="2000">
                         <a:effectLst/>
                         <a:latin typeface="Calibri" panose="020F0502020204030204" pitchFamily="34" charset="0"/>
                         <a:ea typeface="Calibri" panose="020F0502020204030204" pitchFamily="34" charset="0"/>
@@ -6213,7 +6926,7 @@
                         <a:rPr lang="pt-BR" sz="2000" dirty="0">
                           <a:effectLst/>
                         </a:rPr>
-                        <a:t>0.14</a:t>
+                        <a:t>0.1</a:t>
                       </a:r>
                       <a:endParaRPr lang="pt-BR" sz="2000" dirty="0">
                         <a:effectLst/>
@@ -6224,180 +6937,31 @@
                     </a:p>
                   </a:txBody>
                   <a:tcPr marL="68580" marR="68580" marT="0" marB="0"/>
-                </a:tc>
-                <a:tc>
-                  <a:txBody>
-                    <a:bodyPr/>
-                    <a:lstStyle/>
-                    <a:p>
-                      <a:pPr algn="ctr">
-                        <a:spcAft>
-                          <a:spcPts val="1200"/>
-                        </a:spcAft>
-                      </a:pPr>
-                      <a:r>
-                        <a:rPr lang="pt-BR" sz="2000" dirty="0">
-                          <a:effectLst/>
-                        </a:rPr>
-                        <a:t>0.28</a:t>
-                      </a:r>
-                      <a:endParaRPr lang="pt-BR" sz="2000" dirty="0">
-                        <a:effectLst/>
-                        <a:latin typeface="Calibri" panose="020F0502020204030204" pitchFamily="34" charset="0"/>
-                        <a:ea typeface="Calibri" panose="020F0502020204030204" pitchFamily="34" charset="0"/>
-                        <a:cs typeface="Calibri" panose="020F0502020204030204" pitchFamily="34" charset="0"/>
-                      </a:endParaRPr>
-                    </a:p>
-                  </a:txBody>
-                  <a:tcPr marL="68580" marR="68580" marT="0" marB="0">
-                    <a:solidFill>
-                      <a:srgbClr val="C0504D"/>
-                    </a:solidFill>
-                  </a:tcPr>
-                </a:tc>
-                <a:tc>
-                  <a:txBody>
-                    <a:bodyPr/>
-                    <a:lstStyle/>
-                    <a:p>
-                      <a:pPr algn="ctr">
-                        <a:spcAft>
-                          <a:spcPts val="1200"/>
-                        </a:spcAft>
-                      </a:pPr>
-                      <a:r>
-                        <a:rPr lang="pt-BR" sz="2000">
-                          <a:effectLst/>
-                        </a:rPr>
-                        <a:t>0.56</a:t>
-                      </a:r>
-                      <a:endParaRPr lang="pt-BR" sz="2000">
-                        <a:effectLst/>
-                        <a:latin typeface="Calibri" panose="020F0502020204030204" pitchFamily="34" charset="0"/>
-                        <a:ea typeface="Calibri" panose="020F0502020204030204" pitchFamily="34" charset="0"/>
-                        <a:cs typeface="Calibri" panose="020F0502020204030204" pitchFamily="34" charset="0"/>
-                      </a:endParaRPr>
-                    </a:p>
-                  </a:txBody>
-                  <a:tcPr marL="68580" marR="68580" marT="0" marB="0">
-                    <a:solidFill>
-                      <a:srgbClr val="C0504D"/>
-                    </a:solidFill>
-                  </a:tcPr>
                 </a:tc>
                 <a:extLst>
                   <a:ext uri="{0D108BD9-81ED-4DB2-BD59-A6C34878D82A}">
-                    <a16:rowId xmlns:a16="http://schemas.microsoft.com/office/drawing/2014/main" val="10002"/>
+                    <a16:rowId xmlns:a16="http://schemas.microsoft.com/office/drawing/2014/main" xmlns="" val="10002"/>
                   </a:ext>
                 </a:extLst>
               </a:tr>
-              <a:tr h="508820">
-                <a:tc>
-                  <a:txBody>
-                    <a:bodyPr/>
-                    <a:lstStyle/>
-                    <a:p>
-                      <a:pPr algn="ctr">
-                        <a:spcAft>
-                          <a:spcPts val="1200"/>
-                        </a:spcAft>
-                      </a:pPr>
-                      <a:r>
-                        <a:rPr lang="pt-BR" sz="2000" dirty="0">
-                          <a:effectLst/>
-                        </a:rPr>
-                        <a:t>0.5</a:t>
-                      </a:r>
-                      <a:endParaRPr lang="pt-BR" sz="2000" dirty="0">
-                        <a:effectLst/>
-                        <a:latin typeface="Calibri" panose="020F0502020204030204" pitchFamily="34" charset="0"/>
-                        <a:ea typeface="Calibri" panose="020F0502020204030204" pitchFamily="34" charset="0"/>
-                        <a:cs typeface="Calibri" panose="020F0502020204030204" pitchFamily="34" charset="0"/>
-                      </a:endParaRPr>
-                    </a:p>
-                  </a:txBody>
-                  <a:tcPr marL="68580" marR="68580" marT="0" marB="0">
-                    <a:lnL w="12700" cap="flat" cmpd="sng" algn="ctr">
-                      <a:solidFill>
-                        <a:schemeClr val="tx1"/>
-                      </a:solidFill>
-                      <a:prstDash val="solid"/>
-                      <a:round/>
-                      <a:headEnd type="none" w="med" len="med"/>
-                      <a:tailEnd type="none" w="med" len="med"/>
-                    </a:lnL>
-                    <a:lnR w="12700" cap="flat" cmpd="sng" algn="ctr">
-                      <a:solidFill>
-                        <a:schemeClr val="tx1"/>
-                      </a:solidFill>
-                      <a:prstDash val="solid"/>
-                      <a:round/>
-                      <a:headEnd type="none" w="med" len="med"/>
-                      <a:tailEnd type="none" w="med" len="med"/>
-                    </a:lnR>
-                    <a:solidFill>
-                      <a:schemeClr val="bg1">
-                        <a:lumMod val="75000"/>
-                      </a:schemeClr>
-                    </a:solidFill>
-                  </a:tcPr>
-                </a:tc>
-                <a:tc>
-                  <a:txBody>
-                    <a:bodyPr/>
-                    <a:lstStyle/>
-                    <a:p>
-                      <a:pPr algn="ctr">
-                        <a:spcAft>
-                          <a:spcPts val="1200"/>
-                        </a:spcAft>
-                      </a:pPr>
-                      <a:r>
-                        <a:rPr lang="pt-BR" sz="2000" dirty="0">
-                          <a:effectLst/>
-                        </a:rPr>
-                        <a:t>0.03</a:t>
-                      </a:r>
-                      <a:endParaRPr lang="pt-BR" sz="2000" dirty="0">
-                        <a:effectLst/>
-                        <a:latin typeface="Calibri" panose="020F0502020204030204" pitchFamily="34" charset="0"/>
-                        <a:ea typeface="Calibri" panose="020F0502020204030204" pitchFamily="34" charset="0"/>
-                        <a:cs typeface="Calibri" panose="020F0502020204030204" pitchFamily="34" charset="0"/>
-                      </a:endParaRPr>
-                    </a:p>
-                  </a:txBody>
-                  <a:tcPr marL="68580" marR="68580" marT="0" marB="0">
-                    <a:lnL w="12700" cap="flat" cmpd="sng" algn="ctr">
-                      <a:solidFill>
-                        <a:schemeClr val="tx1"/>
-                      </a:solidFill>
-                      <a:prstDash val="solid"/>
-                      <a:round/>
-                      <a:headEnd type="none" w="med" len="med"/>
-                      <a:tailEnd type="none" w="med" len="med"/>
-                    </a:lnL>
-                    <a:solidFill>
-                      <a:srgbClr val="00B0F0"/>
-                    </a:solidFill>
-                  </a:tcPr>
-                </a:tc>
-                <a:tc>
-                  <a:txBody>
-                    <a:bodyPr/>
-                    <a:lstStyle/>
-                    <a:p>
-                      <a:pPr algn="ctr">
-                        <a:spcAft>
-                          <a:spcPts val="1200"/>
-                        </a:spcAft>
-                      </a:pPr>
-                      <a:r>
-                        <a:rPr lang="pt-BR" sz="2000" dirty="0">
-                          <a:effectLst/>
-                        </a:rPr>
-                        <a:t>0.05</a:t>
-                      </a:r>
-                      <a:endParaRPr lang="pt-BR" sz="2000" dirty="0">
+              <a:tr h="272845">
+                <a:tc>
+                  <a:txBody>
+                    <a:bodyPr/>
+                    <a:lstStyle/>
+                    <a:p>
+                      <a:pPr algn="ctr">
+                        <a:spcAft>
+                          <a:spcPts val="1200"/>
+                        </a:spcAft>
+                      </a:pPr>
+                      <a:r>
+                        <a:rPr lang="pt-BR" sz="2000">
+                          <a:effectLst/>
+                        </a:rPr>
+                        <a:t>Impacto</a:t>
+                      </a:r>
+                      <a:endParaRPr lang="pt-BR" sz="2000">
                         <a:effectLst/>
                         <a:latin typeface="Calibri" panose="020F0502020204030204" pitchFamily="34" charset="0"/>
                         <a:ea typeface="Calibri" panose="020F0502020204030204" pitchFamily="34" charset="0"/>
@@ -6418,12 +6982,12 @@
                         </a:spcAft>
                       </a:pPr>
                       <a:r>
-                        <a:rPr lang="pt-BR" sz="2000" dirty="0">
-                          <a:effectLst/>
-                        </a:rPr>
-                        <a:t>0.1</a:t>
-                      </a:r>
-                      <a:endParaRPr lang="pt-BR" sz="2000" dirty="0">
+                        <a:rPr lang="pt-BR" sz="2000">
+                          <a:effectLst/>
+                        </a:rPr>
+                        <a:t>0.8</a:t>
+                      </a:r>
+                      <a:endParaRPr lang="pt-BR" sz="2000">
                         <a:effectLst/>
                         <a:latin typeface="Calibri" panose="020F0502020204030204" pitchFamily="34" charset="0"/>
                         <a:ea typeface="Calibri" panose="020F0502020204030204" pitchFamily="34" charset="0"/>
@@ -6447,195 +7011,146 @@
                         <a:rPr lang="pt-BR" sz="2000" dirty="0">
                           <a:effectLst/>
                         </a:rPr>
-                        <a:t>0.20</a:t>
-                      </a:r>
-                      <a:endParaRPr lang="pt-BR" sz="2000" dirty="0">
-                        <a:effectLst/>
-                        <a:latin typeface="Calibri" panose="020F0502020204030204" pitchFamily="34" charset="0"/>
-                        <a:ea typeface="Calibri" panose="020F0502020204030204" pitchFamily="34" charset="0"/>
-                        <a:cs typeface="Calibri" panose="020F0502020204030204" pitchFamily="34" charset="0"/>
-                      </a:endParaRPr>
-                    </a:p>
-                  </a:txBody>
-                  <a:tcPr marL="68580" marR="68580" marT="0" marB="0">
-                    <a:solidFill>
-                      <a:srgbClr val="C0504D"/>
-                    </a:solidFill>
-                  </a:tcPr>
-                </a:tc>
-                <a:tc>
-                  <a:txBody>
-                    <a:bodyPr/>
-                    <a:lstStyle/>
-                    <a:p>
-                      <a:pPr algn="ctr">
-                        <a:spcAft>
-                          <a:spcPts val="1200"/>
-                        </a:spcAft>
-                      </a:pPr>
-                      <a:r>
-                        <a:rPr lang="pt-BR" sz="2000" dirty="0">
-                          <a:effectLst/>
-                        </a:rPr>
-                        <a:t>0.40</a:t>
-                      </a:r>
-                      <a:endParaRPr lang="pt-BR" sz="2000" dirty="0">
-                        <a:effectLst/>
-                        <a:latin typeface="Calibri" panose="020F0502020204030204" pitchFamily="34" charset="0"/>
-                        <a:ea typeface="Calibri" panose="020F0502020204030204" pitchFamily="34" charset="0"/>
-                        <a:cs typeface="Calibri" panose="020F0502020204030204" pitchFamily="34" charset="0"/>
-                      </a:endParaRPr>
-                    </a:p>
-                  </a:txBody>
-                  <a:tcPr marL="68580" marR="68580" marT="0" marB="0">
-                    <a:solidFill>
-                      <a:srgbClr val="C0504D"/>
-                    </a:solidFill>
-                  </a:tcPr>
+                        <a:t>0.2</a:t>
+                      </a:r>
+                      <a:endParaRPr lang="pt-BR" sz="2000" dirty="0">
+                        <a:effectLst/>
+                        <a:latin typeface="Calibri" panose="020F0502020204030204" pitchFamily="34" charset="0"/>
+                        <a:ea typeface="Calibri" panose="020F0502020204030204" pitchFamily="34" charset="0"/>
+                        <a:cs typeface="Calibri" panose="020F0502020204030204" pitchFamily="34" charset="0"/>
+                      </a:endParaRPr>
+                    </a:p>
+                  </a:txBody>
+                  <a:tcPr marL="68580" marR="68580" marT="0" marB="0"/>
+                </a:tc>
+                <a:tc>
+                  <a:txBody>
+                    <a:bodyPr/>
+                    <a:lstStyle/>
+                    <a:p>
+                      <a:pPr algn="ctr">
+                        <a:spcAft>
+                          <a:spcPts val="1200"/>
+                        </a:spcAft>
+                      </a:pPr>
+                      <a:r>
+                        <a:rPr lang="pt-BR" sz="2000">
+                          <a:effectLst/>
+                        </a:rPr>
+                        <a:t>0.8</a:t>
+                      </a:r>
+                      <a:endParaRPr lang="pt-BR" sz="2000">
+                        <a:effectLst/>
+                        <a:latin typeface="Calibri" panose="020F0502020204030204" pitchFamily="34" charset="0"/>
+                        <a:ea typeface="Calibri" panose="020F0502020204030204" pitchFamily="34" charset="0"/>
+                        <a:cs typeface="Calibri" panose="020F0502020204030204" pitchFamily="34" charset="0"/>
+                      </a:endParaRPr>
+                    </a:p>
+                  </a:txBody>
+                  <a:tcPr marL="68580" marR="68580" marT="0" marB="0"/>
+                </a:tc>
+                <a:tc>
+                  <a:txBody>
+                    <a:bodyPr/>
+                    <a:lstStyle/>
+                    <a:p>
+                      <a:pPr algn="ctr">
+                        <a:spcAft>
+                          <a:spcPts val="1200"/>
+                        </a:spcAft>
+                      </a:pPr>
+                      <a:r>
+                        <a:rPr lang="pt-BR" sz="2000">
+                          <a:effectLst/>
+                        </a:rPr>
+                        <a:t>0.8</a:t>
+                      </a:r>
+                      <a:endParaRPr lang="pt-BR" sz="2000">
+                        <a:effectLst/>
+                        <a:latin typeface="Calibri" panose="020F0502020204030204" pitchFamily="34" charset="0"/>
+                        <a:ea typeface="Calibri" panose="020F0502020204030204" pitchFamily="34" charset="0"/>
+                        <a:cs typeface="Calibri" panose="020F0502020204030204" pitchFamily="34" charset="0"/>
+                      </a:endParaRPr>
+                    </a:p>
+                  </a:txBody>
+                  <a:tcPr marL="68580" marR="68580" marT="0" marB="0"/>
                 </a:tc>
                 <a:extLst>
                   <a:ext uri="{0D108BD9-81ED-4DB2-BD59-A6C34878D82A}">
-                    <a16:rowId xmlns:a16="http://schemas.microsoft.com/office/drawing/2014/main" val="10003"/>
+                    <a16:rowId xmlns:a16="http://schemas.microsoft.com/office/drawing/2014/main" xmlns="" val="10003"/>
                   </a:ext>
                 </a:extLst>
               </a:tr>
-              <a:tr h="508820">
-                <a:tc>
-                  <a:txBody>
-                    <a:bodyPr/>
-                    <a:lstStyle/>
-                    <a:p>
-                      <a:pPr algn="ctr">
-                        <a:spcAft>
-                          <a:spcPts val="1200"/>
-                        </a:spcAft>
-                      </a:pPr>
-                      <a:r>
-                        <a:rPr lang="pt-BR" sz="2000" dirty="0">
-                          <a:effectLst/>
-                        </a:rPr>
-                        <a:t>0.3</a:t>
-                      </a:r>
-                      <a:endParaRPr lang="pt-BR" sz="2000" dirty="0">
-                        <a:effectLst/>
-                        <a:latin typeface="Calibri" panose="020F0502020204030204" pitchFamily="34" charset="0"/>
-                        <a:ea typeface="Calibri" panose="020F0502020204030204" pitchFamily="34" charset="0"/>
-                        <a:cs typeface="Calibri" panose="020F0502020204030204" pitchFamily="34" charset="0"/>
-                      </a:endParaRPr>
-                    </a:p>
-                  </a:txBody>
-                  <a:tcPr marL="68580" marR="68580" marT="0" marB="0">
-                    <a:lnL w="12700" cap="flat" cmpd="sng" algn="ctr">
-                      <a:solidFill>
-                        <a:schemeClr val="tx1"/>
-                      </a:solidFill>
-                      <a:prstDash val="solid"/>
-                      <a:round/>
-                      <a:headEnd type="none" w="med" len="med"/>
-                      <a:tailEnd type="none" w="med" len="med"/>
-                    </a:lnL>
-                    <a:lnR w="12700" cap="flat" cmpd="sng" algn="ctr">
-                      <a:solidFill>
-                        <a:schemeClr val="tx1"/>
-                      </a:solidFill>
-                      <a:prstDash val="solid"/>
-                      <a:round/>
-                      <a:headEnd type="none" w="med" len="med"/>
-                      <a:tailEnd type="none" w="med" len="med"/>
-                    </a:lnR>
-                    <a:solidFill>
-                      <a:schemeClr val="bg1">
-                        <a:lumMod val="75000"/>
-                      </a:schemeClr>
-                    </a:solidFill>
-                  </a:tcPr>
-                </a:tc>
-                <a:tc>
-                  <a:txBody>
-                    <a:bodyPr/>
-                    <a:lstStyle/>
-                    <a:p>
-                      <a:pPr algn="ctr">
-                        <a:spcAft>
-                          <a:spcPts val="1200"/>
-                        </a:spcAft>
-                      </a:pPr>
-                      <a:r>
-                        <a:rPr lang="pt-BR" sz="2000" dirty="0">
+              <a:tr h="545690">
+                <a:tc>
+                  <a:txBody>
+                    <a:bodyPr/>
+                    <a:lstStyle/>
+                    <a:p>
+                      <a:pPr algn="ctr">
+                        <a:spcAft>
+                          <a:spcPts val="1200"/>
+                        </a:spcAft>
+                      </a:pPr>
+                      <a:r>
+                        <a:rPr lang="pt-BR" sz="2000">
+                          <a:effectLst/>
+                        </a:rPr>
+                        <a:t>Probabilidade*Impacto</a:t>
+                      </a:r>
+                      <a:endParaRPr lang="pt-BR" sz="2000">
+                        <a:effectLst/>
+                        <a:latin typeface="Calibri" panose="020F0502020204030204" pitchFamily="34" charset="0"/>
+                        <a:ea typeface="Calibri" panose="020F0502020204030204" pitchFamily="34" charset="0"/>
+                        <a:cs typeface="Calibri" panose="020F0502020204030204" pitchFamily="34" charset="0"/>
+                      </a:endParaRPr>
+                    </a:p>
+                  </a:txBody>
+                  <a:tcPr marL="68580" marR="68580" marT="0" marB="0"/>
+                </a:tc>
+                <a:tc>
+                  <a:txBody>
+                    <a:bodyPr/>
+                    <a:lstStyle/>
+                    <a:p>
+                      <a:pPr algn="ctr">
+                        <a:spcAft>
+                          <a:spcPts val="1200"/>
+                        </a:spcAft>
+                      </a:pPr>
+                      <a:r>
+                        <a:rPr lang="pt-BR" sz="2000" dirty="0">
+                          <a:effectLst/>
+                        </a:rPr>
+                        <a:t>0.24</a:t>
+                      </a:r>
+                      <a:endParaRPr lang="pt-BR" sz="2000" dirty="0">
+                        <a:effectLst/>
+                        <a:latin typeface="Calibri" panose="020F0502020204030204" pitchFamily="34" charset="0"/>
+                        <a:ea typeface="Calibri" panose="020F0502020204030204" pitchFamily="34" charset="0"/>
+                        <a:cs typeface="Calibri" panose="020F0502020204030204" pitchFamily="34" charset="0"/>
+                      </a:endParaRPr>
+                    </a:p>
+                  </a:txBody>
+                  <a:tcPr marL="68580" marR="68580" marT="0" marB="0"/>
+                </a:tc>
+                <a:tc>
+                  <a:txBody>
+                    <a:bodyPr/>
+                    <a:lstStyle/>
+                    <a:p>
+                      <a:pPr algn="ctr">
+                        <a:spcAft>
+                          <a:spcPts val="1200"/>
+                        </a:spcAft>
+                      </a:pPr>
+                      <a:r>
+                        <a:rPr lang="pt-BR" sz="2000">
                           <a:effectLst/>
                         </a:rPr>
                         <a:t>0.02</a:t>
                       </a:r>
-                      <a:endParaRPr lang="pt-BR" sz="2000" dirty="0">
-                        <a:effectLst/>
-                        <a:latin typeface="Calibri" panose="020F0502020204030204" pitchFamily="34" charset="0"/>
-                        <a:ea typeface="Calibri" panose="020F0502020204030204" pitchFamily="34" charset="0"/>
-                        <a:cs typeface="Calibri" panose="020F0502020204030204" pitchFamily="34" charset="0"/>
-                      </a:endParaRPr>
-                    </a:p>
-                  </a:txBody>
-                  <a:tcPr marL="68580" marR="68580" marT="0" marB="0">
-                    <a:lnL w="12700" cap="flat" cmpd="sng" algn="ctr">
-                      <a:solidFill>
-                        <a:schemeClr val="tx1"/>
-                      </a:solidFill>
-                      <a:prstDash val="solid"/>
-                      <a:round/>
-                      <a:headEnd type="none" w="med" len="med"/>
-                      <a:tailEnd type="none" w="med" len="med"/>
-                    </a:lnL>
-                    <a:solidFill>
-                      <a:srgbClr val="00B0F0"/>
-                    </a:solidFill>
-                  </a:tcPr>
-                </a:tc>
-                <a:tc>
-                  <a:txBody>
-                    <a:bodyPr/>
-                    <a:lstStyle/>
-                    <a:p>
-                      <a:pPr algn="ctr">
-                        <a:spcAft>
-                          <a:spcPts val="1200"/>
-                        </a:spcAft>
-                      </a:pPr>
-                      <a:r>
-                        <a:rPr lang="pt-BR" sz="2000" dirty="0">
-                          <a:effectLst/>
-                        </a:rPr>
-                        <a:t>0.03</a:t>
-                      </a:r>
-                      <a:endParaRPr lang="pt-BR" sz="2000" dirty="0">
-                        <a:effectLst/>
-                        <a:latin typeface="Calibri" panose="020F0502020204030204" pitchFamily="34" charset="0"/>
-                        <a:ea typeface="Calibri" panose="020F0502020204030204" pitchFamily="34" charset="0"/>
-                        <a:cs typeface="Calibri" panose="020F0502020204030204" pitchFamily="34" charset="0"/>
-                      </a:endParaRPr>
-                    </a:p>
-                  </a:txBody>
-                  <a:tcPr marL="68580" marR="68580" marT="0" marB="0">
-                    <a:solidFill>
-                      <a:srgbClr val="00B0F0"/>
-                    </a:solidFill>
-                  </a:tcPr>
-                </a:tc>
-                <a:tc>
-                  <a:txBody>
-                    <a:bodyPr/>
-                    <a:lstStyle/>
-                    <a:p>
-                      <a:pPr algn="ctr">
-                        <a:spcAft>
-                          <a:spcPts val="1200"/>
-                        </a:spcAft>
-                      </a:pPr>
-                      <a:r>
-                        <a:rPr lang="pt-BR" sz="2000" dirty="0">
-                          <a:effectLst/>
-                        </a:rPr>
-                        <a:t>0.06</a:t>
-                      </a:r>
-                      <a:endParaRPr lang="pt-BR" sz="2000" dirty="0">
+                      <a:endParaRPr lang="pt-BR" sz="2000">
                         <a:effectLst/>
                         <a:latin typeface="Calibri" panose="020F0502020204030204" pitchFamily="34" charset="0"/>
                         <a:ea typeface="Calibri" panose="020F0502020204030204" pitchFamily="34" charset="0"/>
@@ -6659,7 +7174,7 @@
                         <a:rPr lang="pt-BR" sz="2000" dirty="0">
                           <a:effectLst/>
                         </a:rPr>
-                        <a:t>0.12</a:t>
+                        <a:t>0.56</a:t>
                       </a:r>
                       <a:endParaRPr lang="pt-BR" sz="2000" dirty="0">
                         <a:effectLst/>
@@ -6685,202 +7200,40 @@
                         <a:rPr lang="pt-BR" sz="2000" dirty="0">
                           <a:effectLst/>
                         </a:rPr>
-                        <a:t>0.24</a:t>
-                      </a:r>
-                      <a:endParaRPr lang="pt-BR" sz="2000" dirty="0">
-                        <a:effectLst/>
-                        <a:latin typeface="Calibri" panose="020F0502020204030204" pitchFamily="34" charset="0"/>
-                        <a:ea typeface="Calibri" panose="020F0502020204030204" pitchFamily="34" charset="0"/>
-                        <a:cs typeface="Calibri" panose="020F0502020204030204" pitchFamily="34" charset="0"/>
-                      </a:endParaRPr>
-                    </a:p>
-                  </a:txBody>
-                  <a:tcPr marL="68580" marR="68580" marT="0" marB="0">
-                    <a:solidFill>
-                      <a:srgbClr val="C0504D"/>
-                    </a:solidFill>
-                  </a:tcPr>
+                        <a:t>0.08</a:t>
+                      </a:r>
+                      <a:endParaRPr lang="pt-BR" sz="2000" dirty="0">
+                        <a:effectLst/>
+                        <a:latin typeface="Calibri" panose="020F0502020204030204" pitchFamily="34" charset="0"/>
+                        <a:ea typeface="Calibri" panose="020F0502020204030204" pitchFamily="34" charset="0"/>
+                        <a:cs typeface="Calibri" panose="020F0502020204030204" pitchFamily="34" charset="0"/>
+                      </a:endParaRPr>
+                    </a:p>
+                  </a:txBody>
+                  <a:tcPr marL="68580" marR="68580" marT="0" marB="0"/>
                 </a:tc>
                 <a:extLst>
                   <a:ext uri="{0D108BD9-81ED-4DB2-BD59-A6C34878D82A}">
-                    <a16:rowId xmlns:a16="http://schemas.microsoft.com/office/drawing/2014/main" val="10004"/>
+                    <a16:rowId xmlns:a16="http://schemas.microsoft.com/office/drawing/2014/main" xmlns="" val="10004"/>
                   </a:ext>
                 </a:extLst>
               </a:tr>
-              <a:tr h="508820">
-                <a:tc>
-                  <a:txBody>
-                    <a:bodyPr/>
-                    <a:lstStyle/>
-                    <a:p>
-                      <a:pPr algn="ctr">
-                        <a:spcAft>
-                          <a:spcPts val="1200"/>
-                        </a:spcAft>
-                      </a:pPr>
-                      <a:r>
-                        <a:rPr lang="pt-BR" sz="2000" dirty="0">
-                          <a:effectLst/>
-                        </a:rPr>
-                        <a:t>0.1</a:t>
-                      </a:r>
-                      <a:endParaRPr lang="pt-BR" sz="2000" dirty="0">
-                        <a:effectLst/>
-                        <a:latin typeface="Calibri" panose="020F0502020204030204" pitchFamily="34" charset="0"/>
-                        <a:ea typeface="Calibri" panose="020F0502020204030204" pitchFamily="34" charset="0"/>
-                        <a:cs typeface="Calibri" panose="020F0502020204030204" pitchFamily="34" charset="0"/>
-                      </a:endParaRPr>
-                    </a:p>
-                  </a:txBody>
-                  <a:tcPr marL="68580" marR="68580" marT="0" marB="0">
-                    <a:lnL w="12700" cap="flat" cmpd="sng" algn="ctr">
-                      <a:solidFill>
-                        <a:schemeClr val="tx1"/>
-                      </a:solidFill>
-                      <a:prstDash val="solid"/>
-                      <a:round/>
-                      <a:headEnd type="none" w="med" len="med"/>
-                      <a:tailEnd type="none" w="med" len="med"/>
-                    </a:lnL>
-                    <a:lnR w="12700" cap="flat" cmpd="sng" algn="ctr">
-                      <a:solidFill>
-                        <a:schemeClr val="tx1"/>
-                      </a:solidFill>
-                      <a:prstDash val="solid"/>
-                      <a:round/>
-                      <a:headEnd type="none" w="med" len="med"/>
-                      <a:tailEnd type="none" w="med" len="med"/>
-                    </a:lnR>
-                    <a:lnB w="12700" cap="flat" cmpd="sng" algn="ctr">
-                      <a:solidFill>
-                        <a:schemeClr val="tx1"/>
-                      </a:solidFill>
-                      <a:prstDash val="solid"/>
-                      <a:round/>
-                      <a:headEnd type="none" w="med" len="med"/>
-                      <a:tailEnd type="none" w="med" len="med"/>
-                    </a:lnB>
-                    <a:solidFill>
-                      <a:schemeClr val="bg1">
-                        <a:lumMod val="75000"/>
-                      </a:schemeClr>
-                    </a:solidFill>
-                  </a:tcPr>
-                </a:tc>
-                <a:tc>
-                  <a:txBody>
-                    <a:bodyPr/>
-                    <a:lstStyle/>
-                    <a:p>
-                      <a:pPr algn="ctr">
-                        <a:spcAft>
-                          <a:spcPts val="1200"/>
-                        </a:spcAft>
-                      </a:pPr>
-                      <a:r>
-                        <a:rPr lang="pt-BR" sz="2000" dirty="0">
-                          <a:effectLst/>
-                        </a:rPr>
-                        <a:t>0.01</a:t>
-                      </a:r>
-                      <a:endParaRPr lang="pt-BR" sz="2000" dirty="0">
-                        <a:effectLst/>
-                        <a:latin typeface="Calibri" panose="020F0502020204030204" pitchFamily="34" charset="0"/>
-                        <a:ea typeface="Calibri" panose="020F0502020204030204" pitchFamily="34" charset="0"/>
-                        <a:cs typeface="Calibri" panose="020F0502020204030204" pitchFamily="34" charset="0"/>
-                      </a:endParaRPr>
-                    </a:p>
-                  </a:txBody>
-                  <a:tcPr marL="68580" marR="68580" marT="0" marB="0">
-                    <a:lnL w="12700" cap="flat" cmpd="sng" algn="ctr">
-                      <a:solidFill>
-                        <a:schemeClr val="tx1"/>
-                      </a:solidFill>
-                      <a:prstDash val="solid"/>
-                      <a:round/>
-                      <a:headEnd type="none" w="med" len="med"/>
-                      <a:tailEnd type="none" w="med" len="med"/>
-                    </a:lnL>
-                    <a:solidFill>
-                      <a:srgbClr val="00B0F0"/>
-                    </a:solidFill>
-                  </a:tcPr>
-                </a:tc>
-                <a:tc>
-                  <a:txBody>
-                    <a:bodyPr/>
-                    <a:lstStyle/>
-                    <a:p>
-                      <a:pPr algn="ctr">
-                        <a:spcAft>
-                          <a:spcPts val="1200"/>
-                        </a:spcAft>
-                      </a:pPr>
-                      <a:r>
-                        <a:rPr lang="pt-BR" sz="2000" dirty="0">
-                          <a:effectLst/>
-                        </a:rPr>
-                        <a:t>0.01</a:t>
-                      </a:r>
-                      <a:endParaRPr lang="pt-BR" sz="2000" dirty="0">
-                        <a:effectLst/>
-                        <a:latin typeface="Calibri" panose="020F0502020204030204" pitchFamily="34" charset="0"/>
-                        <a:ea typeface="Calibri" panose="020F0502020204030204" pitchFamily="34" charset="0"/>
-                        <a:cs typeface="Calibri" panose="020F0502020204030204" pitchFamily="34" charset="0"/>
-                      </a:endParaRPr>
-                    </a:p>
-                  </a:txBody>
-                  <a:tcPr marL="68580" marR="68580" marT="0" marB="0">
-                    <a:solidFill>
-                      <a:srgbClr val="00B0F0"/>
-                    </a:solidFill>
-                  </a:tcPr>
-                </a:tc>
-                <a:tc>
-                  <a:txBody>
-                    <a:bodyPr/>
-                    <a:lstStyle/>
-                    <a:p>
-                      <a:pPr algn="ctr">
-                        <a:spcAft>
-                          <a:spcPts val="1200"/>
-                        </a:spcAft>
-                      </a:pPr>
-                      <a:r>
-                        <a:rPr lang="pt-BR" sz="2000" dirty="0">
-                          <a:effectLst/>
-                        </a:rPr>
-                        <a:t>0.02</a:t>
-                      </a:r>
-                      <a:endParaRPr lang="pt-BR" sz="2000" dirty="0">
-                        <a:effectLst/>
-                        <a:latin typeface="Calibri" panose="020F0502020204030204" pitchFamily="34" charset="0"/>
-                        <a:ea typeface="Calibri" panose="020F0502020204030204" pitchFamily="34" charset="0"/>
-                        <a:cs typeface="Calibri" panose="020F0502020204030204" pitchFamily="34" charset="0"/>
-                      </a:endParaRPr>
-                    </a:p>
-                  </a:txBody>
-                  <a:tcPr marL="68580" marR="68580" marT="0" marB="0">
-                    <a:solidFill>
-                      <a:srgbClr val="00B0F0"/>
-                    </a:solidFill>
-                  </a:tcPr>
-                </a:tc>
-                <a:tc>
-                  <a:txBody>
-                    <a:bodyPr/>
-                    <a:lstStyle/>
-                    <a:p>
-                      <a:pPr algn="ctr">
-                        <a:spcAft>
-                          <a:spcPts val="1200"/>
-                        </a:spcAft>
-                      </a:pPr>
-                      <a:r>
-                        <a:rPr lang="pt-BR" sz="2000" dirty="0">
-                          <a:effectLst/>
-                        </a:rPr>
-                        <a:t>0.04</a:t>
+              <a:tr h="272845">
+                <a:tc>
+                  <a:txBody>
+                    <a:bodyPr/>
+                    <a:lstStyle/>
+                    <a:p>
+                      <a:pPr algn="ctr">
+                        <a:spcAft>
+                          <a:spcPts val="1200"/>
+                        </a:spcAft>
+                      </a:pPr>
+                      <a:r>
+                        <a:rPr lang="pt-BR" sz="2000" dirty="0">
+                          <a:effectLst/>
+                        </a:rPr>
+                        <a:t>Custo para o Projeto</a:t>
                       </a:r>
                       <a:endParaRPr lang="pt-BR" sz="2000" dirty="0">
                         <a:effectLst/>
@@ -6905,8 +7258,86 @@
                       <a:r>
                         <a:rPr lang="pt-BR" sz="2000" dirty="0">
                           <a:effectLst/>
-                        </a:rPr>
-                        <a:t>0.08</a:t>
+                          <a:latin typeface="+mn-lt"/>
+                          <a:ea typeface="+mn-ea"/>
+                          <a:cs typeface="+mn-cs"/>
+                        </a:rPr>
+                        <a:t>624</a:t>
+                      </a:r>
+                      <a:endParaRPr lang="pt-BR" sz="2000" dirty="0">
+                        <a:effectLst/>
+                        <a:latin typeface="Calibri" panose="020F0502020204030204" pitchFamily="34" charset="0"/>
+                        <a:ea typeface="Calibri" panose="020F0502020204030204" pitchFamily="34" charset="0"/>
+                        <a:cs typeface="Calibri" panose="020F0502020204030204" pitchFamily="34" charset="0"/>
+                      </a:endParaRPr>
+                    </a:p>
+                  </a:txBody>
+                  <a:tcPr marL="68580" marR="68580" marT="0" marB="0"/>
+                </a:tc>
+                <a:tc>
+                  <a:txBody>
+                    <a:bodyPr/>
+                    <a:lstStyle/>
+                    <a:p>
+                      <a:pPr algn="ctr">
+                        <a:spcAft>
+                          <a:spcPts val="1200"/>
+                        </a:spcAft>
+                      </a:pPr>
+                      <a:r>
+                        <a:rPr lang="pt-BR" sz="2000" dirty="0">
+                          <a:effectLst/>
+                          <a:latin typeface="Calibri" panose="020F0502020204030204" pitchFamily="34" charset="0"/>
+                          <a:ea typeface="Calibri" panose="020F0502020204030204" pitchFamily="34" charset="0"/>
+                          <a:cs typeface="Calibri" panose="020F0502020204030204" pitchFamily="34" charset="0"/>
+                        </a:rPr>
+                        <a:t>52</a:t>
+                      </a:r>
+                    </a:p>
+                  </a:txBody>
+                  <a:tcPr marL="68580" marR="68580" marT="0" marB="0"/>
+                </a:tc>
+                <a:tc>
+                  <a:txBody>
+                    <a:bodyPr/>
+                    <a:lstStyle/>
+                    <a:p>
+                      <a:pPr algn="ctr">
+                        <a:spcAft>
+                          <a:spcPts val="1200"/>
+                        </a:spcAft>
+                      </a:pPr>
+                      <a:r>
+                        <a:rPr lang="pt-BR" sz="2000" dirty="0">
+                          <a:effectLst/>
+                        </a:rPr>
+                        <a:t>1456</a:t>
+                      </a:r>
+                      <a:endParaRPr lang="pt-BR" sz="2000" dirty="0">
+                        <a:effectLst/>
+                        <a:latin typeface="Calibri" panose="020F0502020204030204" pitchFamily="34" charset="0"/>
+                        <a:ea typeface="Calibri" panose="020F0502020204030204" pitchFamily="34" charset="0"/>
+                        <a:cs typeface="Calibri" panose="020F0502020204030204" pitchFamily="34" charset="0"/>
+                      </a:endParaRPr>
+                    </a:p>
+                  </a:txBody>
+                  <a:tcPr marL="68580" marR="68580" marT="0" marB="0"/>
+                </a:tc>
+                <a:tc>
+                  <a:txBody>
+                    <a:bodyPr/>
+                    <a:lstStyle/>
+                    <a:p>
+                      <a:pPr algn="ctr">
+                        <a:spcAft>
+                          <a:spcPts val="1200"/>
+                        </a:spcAft>
+                      </a:pPr>
+                      <a:r>
+                        <a:rPr lang="pt-BR" sz="2000" dirty="0">
+                          <a:effectLst/>
+                        </a:rPr>
+                        <a:t>208</a:t>
                       </a:r>
                       <a:endParaRPr lang="pt-BR" sz="2000" dirty="0">
                         <a:effectLst/>
@@ -6920,251 +7351,7 @@
                 </a:tc>
                 <a:extLst>
                   <a:ext uri="{0D108BD9-81ED-4DB2-BD59-A6C34878D82A}">
-                    <a16:rowId xmlns:a16="http://schemas.microsoft.com/office/drawing/2014/main" val="10005"/>
-                  </a:ext>
-                </a:extLst>
-              </a:tr>
-              <a:tr h="508820">
-                <a:tc>
-                  <a:txBody>
-                    <a:bodyPr/>
-                    <a:lstStyle/>
-                    <a:p>
-                      <a:pPr algn="ctr">
-                        <a:spcAft>
-                          <a:spcPts val="1200"/>
-                        </a:spcAft>
-                      </a:pPr>
-                      <a:r>
-                        <a:rPr lang="pt-BR" sz="2000" dirty="0">
-                          <a:effectLst/>
-                        </a:rPr>
-                        <a:t>Impacto</a:t>
-                      </a:r>
-                      <a:endParaRPr lang="pt-BR" sz="2000" dirty="0">
-                        <a:effectLst/>
-                        <a:latin typeface="Calibri" panose="020F0502020204030204" pitchFamily="34" charset="0"/>
-                        <a:ea typeface="Calibri" panose="020F0502020204030204" pitchFamily="34" charset="0"/>
-                        <a:cs typeface="Calibri" panose="020F0502020204030204" pitchFamily="34" charset="0"/>
-                      </a:endParaRPr>
-                    </a:p>
-                  </a:txBody>
-                  <a:tcPr marL="68580" marR="68580" marT="0" marB="0">
-                    <a:lnL w="12700" cap="flat" cmpd="sng" algn="ctr">
-                      <a:solidFill>
-                        <a:schemeClr val="tx1"/>
-                      </a:solidFill>
-                      <a:prstDash val="solid"/>
-                      <a:round/>
-                      <a:headEnd type="none" w="med" len="med"/>
-                      <a:tailEnd type="none" w="med" len="med"/>
-                    </a:lnL>
-                    <a:lnR w="12700" cap="flat" cmpd="sng" algn="ctr">
-                      <a:solidFill>
-                        <a:schemeClr val="tx1"/>
-                      </a:solidFill>
-                      <a:prstDash val="solid"/>
-                      <a:round/>
-                      <a:headEnd type="none" w="med" len="med"/>
-                      <a:tailEnd type="none" w="med" len="med"/>
-                    </a:lnR>
-                    <a:lnT w="12700" cap="flat" cmpd="sng" algn="ctr">
-                      <a:solidFill>
-                        <a:schemeClr val="tx1"/>
-                      </a:solidFill>
-                      <a:prstDash val="solid"/>
-                      <a:round/>
-                      <a:headEnd type="none" w="med" len="med"/>
-                      <a:tailEnd type="none" w="med" len="med"/>
-                    </a:lnT>
-                    <a:lnB w="12700" cap="flat" cmpd="sng" algn="ctr">
-                      <a:solidFill>
-                        <a:schemeClr val="tx1"/>
-                      </a:solidFill>
-                      <a:prstDash val="solid"/>
-                      <a:round/>
-                      <a:headEnd type="none" w="med" len="med"/>
-                      <a:tailEnd type="none" w="med" len="med"/>
-                    </a:lnB>
-                    <a:solidFill>
-                      <a:schemeClr val="bg1">
-                        <a:lumMod val="75000"/>
-                      </a:schemeClr>
-                    </a:solidFill>
-                  </a:tcPr>
-                </a:tc>
-                <a:tc>
-                  <a:txBody>
-                    <a:bodyPr/>
-                    <a:lstStyle/>
-                    <a:p>
-                      <a:pPr algn="ctr">
-                        <a:spcAft>
-                          <a:spcPts val="1200"/>
-                        </a:spcAft>
-                      </a:pPr>
-                      <a:r>
-                        <a:rPr lang="pt-BR" sz="2000" dirty="0">
-                          <a:effectLst/>
-                        </a:rPr>
-                        <a:t>0.05</a:t>
-                      </a:r>
-                      <a:endParaRPr lang="pt-BR" sz="2000" dirty="0">
-                        <a:effectLst/>
-                        <a:latin typeface="Calibri" panose="020F0502020204030204" pitchFamily="34" charset="0"/>
-                        <a:ea typeface="Calibri" panose="020F0502020204030204" pitchFamily="34" charset="0"/>
-                        <a:cs typeface="Calibri" panose="020F0502020204030204" pitchFamily="34" charset="0"/>
-                      </a:endParaRPr>
-                    </a:p>
-                  </a:txBody>
-                  <a:tcPr marL="68580" marR="68580" marT="0" marB="0">
-                    <a:lnL w="12700" cap="flat" cmpd="sng" algn="ctr">
-                      <a:solidFill>
-                        <a:schemeClr val="tx1"/>
-                      </a:solidFill>
-                      <a:prstDash val="solid"/>
-                      <a:round/>
-                      <a:headEnd type="none" w="med" len="med"/>
-                      <a:tailEnd type="none" w="med" len="med"/>
-                    </a:lnL>
-                    <a:solidFill>
-                      <a:schemeClr val="bg1">
-                        <a:lumMod val="75000"/>
-                      </a:schemeClr>
-                    </a:solidFill>
-                  </a:tcPr>
-                </a:tc>
-                <a:tc>
-                  <a:txBody>
-                    <a:bodyPr/>
-                    <a:lstStyle/>
-                    <a:p>
-                      <a:pPr algn="ctr">
-                        <a:spcAft>
-                          <a:spcPts val="1200"/>
-                        </a:spcAft>
-                      </a:pPr>
-                      <a:r>
-                        <a:rPr lang="pt-BR" sz="2000" dirty="0">
-                          <a:effectLst/>
-                        </a:rPr>
-                        <a:t>0.1</a:t>
-                      </a:r>
-                      <a:endParaRPr lang="pt-BR" sz="2000" dirty="0">
-                        <a:effectLst/>
-                        <a:latin typeface="Calibri" panose="020F0502020204030204" pitchFamily="34" charset="0"/>
-                        <a:ea typeface="Calibri" panose="020F0502020204030204" pitchFamily="34" charset="0"/>
-                        <a:cs typeface="Calibri" panose="020F0502020204030204" pitchFamily="34" charset="0"/>
-                      </a:endParaRPr>
-                    </a:p>
-                  </a:txBody>
-                  <a:tcPr marL="68580" marR="68580" marT="0" marB="0">
-                    <a:solidFill>
-                      <a:schemeClr val="bg1">
-                        <a:lumMod val="75000"/>
-                      </a:schemeClr>
-                    </a:solidFill>
-                  </a:tcPr>
-                </a:tc>
-                <a:tc>
-                  <a:txBody>
-                    <a:bodyPr/>
-                    <a:lstStyle/>
-                    <a:p>
-                      <a:pPr algn="ctr">
-                        <a:spcAft>
-                          <a:spcPts val="1200"/>
-                        </a:spcAft>
-                      </a:pPr>
-                      <a:r>
-                        <a:rPr lang="pt-BR" sz="2000" dirty="0">
-                          <a:effectLst/>
-                        </a:rPr>
-                        <a:t>0.2</a:t>
-                      </a:r>
-                      <a:endParaRPr lang="pt-BR" sz="2000" dirty="0">
-                        <a:effectLst/>
-                        <a:latin typeface="Calibri" panose="020F0502020204030204" pitchFamily="34" charset="0"/>
-                        <a:ea typeface="Calibri" panose="020F0502020204030204" pitchFamily="34" charset="0"/>
-                        <a:cs typeface="Calibri" panose="020F0502020204030204" pitchFamily="34" charset="0"/>
-                      </a:endParaRPr>
-                    </a:p>
-                  </a:txBody>
-                  <a:tcPr marL="68580" marR="68580" marT="0" marB="0">
-                    <a:solidFill>
-                      <a:schemeClr val="bg1">
-                        <a:lumMod val="75000"/>
-                      </a:schemeClr>
-                    </a:solidFill>
-                  </a:tcPr>
-                </a:tc>
-                <a:tc>
-                  <a:txBody>
-                    <a:bodyPr/>
-                    <a:lstStyle/>
-                    <a:p>
-                      <a:pPr algn="ctr">
-                        <a:spcAft>
-                          <a:spcPts val="1200"/>
-                        </a:spcAft>
-                      </a:pPr>
-                      <a:r>
-                        <a:rPr lang="pt-BR" sz="2000" dirty="0">
-                          <a:effectLst/>
-                        </a:rPr>
-                        <a:t>0.4</a:t>
-                      </a:r>
-                      <a:endParaRPr lang="pt-BR" sz="2000" dirty="0">
-                        <a:effectLst/>
-                        <a:latin typeface="Calibri" panose="020F0502020204030204" pitchFamily="34" charset="0"/>
-                        <a:ea typeface="Calibri" panose="020F0502020204030204" pitchFamily="34" charset="0"/>
-                        <a:cs typeface="Calibri" panose="020F0502020204030204" pitchFamily="34" charset="0"/>
-                      </a:endParaRPr>
-                    </a:p>
-                  </a:txBody>
-                  <a:tcPr marL="68580" marR="68580" marT="0" marB="0">
-                    <a:solidFill>
-                      <a:schemeClr val="bg1">
-                        <a:lumMod val="75000"/>
-                      </a:schemeClr>
-                    </a:solidFill>
-                  </a:tcPr>
-                </a:tc>
-                <a:tc>
-                  <a:txBody>
-                    <a:bodyPr/>
-                    <a:lstStyle/>
-                    <a:p>
-                      <a:pPr algn="ctr">
-                        <a:spcAft>
-                          <a:spcPts val="1200"/>
-                        </a:spcAft>
-                      </a:pPr>
-                      <a:r>
-                        <a:rPr lang="pt-BR" sz="2000" dirty="0">
-                          <a:effectLst/>
-                        </a:rPr>
-                        <a:t>0.8</a:t>
-                      </a:r>
-                      <a:endParaRPr lang="pt-BR" sz="2000" dirty="0">
-                        <a:effectLst/>
-                        <a:latin typeface="Calibri" panose="020F0502020204030204" pitchFamily="34" charset="0"/>
-                        <a:ea typeface="Calibri" panose="020F0502020204030204" pitchFamily="34" charset="0"/>
-                        <a:cs typeface="Calibri" panose="020F0502020204030204" pitchFamily="34" charset="0"/>
-                      </a:endParaRPr>
-                    </a:p>
-                  </a:txBody>
-                  <a:tcPr marL="68580" marR="68580" marT="0" marB="0">
-                    <a:solidFill>
-                      <a:schemeClr val="bg1">
-                        <a:lumMod val="75000"/>
-                      </a:schemeClr>
-                    </a:solidFill>
-                  </a:tcPr>
-                </a:tc>
-                <a:extLst>
-                  <a:ext uri="{0D108BD9-81ED-4DB2-BD59-A6C34878D82A}">
-                    <a16:rowId xmlns:a16="http://schemas.microsoft.com/office/drawing/2014/main" val="10006"/>
+                    <a16:rowId xmlns:a16="http://schemas.microsoft.com/office/drawing/2014/main" xmlns="" val="10005"/>
                   </a:ext>
                 </a:extLst>
               </a:tr>
@@ -7175,7 +7362,7 @@
     </p:spTree>
     <p:extLst>
       <p:ext uri="{BB962C8B-B14F-4D97-AF65-F5344CB8AC3E}">
-        <p14:creationId xmlns:p14="http://schemas.microsoft.com/office/powerpoint/2010/main" val="3778180431"/>
+        <p14:creationId xmlns:p14="http://schemas.microsoft.com/office/powerpoint/2010/main" val="1374162878"/>
       </p:ext>
     </p:extLst>
   </p:cSld>
@@ -7239,14 +7426,14 @@
             <p:ph idx="1"/>
             <p:extLst>
               <p:ext uri="{D42A27DB-BD31-4B8C-83A1-F6EECF244321}">
-                <p14:modId xmlns:p14="http://schemas.microsoft.com/office/powerpoint/2010/main" val="2370634650"/>
+                <p14:modId xmlns:p14="http://schemas.microsoft.com/office/powerpoint/2010/main" val="2884745867"/>
               </p:ext>
             </p:extLst>
           </p:nvPr>
         </p:nvGraphicFramePr>
         <p:xfrm>
-          <a:off x="628650" y="795594"/>
-          <a:ext cx="8021080" cy="5368502"/>
+          <a:off x="628649" y="1696063"/>
+          <a:ext cx="7748435" cy="3662520"/>
         </p:xfrm>
         <a:graphic>
           <a:graphicData uri="http://schemas.openxmlformats.org/drawingml/2006/table">
@@ -7258,47 +7445,47 @@
                 <a:gridCol w="1436125">
                   <a:extLst>
                     <a:ext uri="{9D8B030D-6E8A-4147-A177-3AD203B41FA5}">
-                      <a16:colId xmlns:a16="http://schemas.microsoft.com/office/drawing/2014/main" val="20000"/>
+                      <a16:colId xmlns:a16="http://schemas.microsoft.com/office/drawing/2014/main" xmlns="" val="20000"/>
                     </a:ext>
                   </a:extLst>
                 </a:gridCol>
-                <a:gridCol w="863776">
+                <a:gridCol w="1230232">
                   <a:extLst>
                     <a:ext uri="{9D8B030D-6E8A-4147-A177-3AD203B41FA5}">
-                      <a16:colId xmlns:a16="http://schemas.microsoft.com/office/drawing/2014/main" val="20001"/>
+                      <a16:colId xmlns:a16="http://schemas.microsoft.com/office/drawing/2014/main" xmlns="" val="20001"/>
                     </a:ext>
                   </a:extLst>
                 </a:gridCol>
-                <a:gridCol w="1272746">
+                <a:gridCol w="1270964">
                   <a:extLst>
                     <a:ext uri="{9D8B030D-6E8A-4147-A177-3AD203B41FA5}">
-                      <a16:colId xmlns:a16="http://schemas.microsoft.com/office/drawing/2014/main" val="20002"/>
+                      <a16:colId xmlns:a16="http://schemas.microsoft.com/office/drawing/2014/main" xmlns="" val="20002"/>
                     </a:ext>
                   </a:extLst>
                 </a:gridCol>
-                <a:gridCol w="1635638">
+                <a:gridCol w="1270964">
                   <a:extLst>
                     <a:ext uri="{9D8B030D-6E8A-4147-A177-3AD203B41FA5}">
-                      <a16:colId xmlns:a16="http://schemas.microsoft.com/office/drawing/2014/main" val="20003"/>
+                      <a16:colId xmlns:a16="http://schemas.microsoft.com/office/drawing/2014/main" xmlns="" val="20003"/>
                     </a:ext>
                   </a:extLst>
                 </a:gridCol>
-                <a:gridCol w="860427">
+                <a:gridCol w="1270075">
                   <a:extLst>
                     <a:ext uri="{9D8B030D-6E8A-4147-A177-3AD203B41FA5}">
-                      <a16:colId xmlns:a16="http://schemas.microsoft.com/office/drawing/2014/main" val="20004"/>
+                      <a16:colId xmlns:a16="http://schemas.microsoft.com/office/drawing/2014/main" xmlns="" val="20004"/>
                     </a:ext>
                   </a:extLst>
                 </a:gridCol>
-                <a:gridCol w="1952368">
+                <a:gridCol w="1270075">
                   <a:extLst>
                     <a:ext uri="{9D8B030D-6E8A-4147-A177-3AD203B41FA5}">
-                      <a16:colId xmlns:a16="http://schemas.microsoft.com/office/drawing/2014/main" val="20005"/>
+                      <a16:colId xmlns:a16="http://schemas.microsoft.com/office/drawing/2014/main" xmlns="" val="20005"/>
                     </a:ext>
                   </a:extLst>
                 </a:gridCol>
               </a:tblGrid>
-              <a:tr h="106160">
+              <a:tr h="604685">
                 <a:tc>
                   <a:txBody>
                     <a:bodyPr/>
@@ -7699,7 +7886,7 @@
                 </a:tc>
                 <a:extLst>
                   <a:ext uri="{0D108BD9-81ED-4DB2-BD59-A6C34878D82A}">
-                    <a16:rowId xmlns:a16="http://schemas.microsoft.com/office/drawing/2014/main" val="10000"/>
+                    <a16:rowId xmlns:a16="http://schemas.microsoft.com/office/drawing/2014/main" xmlns="" val="10000"/>
                   </a:ext>
                 </a:extLst>
               </a:tr>
@@ -7806,9 +7993,6 @@
                       <a:headEnd type="none" w="med" len="med"/>
                       <a:tailEnd type="none" w="med" len="med"/>
                     </a:lnT>
-                    <a:solidFill>
-                      <a:schemeClr val="bg1"/>
-                    </a:solidFill>
                   </a:tcPr>
                 </a:tc>
                 <a:tc>
@@ -7822,12 +8006,12 @@
                         </a:spcAft>
                       </a:pPr>
                       <a:r>
-                        <a:rPr lang="pt-BR" sz="2000" dirty="0">
+                        <a:rPr lang="pt-BR" sz="2000">
                           <a:effectLst/>
                         </a:rPr>
                         <a:t>0.09</a:t>
                       </a:r>
-                      <a:endParaRPr lang="pt-BR" sz="2000" dirty="0">
+                      <a:endParaRPr lang="pt-BR" sz="2000">
                         <a:effectLst/>
                         <a:latin typeface="Calibri" panose="020F0502020204030204" pitchFamily="34" charset="0"/>
                         <a:ea typeface="Calibri" panose="020F0502020204030204" pitchFamily="34" charset="0"/>
@@ -7845,9 +8029,6 @@
                       <a:headEnd type="none" w="med" len="med"/>
                       <a:tailEnd type="none" w="med" len="med"/>
                     </a:lnT>
-                    <a:solidFill>
-                      <a:schemeClr val="bg1"/>
-                    </a:solidFill>
                   </a:tcPr>
                 </a:tc>
                 <a:tc>
@@ -7969,7 +8150,7 @@
                 </a:tc>
                 <a:extLst>
                   <a:ext uri="{0D108BD9-81ED-4DB2-BD59-A6C34878D82A}">
-                    <a16:rowId xmlns:a16="http://schemas.microsoft.com/office/drawing/2014/main" val="10001"/>
+                    <a16:rowId xmlns:a16="http://schemas.microsoft.com/office/drawing/2014/main" xmlns="" val="10001"/>
                   </a:ext>
                 </a:extLst>
               </a:tr>
@@ -8087,11 +8268,7 @@
                       </a:endParaRPr>
                     </a:p>
                   </a:txBody>
-                  <a:tcPr marL="68580" marR="68580" marT="0" marB="0">
-                    <a:solidFill>
-                      <a:schemeClr val="bg1"/>
-                    </a:solidFill>
-                  </a:tcPr>
+                  <a:tcPr marL="68580" marR="68580" marT="0" marB="0"/>
                 </a:tc>
                 <a:tc>
                   <a:txBody>
@@ -8117,11 +8294,7 @@
                       </a:endParaRPr>
                     </a:p>
                   </a:txBody>
-                  <a:tcPr marL="68580" marR="68580" marT="0" marB="0">
-                    <a:solidFill>
-                      <a:schemeClr val="bg1"/>
-                    </a:solidFill>
-                  </a:tcPr>
+                  <a:tcPr marL="68580" marR="68580" marT="0" marB="0"/>
                 </a:tc>
                 <a:tc>
                   <a:txBody>
@@ -8164,12 +8337,12 @@
                         </a:spcAft>
                       </a:pPr>
                       <a:r>
-                        <a:rPr lang="pt-BR" sz="2000" dirty="0">
-                          <a:effectLst/>
-                        </a:rPr>
-                        <a:t>Termos de contrato inaceitáveis</a:t>
-                      </a:r>
-                      <a:endParaRPr lang="pt-BR" sz="2000" dirty="0">
+                        <a:rPr lang="pt-BR" sz="2000">
+                          <a:effectLst/>
+                        </a:rPr>
+                        <a:t>0.56</a:t>
+                      </a:r>
+                      <a:endParaRPr lang="pt-BR" sz="2000">
                         <a:effectLst/>
                         <a:latin typeface="Calibri" panose="020F0502020204030204" pitchFamily="34" charset="0"/>
                         <a:ea typeface="Calibri" panose="020F0502020204030204" pitchFamily="34" charset="0"/>
@@ -8185,11 +8358,11 @@
                 </a:tc>
                 <a:extLst>
                   <a:ext uri="{0D108BD9-81ED-4DB2-BD59-A6C34878D82A}">
-                    <a16:rowId xmlns:a16="http://schemas.microsoft.com/office/drawing/2014/main" val="10002"/>
+                    <a16:rowId xmlns:a16="http://schemas.microsoft.com/office/drawing/2014/main" xmlns="" val="10002"/>
                   </a:ext>
                 </a:extLst>
               </a:tr>
-              <a:tr h="396700">
+              <a:tr h="508820">
                 <a:tc>
                   <a:txBody>
                     <a:bodyPr/>
@@ -8303,11 +8476,7 @@
                       </a:endParaRPr>
                     </a:p>
                   </a:txBody>
-                  <a:tcPr marL="68580" marR="68580" marT="0" marB="0">
-                    <a:solidFill>
-                      <a:schemeClr val="bg1"/>
-                    </a:solidFill>
-                  </a:tcPr>
+                  <a:tcPr marL="68580" marR="68580" marT="0" marB="0"/>
                 </a:tc>
                 <a:tc>
                   <a:txBody>
@@ -8333,11 +8502,7 @@
                       </a:endParaRPr>
                     </a:p>
                   </a:txBody>
-                  <a:tcPr marL="68580" marR="68580" marT="0" marB="0">
-                    <a:solidFill>
-                      <a:schemeClr val="bg1"/>
-                    </a:solidFill>
-                  </a:tcPr>
+                  <a:tcPr marL="68580" marR="68580" marT="0" marB="0"/>
                 </a:tc>
                 <a:tc>
                   <a:txBody>
@@ -8401,11 +8566,11 @@
                 </a:tc>
                 <a:extLst>
                   <a:ext uri="{0D108BD9-81ED-4DB2-BD59-A6C34878D82A}">
-                    <a16:rowId xmlns:a16="http://schemas.microsoft.com/office/drawing/2014/main" val="10003"/>
+                    <a16:rowId xmlns:a16="http://schemas.microsoft.com/office/drawing/2014/main" xmlns="" val="10003"/>
                   </a:ext>
                 </a:extLst>
               </a:tr>
-              <a:tr h="1210962">
+              <a:tr h="508820">
                 <a:tc>
                   <a:txBody>
                     <a:bodyPr/>
@@ -8549,11 +8714,7 @@
                       </a:endParaRPr>
                     </a:p>
                   </a:txBody>
-                  <a:tcPr marL="68580" marR="68580" marT="0" marB="0">
-                    <a:solidFill>
-                      <a:schemeClr val="bg1"/>
-                    </a:solidFill>
-                  </a:tcPr>
+                  <a:tcPr marL="68580" marR="68580" marT="0" marB="0"/>
                 </a:tc>
                 <a:tc>
                   <a:txBody>
@@ -8579,33 +8740,23 @@
                       </a:endParaRPr>
                     </a:p>
                   </a:txBody>
-                  <a:tcPr marL="68580" marR="68580" marT="0" marB="0">
-                    <a:solidFill>
-                      <a:schemeClr val="bg1"/>
-                    </a:solidFill>
-                  </a:tcPr>
-                </a:tc>
-                <a:tc>
-                  <a:txBody>
-                    <a:bodyPr/>
-                    <a:lstStyle/>
-                    <a:p>
-                      <a:pPr algn="ctr">
-                        <a:spcAft>
-                          <a:spcPts val="1200"/>
-                        </a:spcAft>
-                      </a:pPr>
-                      <a:r>
-                        <a:rPr lang="pt-BR" sz="2000" dirty="0">
-                          <a:effectLst/>
-                        </a:rPr>
-                        <a:t>Desengajamento</a:t>
-                      </a:r>
-                      <a:r>
-                        <a:rPr lang="pt-BR" sz="2000" baseline="0" dirty="0">
-                          <a:effectLst/>
-                        </a:rPr>
-                        <a:t> dos desenvolvedores</a:t>
+                  <a:tcPr marL="68580" marR="68580" marT="0" marB="0"/>
+                </a:tc>
+                <a:tc>
+                  <a:txBody>
+                    <a:bodyPr/>
+                    <a:lstStyle/>
+                    <a:p>
+                      <a:pPr algn="ctr">
+                        <a:spcAft>
+                          <a:spcPts val="1200"/>
+                        </a:spcAft>
+                      </a:pPr>
+                      <a:r>
+                        <a:rPr lang="pt-BR" sz="2000" dirty="0">
+                          <a:effectLst/>
+                        </a:rPr>
+                        <a:t>0.24</a:t>
                       </a:r>
                       <a:endParaRPr lang="pt-BR" sz="2000" dirty="0">
                         <a:effectLst/>
@@ -8623,7 +8774,7 @@
                 </a:tc>
                 <a:extLst>
                   <a:ext uri="{0D108BD9-81ED-4DB2-BD59-A6C34878D82A}">
-                    <a16:rowId xmlns:a16="http://schemas.microsoft.com/office/drawing/2014/main" val="10004"/>
+                    <a16:rowId xmlns:a16="http://schemas.microsoft.com/office/drawing/2014/main" xmlns="" val="10004"/>
                   </a:ext>
                 </a:extLst>
               </a:tr>
@@ -8770,7 +8921,7 @@
                         <a:rPr lang="pt-BR" sz="2000" dirty="0">
                           <a:effectLst/>
                         </a:rPr>
-                        <a:t>Produto não ser assimilado pelos funcionários</a:t>
+                        <a:t>0.02</a:t>
                       </a:r>
                       <a:endParaRPr lang="pt-BR" sz="2000" dirty="0">
                         <a:effectLst/>
@@ -8810,45 +8961,37 @@
                       </a:endParaRPr>
                     </a:p>
                   </a:txBody>
-                  <a:tcPr marL="68580" marR="68580" marT="0" marB="0">
-                    <a:solidFill>
-                      <a:schemeClr val="bg1"/>
-                    </a:solidFill>
-                  </a:tcPr>
-                </a:tc>
-                <a:tc>
-                  <a:txBody>
-                    <a:bodyPr/>
-                    <a:lstStyle/>
-                    <a:p>
-                      <a:pPr algn="ctr">
-                        <a:spcAft>
-                          <a:spcPts val="1200"/>
-                        </a:spcAft>
-                      </a:pPr>
-                      <a:r>
-                        <a:rPr lang="pt-BR" sz="2000" dirty="0">
-                          <a:effectLst/>
-                        </a:rPr>
-                        <a:t>Incêndio na fotocopiadora</a:t>
-                      </a:r>
-                      <a:endParaRPr lang="pt-BR" sz="2000" dirty="0">
-                        <a:effectLst/>
-                        <a:latin typeface="Calibri" panose="020F0502020204030204" pitchFamily="34" charset="0"/>
-                        <a:ea typeface="Calibri" panose="020F0502020204030204" pitchFamily="34" charset="0"/>
-                        <a:cs typeface="Calibri" panose="020F0502020204030204" pitchFamily="34" charset="0"/>
-                      </a:endParaRPr>
-                    </a:p>
-                  </a:txBody>
-                  <a:tcPr marL="68580" marR="68580" marT="0" marB="0">
-                    <a:solidFill>
-                      <a:schemeClr val="bg1"/>
-                    </a:solidFill>
-                  </a:tcPr>
+                  <a:tcPr marL="68580" marR="68580" marT="0" marB="0"/>
+                </a:tc>
+                <a:tc>
+                  <a:txBody>
+                    <a:bodyPr/>
+                    <a:lstStyle/>
+                    <a:p>
+                      <a:pPr algn="ctr">
+                        <a:spcAft>
+                          <a:spcPts val="1200"/>
+                        </a:spcAft>
+                      </a:pPr>
+                      <a:r>
+                        <a:rPr lang="pt-BR" sz="2000" dirty="0">
+                          <a:effectLst/>
+                        </a:rPr>
+                        <a:t>0.08</a:t>
+                      </a:r>
+                      <a:endParaRPr lang="pt-BR" sz="2000" dirty="0">
+                        <a:effectLst/>
+                        <a:latin typeface="Calibri" panose="020F0502020204030204" pitchFamily="34" charset="0"/>
+                        <a:ea typeface="Calibri" panose="020F0502020204030204" pitchFamily="34" charset="0"/>
+                        <a:cs typeface="Calibri" panose="020F0502020204030204" pitchFamily="34" charset="0"/>
+                      </a:endParaRPr>
+                    </a:p>
+                  </a:txBody>
+                  <a:tcPr marL="68580" marR="68580" marT="0" marB="0"/>
                 </a:tc>
                 <a:extLst>
                   <a:ext uri="{0D108BD9-81ED-4DB2-BD59-A6C34878D82A}">
-                    <a16:rowId xmlns:a16="http://schemas.microsoft.com/office/drawing/2014/main" val="10005"/>
+                    <a16:rowId xmlns:a16="http://schemas.microsoft.com/office/drawing/2014/main" xmlns="" val="10005"/>
                   </a:ext>
                 </a:extLst>
               </a:tr>
@@ -9092,7 +9235,7 @@
                 </a:tc>
                 <a:extLst>
                   <a:ext uri="{0D108BD9-81ED-4DB2-BD59-A6C34878D82A}">
-                    <a16:rowId xmlns:a16="http://schemas.microsoft.com/office/drawing/2014/main" val="10006"/>
+                    <a16:rowId xmlns:a16="http://schemas.microsoft.com/office/drawing/2014/main" xmlns="" val="10006"/>
                   </a:ext>
                 </a:extLst>
               </a:tr>
@@ -9103,7 +9246,7 @@
     </p:spTree>
     <p:extLst>
       <p:ext uri="{BB962C8B-B14F-4D97-AF65-F5344CB8AC3E}">
-        <p14:creationId xmlns:p14="http://schemas.microsoft.com/office/powerpoint/2010/main" val="499593355"/>
+        <p14:creationId xmlns:p14="http://schemas.microsoft.com/office/powerpoint/2010/main" val="3778180431"/>
       </p:ext>
     </p:extLst>
   </p:cSld>
